--- a/20151104820_zhaolei_xiaofangwangzhan/毕设资料/20151104820-赵磊-开题报告PPT.pptx
+++ b/20151104820_zhaolei_xiaofangwangzhan/毕设资料/20151104820-赵磊-开题报告PPT.pptx
@@ -5,23 +5,24 @@
     <p:sldMasterId id="2147483648" r:id="rId1"/>
   </p:sldMasterIdLst>
   <p:notesMasterIdLst>
-    <p:notesMasterId r:id="rId13"/>
+    <p:notesMasterId r:id="rId14"/>
   </p:notesMasterIdLst>
   <p:handoutMasterIdLst>
-    <p:handoutMasterId r:id="rId14"/>
+    <p:handoutMasterId r:id="rId15"/>
   </p:handoutMasterIdLst>
   <p:sldIdLst>
     <p:sldId id="256" r:id="rId2"/>
     <p:sldId id="382" r:id="rId3"/>
     <p:sldId id="296" r:id="rId4"/>
     <p:sldId id="275" r:id="rId5"/>
-    <p:sldId id="299" r:id="rId6"/>
-    <p:sldId id="259" r:id="rId7"/>
-    <p:sldId id="301" r:id="rId8"/>
-    <p:sldId id="282" r:id="rId9"/>
-    <p:sldId id="303" r:id="rId10"/>
-    <p:sldId id="349" r:id="rId11"/>
-    <p:sldId id="418" r:id="rId12"/>
+    <p:sldId id="419" r:id="rId6"/>
+    <p:sldId id="299" r:id="rId7"/>
+    <p:sldId id="259" r:id="rId8"/>
+    <p:sldId id="301" r:id="rId9"/>
+    <p:sldId id="282" r:id="rId10"/>
+    <p:sldId id="303" r:id="rId11"/>
+    <p:sldId id="349" r:id="rId12"/>
+    <p:sldId id="418" r:id="rId13"/>
   </p:sldIdLst>
   <p:sldSz cx="12192000" cy="6858000"/>
   <p:notesSz cx="6858000" cy="9144000"/>
@@ -205,7 +206,7 @@
           <a:p>
             <a:fld id="{84B18F8A-74B5-9148-A891-627592061A38}" type="datetimeFigureOut">
               <a:rPr kumimoji="1" lang="zh-CN" altLang="en-US" smtClean="0"/>
-              <a:t>2018/10/11</a:t>
+              <a:t>2018/10/15</a:t>
             </a:fld>
             <a:endParaRPr kumimoji="1" lang="zh-CN" altLang="en-US"/>
           </a:p>
@@ -371,7 +372,7 @@
           <a:p>
             <a:fld id="{E6D6ACD6-F780-4A47-B5D9-D292A4BD6F81}" type="datetimeFigureOut">
               <a:rPr kumimoji="1" lang="zh-CN" altLang="en-US" smtClean="0"/>
-              <a:t>2018/10/11</a:t>
+              <a:t>2018/10/15</a:t>
             </a:fld>
             <a:endParaRPr kumimoji="1" lang="zh-CN" altLang="en-US"/>
           </a:p>
@@ -904,7 +905,7 @@
           <a:p>
             <a:fld id="{D712715C-60D8-4442-95C1-470452B8606C}" type="slidenum">
               <a:rPr kumimoji="1" lang="zh-CN" altLang="en-US" smtClean="0"/>
-              <a:t>10</a:t>
+              <a:t>11</a:t>
             </a:fld>
             <a:endParaRPr kumimoji="1" lang="zh-CN" altLang="en-US"/>
           </a:p>
@@ -983,7 +984,7 @@
           <a:p>
             <a:fld id="{D712715C-60D8-4442-95C1-470452B8606C}" type="slidenum">
               <a:rPr kumimoji="1" lang="zh-CN" altLang="en-US" smtClean="0"/>
-              <a:t>11</a:t>
+              <a:t>12</a:t>
             </a:fld>
             <a:endParaRPr kumimoji="1" lang="zh-CN" altLang="en-US"/>
           </a:p>
@@ -1419,7 +1420,7 @@
           <a:p>
             <a:fld id="{D712715C-60D8-4442-95C1-470452B8606C}" type="slidenum">
               <a:rPr kumimoji="1" lang="zh-CN" altLang="en-US" smtClean="0"/>
-              <a:t>5</a:t>
+              <a:t>6</a:t>
             </a:fld>
             <a:endParaRPr kumimoji="1" lang="zh-CN" altLang="en-US"/>
           </a:p>
@@ -1498,7 +1499,7 @@
           <a:p>
             <a:fld id="{D712715C-60D8-4442-95C1-470452B8606C}" type="slidenum">
               <a:rPr kumimoji="1" lang="zh-CN" altLang="en-US" smtClean="0"/>
-              <a:t>6</a:t>
+              <a:t>7</a:t>
             </a:fld>
             <a:endParaRPr kumimoji="1" lang="zh-CN" altLang="en-US"/>
           </a:p>
@@ -1577,7 +1578,7 @@
           <a:p>
             <a:fld id="{D712715C-60D8-4442-95C1-470452B8606C}" type="slidenum">
               <a:rPr kumimoji="1" lang="zh-CN" altLang="en-US" smtClean="0"/>
-              <a:t>7</a:t>
+              <a:t>8</a:t>
             </a:fld>
             <a:endParaRPr kumimoji="1" lang="zh-CN" altLang="en-US"/>
           </a:p>
@@ -1656,7 +1657,7 @@
           <a:p>
             <a:fld id="{D712715C-60D8-4442-95C1-470452B8606C}" type="slidenum">
               <a:rPr kumimoji="1" lang="zh-CN" altLang="en-US" smtClean="0"/>
-              <a:t>8</a:t>
+              <a:t>9</a:t>
             </a:fld>
             <a:endParaRPr kumimoji="1" lang="zh-CN" altLang="en-US"/>
           </a:p>
@@ -1735,7 +1736,7 @@
           <a:p>
             <a:fld id="{D712715C-60D8-4442-95C1-470452B8606C}" type="slidenum">
               <a:rPr kumimoji="1" lang="zh-CN" altLang="en-US" smtClean="0"/>
-              <a:t>9</a:t>
+              <a:t>10</a:t>
             </a:fld>
             <a:endParaRPr kumimoji="1" lang="zh-CN" altLang="en-US"/>
           </a:p>
@@ -1908,7 +1909,7 @@
           <a:p>
             <a:fld id="{C9E60F58-3108-4415-857A-6D0360DF626E}" type="datetimeFigureOut">
               <a:rPr lang="zh-CN" altLang="en-US" smtClean="0"/>
-              <a:t>2018/10/11</a:t>
+              <a:t>2018/10/15</a:t>
             </a:fld>
             <a:endParaRPr lang="zh-CN" altLang="en-US"/>
           </a:p>
@@ -5237,18 +5238,7 @@
                 <a:ea typeface="微软雅黑" panose="020B0503020204020204" pitchFamily="34" charset="-122"/>
                 <a:cs typeface="微软雅黑" panose="020B0503020204020204" pitchFamily="34" charset="-122"/>
               </a:rPr>
-              <a:t>导师</a:t>
-            </a:r>
-            <a:r>
-              <a:rPr lang="zh-CN" altLang="en-US" b="1" dirty="0" smtClean="0">
-                <a:solidFill>
-                  <a:srgbClr val="071F65"/>
-                </a:solidFill>
-                <a:latin typeface="微软雅黑" panose="020B0503020204020204" pitchFamily="34" charset="-122"/>
-                <a:ea typeface="微软雅黑" panose="020B0503020204020204" pitchFamily="34" charset="-122"/>
-                <a:cs typeface="微软雅黑" panose="020B0503020204020204" pitchFamily="34" charset="-122"/>
-              </a:rPr>
-              <a:t>：</a:t>
+              <a:t>导师：</a:t>
             </a:r>
             <a:r>
               <a:rPr lang="zh-CN" altLang="en-US" b="1" dirty="0">
@@ -5397,18 +5387,7 @@
                 <a:ea typeface="微软雅黑" panose="020B0503020204020204" pitchFamily="34" charset="-122"/>
                 <a:cs typeface="微软雅黑" panose="020B0503020204020204" pitchFamily="34" charset="-122"/>
               </a:rPr>
-              <a:t>人</a:t>
-            </a:r>
-            <a:r>
-              <a:rPr kumimoji="1" lang="zh-CN" altLang="en-US" b="1" dirty="0" smtClean="0">
-                <a:solidFill>
-                  <a:srgbClr val="071F65"/>
-                </a:solidFill>
-                <a:latin typeface="微软雅黑" panose="020B0503020204020204" pitchFamily="34" charset="-122"/>
-                <a:ea typeface="微软雅黑" panose="020B0503020204020204" pitchFamily="34" charset="-122"/>
-                <a:cs typeface="微软雅黑" panose="020B0503020204020204" pitchFamily="34" charset="-122"/>
-              </a:rPr>
-              <a:t>：</a:t>
+              <a:t>人：</a:t>
             </a:r>
             <a:r>
               <a:rPr kumimoji="1" lang="zh-CN" altLang="en-US" b="1" dirty="0">
@@ -6098,14 +6077,7 @@
                 <a:latin typeface="微软雅黑" panose="020B0503020204020204" pitchFamily="34" charset="-122"/>
                 <a:ea typeface="微软雅黑" panose="020B0503020204020204" pitchFamily="34" charset="-122"/>
               </a:rPr>
-              <a:t>级计算机科学与技术</a:t>
-            </a:r>
-            <a:r>
-              <a:rPr lang="zh-CN" altLang="en-US" b="1" dirty="0" smtClean="0">
-                <a:latin typeface="微软雅黑" panose="020B0503020204020204" pitchFamily="34" charset="-122"/>
-                <a:ea typeface="微软雅黑" panose="020B0503020204020204" pitchFamily="34" charset="-122"/>
-              </a:rPr>
-              <a:t>（嵌入式二班）</a:t>
+              <a:t>级计算机科学与技术（嵌入式二班）</a:t>
             </a:r>
             <a:endParaRPr lang="zh-CN" altLang="en-US" b="1" dirty="0">
               <a:latin typeface="微软雅黑" panose="020B0503020204020204" pitchFamily="34" charset="-122"/>
@@ -6157,14 +6129,6 @@
               </a:rPr>
               <a:t>20151104820</a:t>
             </a:r>
-            <a:endParaRPr kumimoji="1" lang="en-US" altLang="zh-CN" b="1" dirty="0" smtClean="0">
-              <a:solidFill>
-                <a:srgbClr val="071F65"/>
-              </a:solidFill>
-              <a:latin typeface="微软雅黑" panose="020B0503020204020204" pitchFamily="34" charset="-122"/>
-              <a:ea typeface="微软雅黑" panose="020B0503020204020204" pitchFamily="34" charset="-122"/>
-              <a:cs typeface="微软雅黑" panose="020B0503020204020204" pitchFamily="34" charset="-122"/>
-            </a:endParaRPr>
           </a:p>
         </p:txBody>
       </p:sp>
@@ -6827,6 +6791,248 @@
 </file>
 
 <file path=ppt/slides/slide10.xml><?xml version="1.0" encoding="utf-8"?>
+<p:sld xmlns:a="http://schemas.openxmlformats.org/drawingml/2006/main" xmlns:r="http://schemas.openxmlformats.org/officeDocument/2006/relationships" xmlns:p="http://schemas.openxmlformats.org/presentationml/2006/main">
+  <p:cSld>
+    <p:spTree>
+      <p:nvGrpSpPr>
+        <p:cNvPr id="1" name=""/>
+        <p:cNvGrpSpPr/>
+        <p:nvPr/>
+      </p:nvGrpSpPr>
+      <p:grpSpPr>
+        <a:xfrm>
+          <a:off x="0" y="0"/>
+          <a:ext cx="0" cy="0"/>
+          <a:chOff x="0" y="0"/>
+          <a:chExt cx="0" cy="0"/>
+        </a:xfrm>
+      </p:grpSpPr>
+      <p:sp>
+        <p:nvSpPr>
+          <p:cNvPr id="3" name="文本框 2"/>
+          <p:cNvSpPr txBox="1"/>
+          <p:nvPr/>
+        </p:nvSpPr>
+        <p:spPr>
+          <a:xfrm>
+            <a:off x="3729078" y="2556163"/>
+            <a:ext cx="1146468" cy="1200329"/>
+          </a:xfrm>
+          <a:prstGeom prst="rect">
+            <a:avLst/>
+          </a:prstGeom>
+          <a:noFill/>
+        </p:spPr>
+        <p:txBody>
+          <a:bodyPr wrap="none" rtlCol="0">
+            <a:spAutoFit/>
+          </a:bodyPr>
+          <a:lstStyle/>
+          <a:p>
+            <a:r>
+              <a:rPr lang="en-US" altLang="zh-CN" b="1" dirty="0" smtClean="0">
+                <a:solidFill>
+                  <a:schemeClr val="bg1"/>
+                </a:solidFill>
+              </a:rPr>
+              <a:t>Part</a:t>
+            </a:r>
+            <a:r>
+              <a:rPr lang="en-US" altLang="zh-CN" sz="7200" b="1" dirty="0" smtClean="0">
+                <a:solidFill>
+                  <a:schemeClr val="bg1"/>
+                </a:solidFill>
+              </a:rPr>
+              <a:t>4</a:t>
+            </a:r>
+            <a:endParaRPr lang="zh-CN" altLang="en-US" sz="7200" b="1" dirty="0">
+              <a:solidFill>
+                <a:schemeClr val="bg1"/>
+              </a:solidFill>
+            </a:endParaRPr>
+          </a:p>
+        </p:txBody>
+      </p:sp>
+      <p:sp>
+        <p:nvSpPr>
+          <p:cNvPr id="4" name="矩形 3"/>
+          <p:cNvSpPr/>
+          <p:nvPr/>
+        </p:nvSpPr>
+        <p:spPr>
+          <a:xfrm>
+            <a:off x="5667985" y="2744858"/>
+            <a:ext cx="3162300" cy="829945"/>
+          </a:xfrm>
+          <a:prstGeom prst="rect">
+            <a:avLst/>
+          </a:prstGeom>
+        </p:spPr>
+        <p:txBody>
+          <a:bodyPr wrap="none">
+            <a:spAutoFit/>
+          </a:bodyPr>
+          <a:lstStyle/>
+          <a:p>
+            <a:r>
+              <a:rPr lang="zh-CN" altLang="en-US" sz="4800" dirty="0" smtClean="0">
+                <a:solidFill>
+                  <a:schemeClr val="bg1"/>
+                </a:solidFill>
+                <a:latin typeface="+mj-ea"/>
+              </a:rPr>
+              <a:t>工 作 计 划</a:t>
+            </a:r>
+            <a:endParaRPr lang="zh-CN" altLang="en-US" sz="4800" dirty="0"/>
+          </a:p>
+        </p:txBody>
+      </p:sp>
+    </p:spTree>
+  </p:cSld>
+  <p:clrMapOvr>
+    <a:masterClrMapping/>
+  </p:clrMapOvr>
+  <p:transition>
+    <p:wipe/>
+  </p:transition>
+  <p:timing>
+    <p:tnLst>
+      <p:par>
+        <p:cTn id="1" dur="indefinite" restart="never" nodeType="tmRoot">
+          <p:childTnLst>
+            <p:seq concurrent="1" nextAc="seek">
+              <p:cTn id="2" dur="indefinite" nodeType="mainSeq">
+                <p:childTnLst>
+                  <p:par>
+                    <p:cTn id="3" fill="hold">
+                      <p:stCondLst>
+                        <p:cond delay="indefinite"/>
+                        <p:cond evt="onBegin" delay="0">
+                          <p:tn val="2"/>
+                        </p:cond>
+                      </p:stCondLst>
+                      <p:childTnLst>
+                        <p:par>
+                          <p:cTn id="4" fill="hold">
+                            <p:stCondLst>
+                              <p:cond delay="0"/>
+                            </p:stCondLst>
+                            <p:childTnLst>
+                              <p:par>
+                                <p:cTn id="5" presetID="14" presetClass="entr" presetSubtype="10" fill="hold" grpId="0" nodeType="afterEffect">
+                                  <p:stCondLst>
+                                    <p:cond delay="0"/>
+                                  </p:stCondLst>
+                                  <p:childTnLst>
+                                    <p:set>
+                                      <p:cBhvr>
+                                        <p:cTn id="6" dur="1" fill="hold">
+                                          <p:stCondLst>
+                                            <p:cond delay="0"/>
+                                          </p:stCondLst>
+                                        </p:cTn>
+                                        <p:tgtEl>
+                                          <p:spTgt spid="3"/>
+                                        </p:tgtEl>
+                                        <p:attrNameLst>
+                                          <p:attrName>style.visibility</p:attrName>
+                                        </p:attrNameLst>
+                                      </p:cBhvr>
+                                      <p:to>
+                                        <p:strVal val="visible"/>
+                                      </p:to>
+                                    </p:set>
+                                    <p:animEffect transition="in" filter="randombar(horizontal)">
+                                      <p:cBhvr>
+                                        <p:cTn id="7" dur="500"/>
+                                        <p:tgtEl>
+                                          <p:spTgt spid="3"/>
+                                        </p:tgtEl>
+                                      </p:cBhvr>
+                                    </p:animEffect>
+                                  </p:childTnLst>
+                                </p:cTn>
+                              </p:par>
+                            </p:childTnLst>
+                          </p:cTn>
+                        </p:par>
+                        <p:par>
+                          <p:cTn id="8" fill="hold">
+                            <p:stCondLst>
+                              <p:cond delay="500"/>
+                            </p:stCondLst>
+                            <p:childTnLst>
+                              <p:par>
+                                <p:cTn id="9" presetID="22" presetClass="entr" presetSubtype="8" fill="hold" grpId="0" nodeType="afterEffect">
+                                  <p:stCondLst>
+                                    <p:cond delay="0"/>
+                                  </p:stCondLst>
+                                  <p:childTnLst>
+                                    <p:set>
+                                      <p:cBhvr>
+                                        <p:cTn id="10" dur="1" fill="hold">
+                                          <p:stCondLst>
+                                            <p:cond delay="0"/>
+                                          </p:stCondLst>
+                                        </p:cTn>
+                                        <p:tgtEl>
+                                          <p:spTgt spid="4"/>
+                                        </p:tgtEl>
+                                        <p:attrNameLst>
+                                          <p:attrName>style.visibility</p:attrName>
+                                        </p:attrNameLst>
+                                      </p:cBhvr>
+                                      <p:to>
+                                        <p:strVal val="visible"/>
+                                      </p:to>
+                                    </p:set>
+                                    <p:animEffect transition="in" filter="wipe(left)">
+                                      <p:cBhvr>
+                                        <p:cTn id="11" dur="500"/>
+                                        <p:tgtEl>
+                                          <p:spTgt spid="4"/>
+                                        </p:tgtEl>
+                                      </p:cBhvr>
+                                    </p:animEffect>
+                                  </p:childTnLst>
+                                </p:cTn>
+                              </p:par>
+                            </p:childTnLst>
+                          </p:cTn>
+                        </p:par>
+                      </p:childTnLst>
+                    </p:cTn>
+                  </p:par>
+                </p:childTnLst>
+              </p:cTn>
+              <p:prevCondLst>
+                <p:cond evt="onPrev" delay="0">
+                  <p:tgtEl>
+                    <p:sldTgt/>
+                  </p:tgtEl>
+                </p:cond>
+              </p:prevCondLst>
+              <p:nextCondLst>
+                <p:cond evt="onNext" delay="0">
+                  <p:tgtEl>
+                    <p:sldTgt/>
+                  </p:tgtEl>
+                </p:cond>
+              </p:nextCondLst>
+            </p:seq>
+          </p:childTnLst>
+        </p:cTn>
+      </p:par>
+    </p:tnLst>
+    <p:bldLst>
+      <p:bldP spid="3" grpId="0"/>
+      <p:bldP spid="4" grpId="0"/>
+    </p:bldLst>
+  </p:timing>
+</p:sld>
+</file>
+
+<file path=ppt/slides/slide11.xml><?xml version="1.0" encoding="utf-8"?>
 <p:sld xmlns:a="http://schemas.openxmlformats.org/drawingml/2006/main" xmlns:r="http://schemas.openxmlformats.org/officeDocument/2006/relationships" xmlns:p="http://schemas.openxmlformats.org/presentationml/2006/main">
   <p:cSld>
     <p:spTree>
@@ -9229,7 +9435,7 @@
 </p:sld>
 </file>
 
-<file path=ppt/slides/slide11.xml><?xml version="1.0" encoding="utf-8"?>
+<file path=ppt/slides/slide12.xml><?xml version="1.0" encoding="utf-8"?>
 <p:sld xmlns:a="http://schemas.openxmlformats.org/drawingml/2006/main" xmlns:r="http://schemas.openxmlformats.org/officeDocument/2006/relationships" xmlns:p="http://schemas.openxmlformats.org/presentationml/2006/main">
   <p:cSld>
     <p:spTree>
@@ -11132,13 +11338,6 @@
               </a:rPr>
               <a:t>文献</a:t>
             </a:r>
-            <a:endParaRPr lang="zh-CN" sz="2000" b="1" dirty="0" smtClean="0">
-              <a:solidFill>
-                <a:schemeClr val="bg1"/>
-              </a:solidFill>
-              <a:latin typeface="微软雅黑" panose="020B0503020204020204" pitchFamily="34" charset="-122"/>
-              <a:ea typeface="微软雅黑" panose="020B0503020204020204" pitchFamily="34" charset="-122"/>
-            </a:endParaRPr>
           </a:p>
         </p:txBody>
       </p:sp>
@@ -13163,6 +13362,11 @@
 <file path=ppt/slides/slide4.xml><?xml version="1.0" encoding="utf-8"?>
 <p:sld xmlns:a="http://schemas.openxmlformats.org/drawingml/2006/main" xmlns:r="http://schemas.openxmlformats.org/officeDocument/2006/relationships" xmlns:p="http://schemas.openxmlformats.org/presentationml/2006/main">
   <p:cSld>
+    <p:bg>
+      <p:bgRef idx="1001">
+        <a:schemeClr val="bg1"/>
+      </p:bgRef>
+    </p:bg>
     <p:spTree>
       <p:nvGrpSpPr>
         <p:cNvPr id="1" name=""/>
@@ -13216,8 +13420,8 @@
         </p:nvSpPr>
         <p:spPr>
           <a:xfrm>
-            <a:off x="602615" y="1593878"/>
-            <a:ext cx="10360025" cy="5262979"/>
+            <a:off x="602614" y="1169336"/>
+            <a:ext cx="10360025" cy="4524315"/>
           </a:xfrm>
           <a:prstGeom prst="rect">
             <a:avLst/>
@@ -13231,128 +13435,101 @@
           <a:lstStyle/>
           <a:p>
             <a:r>
-              <a:rPr lang="zh-CN" altLang="zh-CN" sz="2400" dirty="0">
+              <a:rPr lang="zh-CN" altLang="en-US" sz="2400" b="1" dirty="0" smtClean="0">
                 <a:latin typeface="+mn-ea"/>
               </a:rPr>
-              <a:t>随着科学技术的不断提高，计算机科学日渐成熟，其强大的功能已为人们深刻认识，它已进入人类社会的各个领域并发挥着越来越重要的作用。</a:t>
-            </a:r>
-          </a:p>
-          <a:p>
-            <a:r>
-              <a:rPr lang="zh-CN" altLang="zh-CN" sz="2400" dirty="0">
+              <a:t>立题依据：</a:t>
+            </a:r>
+            <a:endParaRPr lang="en-US" altLang="zh-CN" sz="2400" b="1" dirty="0" smtClean="0">
+              <a:latin typeface="+mn-ea"/>
+            </a:endParaRPr>
+          </a:p>
+          <a:p>
+            <a:r>
+              <a:rPr lang="en-US" altLang="zh-CN" sz="2400" dirty="0" smtClean="0">
                 <a:latin typeface="+mn-ea"/>
               </a:rPr>
-              <a:t>消防意识一直是被社会所重视的一个话题，而且好多的公司或者政府都会下发一些消防手册供人们去浏览学习，但是现在是一个信息化的时代，很多年龄大的人都开始学着去上网，在网上搜索浏览自己需要的知识，更不用说年轻人，电子浏览的时间基本都超过了纸质浏览的时间。所以针对这一现象，我设计并制作了一个消防网站，向社会大众提供一个可以清晰浏览消防知识的平台，人们无需登陆便可以浏览本网站所有的消防知识，也可以登陆之后提出自己的宝贵意见与建议，并且可以通过网站去参加一些线上线下的消防公益活动。</a:t>
-            </a:r>
-          </a:p>
-          <a:p>
-            <a:r>
-              <a:rPr lang="zh-CN" altLang="zh-CN" sz="2400" dirty="0">
-                <a:latin typeface="+mn-ea"/>
-              </a:rPr>
-              <a:t>网站采用</a:t>
-            </a:r>
-            <a:r>
-              <a:rPr lang="en-US" altLang="zh-CN" sz="2400" dirty="0">
-                <a:latin typeface="+mn-ea"/>
-              </a:rPr>
+              <a:t>	</a:t>
+            </a:r>
+            <a:r>
+              <a:rPr lang="zh-CN" altLang="zh-CN" sz="2400" dirty="0"/>
+              <a:t>消防意识一直是被社会所重视的一个话题，而且好多的公司或者政府都会下发一些消防手册供人们去浏览学习，但是现在是一个信息化的时代，很多年龄大的人都开始学着去上网，在网上搜索浏览自己需要的知识，更不用说年轻人，电子浏览的时间基本都超过了纸质浏览的时间。所以针对这一现象，我设计并制作了一个消防网站，向社会大众提供一个可以清晰浏览消防知识的平台。 </a:t>
+            </a:r>
+            <a:endParaRPr lang="en-US" altLang="zh-CN" sz="2400" dirty="0" smtClean="0"/>
+          </a:p>
+          <a:p>
+            <a:r>
+              <a:rPr lang="zh-CN" altLang="en-US" sz="2400" b="1" dirty="0"/>
+              <a:t>主要</a:t>
+            </a:r>
+            <a:r>
+              <a:rPr lang="zh-CN" altLang="en-US" sz="2400" b="1" dirty="0" smtClean="0"/>
+              <a:t>内容：</a:t>
+            </a:r>
+            <a:endParaRPr lang="en-US" altLang="zh-CN" sz="2400" b="1" dirty="0" smtClean="0"/>
+          </a:p>
+          <a:p>
+            <a:r>
+              <a:rPr lang="en-US" altLang="zh-CN" sz="2400" dirty="0" smtClean="0"/>
+              <a:t>	</a:t>
+            </a:r>
+            <a:r>
+              <a:rPr lang="zh-CN" altLang="zh-CN" sz="2400" dirty="0" smtClean="0"/>
+              <a:t>网站</a:t>
+            </a:r>
+            <a:r>
+              <a:rPr lang="zh-CN" altLang="zh-CN" sz="2400" dirty="0"/>
+              <a:t>采用</a:t>
+            </a:r>
+            <a:r>
+              <a:rPr lang="en-US" altLang="zh-CN" sz="2400" dirty="0"/>
               <a:t>Java EE </a:t>
             </a:r>
             <a:r>
-              <a:rPr lang="zh-CN" altLang="zh-CN" sz="2400" dirty="0">
-                <a:latin typeface="+mn-ea"/>
-              </a:rPr>
+              <a:rPr lang="zh-CN" altLang="zh-CN" sz="2400" dirty="0"/>
               <a:t>技术，以</a:t>
             </a:r>
             <a:r>
-              <a:rPr lang="en-US" altLang="zh-CN" sz="2400" dirty="0">
-                <a:latin typeface="+mn-ea"/>
-              </a:rPr>
+              <a:rPr lang="en-US" altLang="zh-CN" sz="2400" dirty="0"/>
               <a:t>MySQL</a:t>
             </a:r>
             <a:r>
-              <a:rPr lang="zh-CN" altLang="zh-CN" sz="2400" dirty="0">
-                <a:latin typeface="+mn-ea"/>
-              </a:rPr>
+              <a:rPr lang="zh-CN" altLang="zh-CN" sz="2400" dirty="0"/>
               <a:t>数据库为后台数据库，通过</a:t>
             </a:r>
             <a:r>
-              <a:rPr lang="en-US" altLang="zh-CN" sz="2400" dirty="0">
-                <a:latin typeface="+mn-ea"/>
-              </a:rPr>
+              <a:rPr lang="en-US" altLang="zh-CN" sz="2400" dirty="0"/>
               <a:t>servlet</a:t>
             </a:r>
             <a:r>
-              <a:rPr lang="zh-CN" altLang="zh-CN" sz="2400" dirty="0">
-                <a:latin typeface="+mn-ea"/>
-              </a:rPr>
+              <a:rPr lang="zh-CN" altLang="zh-CN" sz="2400" dirty="0"/>
               <a:t>、</a:t>
             </a:r>
             <a:r>
-              <a:rPr lang="en-US" altLang="zh-CN" sz="2400" dirty="0" err="1">
-                <a:latin typeface="+mn-ea"/>
-              </a:rPr>
+              <a:rPr lang="en-US" altLang="zh-CN" sz="2400" dirty="0" err="1"/>
               <a:t>jsp</a:t>
             </a:r>
             <a:r>
-              <a:rPr lang="zh-CN" altLang="zh-CN" sz="2400" dirty="0">
-                <a:latin typeface="+mn-ea"/>
-              </a:rPr>
+              <a:rPr lang="zh-CN" altLang="zh-CN" sz="2400" dirty="0"/>
               <a:t>、</a:t>
             </a:r>
             <a:r>
-              <a:rPr lang="en-US" altLang="zh-CN" sz="2400" dirty="0" err="1">
-                <a:latin typeface="+mn-ea"/>
-              </a:rPr>
+              <a:rPr lang="en-US" altLang="zh-CN" sz="2400" dirty="0" err="1"/>
               <a:t>css</a:t>
             </a:r>
             <a:r>
-              <a:rPr lang="zh-CN" altLang="zh-CN" sz="2400" dirty="0">
-                <a:latin typeface="+mn-ea"/>
-              </a:rPr>
-              <a:t>等相关技术，以实现大众方便、快捷的浏览到需要的消防知识为基础目标，制作出消防网站浏览页面。这次设计包括以下几个部分：用户模块、管理员模块。</a:t>
-            </a:r>
-          </a:p>
-        </p:txBody>
-      </p:sp>
-      <p:sp>
-        <p:nvSpPr>
-          <p:cNvPr id="12" name="文本框 11"/>
-          <p:cNvSpPr txBox="1"/>
-          <p:nvPr/>
-        </p:nvSpPr>
-        <p:spPr>
-          <a:xfrm>
-            <a:off x="2741930" y="798830"/>
-            <a:ext cx="6386195" cy="710387"/>
-          </a:xfrm>
-          <a:prstGeom prst="rect">
-            <a:avLst/>
-          </a:prstGeom>
-          <a:noFill/>
-        </p:spPr>
-        <p:txBody>
-          <a:bodyPr wrap="square" rtlCol="0">
-            <a:spAutoFit/>
-          </a:bodyPr>
-          <a:lstStyle/>
-          <a:p>
-            <a:pPr algn="ctr">
-              <a:lnSpc>
-                <a:spcPct val="130000"/>
-              </a:lnSpc>
-            </a:pPr>
-            <a:r>
-              <a:rPr lang="zh-CN" altLang="en-US" sz="3600" b="1" dirty="0" smtClean="0">
-                <a:latin typeface="宋体" panose="02010600030101010101" pitchFamily="2" charset="-122"/>
-                <a:ea typeface="宋体" panose="02010600030101010101" pitchFamily="2" charset="-122"/>
-              </a:rPr>
-              <a:t>消防网站</a:t>
-            </a:r>
-            <a:endParaRPr lang="zh-CN" altLang="en-US" sz="3600" b="1" dirty="0" smtClean="0">
-              <a:latin typeface="宋体" panose="02010600030101010101" pitchFamily="2" charset="-122"/>
-              <a:ea typeface="宋体" panose="02010600030101010101" pitchFamily="2" charset="-122"/>
-            </a:endParaRPr>
+              <a:rPr lang="zh-CN" altLang="zh-CN" sz="2400" dirty="0"/>
+              <a:t>等相关技术，以实现大众方便、快捷的浏览到需要的消防知识为基础目标，制作出消防网站。人们无需登陆便可以浏览本网站所有的消防知识，也可以注册</a:t>
+            </a:r>
+            <a:r>
+              <a:rPr lang="zh-CN" altLang="zh-CN" sz="2400" dirty="0" smtClean="0"/>
+              <a:t>账号</a:t>
+            </a:r>
+            <a:r>
+              <a:rPr lang="zh-CN" altLang="zh-CN" sz="2400" dirty="0"/>
+              <a:t>，进行一些相应的操作。</a:t>
+            </a:r>
+            <a:endParaRPr lang="zh-CN" altLang="zh-CN" sz="2400" b="1" dirty="0"/>
           </a:p>
         </p:txBody>
       </p:sp>
@@ -13551,7 +13728,7 @@
     </p:spTree>
   </p:cSld>
   <p:clrMapOvr>
-    <a:masterClrMapping/>
+    <a:overrideClrMapping bg1="lt1" tx1="dk1" bg2="lt2" tx2="dk2" accent1="accent1" accent2="accent2" accent3="accent3" accent4="accent4" accent5="accent5" accent6="accent6" hlink="hlink" folHlink="folHlink"/>
   </p:clrMapOvr>
   <p:transition>
     <p:wipe/>
@@ -13567,6 +13744,423 @@
 </file>
 
 <file path=ppt/slides/slide5.xml><?xml version="1.0" encoding="utf-8"?>
+<p:sld xmlns:a="http://schemas.openxmlformats.org/drawingml/2006/main" xmlns:r="http://schemas.openxmlformats.org/officeDocument/2006/relationships" xmlns:p="http://schemas.openxmlformats.org/presentationml/2006/main">
+  <p:cSld>
+    <p:spTree>
+      <p:nvGrpSpPr>
+        <p:cNvPr id="1" name=""/>
+        <p:cNvGrpSpPr/>
+        <p:nvPr/>
+      </p:nvGrpSpPr>
+      <p:grpSpPr>
+        <a:xfrm>
+          <a:off x="0" y="0"/>
+          <a:ext cx="0" cy="0"/>
+          <a:chOff x="0" y="0"/>
+          <a:chExt cx="0" cy="0"/>
+        </a:xfrm>
+      </p:grpSpPr>
+      <p:sp>
+        <p:nvSpPr>
+          <p:cNvPr id="2" name="标题 1"/>
+          <p:cNvSpPr>
+            <a:spLocks noGrp="1"/>
+          </p:cNvSpPr>
+          <p:nvPr>
+            <p:ph type="title"/>
+          </p:nvPr>
+        </p:nvSpPr>
+        <p:spPr/>
+        <p:txBody>
+          <a:bodyPr/>
+          <a:lstStyle/>
+          <a:p>
+            <a:r>
+              <a:rPr lang="zh-CN" altLang="en-US" dirty="0" smtClean="0"/>
+              <a:t>选题意义</a:t>
+            </a:r>
+            <a:endParaRPr lang="zh-CN" altLang="en-US" dirty="0"/>
+          </a:p>
+        </p:txBody>
+      </p:sp>
+      <p:sp>
+        <p:nvSpPr>
+          <p:cNvPr id="4" name="灯片编号占位符 3"/>
+          <p:cNvSpPr>
+            <a:spLocks noGrp="1"/>
+          </p:cNvSpPr>
+          <p:nvPr>
+            <p:ph type="sldNum" sz="quarter" idx="12"/>
+          </p:nvPr>
+        </p:nvSpPr>
+        <p:spPr/>
+        <p:txBody>
+          <a:bodyPr/>
+          <a:lstStyle/>
+          <a:p>
+            <a:fld id="{23DA680B-B80A-2545-AB30-B9870FE9052E}" type="slidenum">
+              <a:rPr kumimoji="1" lang="zh-CN" altLang="en-US" smtClean="0"/>
+              <a:t>5</a:t>
+            </a:fld>
+            <a:endParaRPr kumimoji="1" lang="zh-CN" altLang="en-US"/>
+          </a:p>
+        </p:txBody>
+      </p:sp>
+      <p:sp>
+        <p:nvSpPr>
+          <p:cNvPr id="6" name="TextBox 5"/>
+          <p:cNvSpPr txBox="1"/>
+          <p:nvPr/>
+        </p:nvSpPr>
+        <p:spPr>
+          <a:xfrm>
+            <a:off x="310243" y="1191986"/>
+            <a:ext cx="11043557" cy="4524315"/>
+          </a:xfrm>
+          <a:prstGeom prst="rect">
+            <a:avLst/>
+          </a:prstGeom>
+          <a:noFill/>
+        </p:spPr>
+        <p:txBody>
+          <a:bodyPr wrap="square" rtlCol="0">
+            <a:spAutoFit/>
+          </a:bodyPr>
+          <a:lstStyle/>
+          <a:p>
+            <a:r>
+              <a:rPr lang="zh-CN" altLang="zh-CN" sz="2400" b="1" dirty="0">
+                <a:latin typeface="+mn-ea"/>
+              </a:rPr>
+              <a:t>设计方案及思路：</a:t>
+            </a:r>
+          </a:p>
+          <a:p>
+            <a:r>
+              <a:rPr lang="en-US" altLang="zh-CN" sz="2400" dirty="0" smtClean="0">
+                <a:latin typeface="+mn-ea"/>
+              </a:rPr>
+              <a:t>	1</a:t>
+            </a:r>
+            <a:r>
+              <a:rPr lang="en-US" altLang="zh-CN" sz="2400" dirty="0">
+                <a:latin typeface="+mn-ea"/>
+              </a:rPr>
+              <a:t>. </a:t>
+            </a:r>
+            <a:r>
+              <a:rPr lang="zh-CN" altLang="zh-CN" sz="2400" dirty="0">
+                <a:latin typeface="+mn-ea"/>
+              </a:rPr>
+              <a:t>通过分析社会需求，从现实、安全、法律、可行性等方面精选正确消防知识</a:t>
+            </a:r>
+          </a:p>
+          <a:p>
+            <a:r>
+              <a:rPr lang="en-US" altLang="zh-CN" sz="2400" dirty="0" smtClean="0">
+                <a:latin typeface="+mn-ea"/>
+              </a:rPr>
+              <a:t>	2</a:t>
+            </a:r>
+            <a:r>
+              <a:rPr lang="en-US" altLang="zh-CN" sz="2400" dirty="0">
+                <a:latin typeface="+mn-ea"/>
+              </a:rPr>
+              <a:t>. </a:t>
+            </a:r>
+            <a:r>
+              <a:rPr lang="zh-CN" altLang="zh-CN" sz="2400" dirty="0">
+                <a:latin typeface="+mn-ea"/>
+              </a:rPr>
+              <a:t>根据功能需求进行系统的总体框架设计</a:t>
+            </a:r>
+          </a:p>
+          <a:p>
+            <a:r>
+              <a:rPr lang="en-US" altLang="zh-CN" sz="2400" dirty="0">
+                <a:latin typeface="+mn-ea"/>
+              </a:rPr>
+              <a:t>   </a:t>
+            </a:r>
+            <a:r>
+              <a:rPr lang="en-US" altLang="zh-CN" sz="2400" dirty="0" smtClean="0">
+                <a:latin typeface="+mn-ea"/>
+              </a:rPr>
+              <a:t>      </a:t>
+            </a:r>
+            <a:r>
+              <a:rPr lang="zh-CN" altLang="zh-CN" sz="2400" dirty="0" smtClean="0">
+                <a:latin typeface="+mn-ea"/>
+              </a:rPr>
+              <a:t>主要</a:t>
+            </a:r>
+            <a:r>
+              <a:rPr lang="zh-CN" altLang="zh-CN" sz="2400" dirty="0">
+                <a:latin typeface="+mn-ea"/>
+              </a:rPr>
+              <a:t>包含以下模块：</a:t>
+            </a:r>
+          </a:p>
+          <a:p>
+            <a:r>
+              <a:rPr lang="en-US" altLang="zh-CN" sz="2400" dirty="0">
+                <a:latin typeface="+mn-ea"/>
+              </a:rPr>
+              <a:t>   </a:t>
+            </a:r>
+            <a:r>
+              <a:rPr lang="en-US" altLang="zh-CN" sz="2400" dirty="0" smtClean="0">
+                <a:latin typeface="+mn-ea"/>
+              </a:rPr>
+              <a:t>		</a:t>
+            </a:r>
+            <a:r>
+              <a:rPr lang="zh-CN" altLang="zh-CN" sz="2400" dirty="0" smtClean="0">
+                <a:latin typeface="+mn-ea"/>
+              </a:rPr>
+              <a:t>（</a:t>
+            </a:r>
+            <a:r>
+              <a:rPr lang="en-US" altLang="zh-CN" sz="2400" dirty="0" smtClean="0">
+                <a:latin typeface="+mn-ea"/>
+              </a:rPr>
+              <a:t>1</a:t>
+            </a:r>
+            <a:r>
+              <a:rPr lang="zh-CN" altLang="zh-CN" sz="2400" dirty="0">
+                <a:latin typeface="+mn-ea"/>
+              </a:rPr>
+              <a:t>）管理员模块：用于管理网站的消防知识，进行增删改查。也可以</a:t>
+            </a:r>
+            <a:r>
+              <a:rPr lang="zh-CN" altLang="zh-CN" sz="2400" dirty="0" smtClean="0">
+                <a:latin typeface="+mn-ea"/>
+              </a:rPr>
+              <a:t>删除、</a:t>
+            </a:r>
+            <a:r>
+              <a:rPr lang="en-US" altLang="zh-CN" sz="2400" dirty="0" smtClean="0">
+                <a:latin typeface="+mn-ea"/>
+              </a:rPr>
+              <a:t>	           </a:t>
+            </a:r>
+            <a:r>
+              <a:rPr lang="zh-CN" altLang="zh-CN" sz="2400" dirty="0" smtClean="0">
+                <a:latin typeface="+mn-ea"/>
+              </a:rPr>
+              <a:t>查看</a:t>
+            </a:r>
+            <a:r>
+              <a:rPr lang="zh-CN" altLang="zh-CN" sz="2400" dirty="0">
+                <a:latin typeface="+mn-ea"/>
+              </a:rPr>
+              <a:t>用户信息。管理用户留言。</a:t>
+            </a:r>
+          </a:p>
+          <a:p>
+            <a:r>
+              <a:rPr lang="en-US" altLang="zh-CN" sz="2400" dirty="0">
+                <a:latin typeface="+mn-ea"/>
+              </a:rPr>
+              <a:t>   </a:t>
+            </a:r>
+            <a:r>
+              <a:rPr lang="en-US" altLang="zh-CN" sz="2400" dirty="0" smtClean="0">
+                <a:latin typeface="+mn-ea"/>
+              </a:rPr>
+              <a:t>    </a:t>
+            </a:r>
+            <a:r>
+              <a:rPr lang="zh-CN" altLang="zh-CN" sz="2400" dirty="0" smtClean="0">
+                <a:latin typeface="+mn-ea"/>
+              </a:rPr>
+              <a:t>（</a:t>
+            </a:r>
+            <a:r>
+              <a:rPr lang="en-US" altLang="zh-CN" sz="2400" dirty="0">
+                <a:latin typeface="+mn-ea"/>
+              </a:rPr>
+              <a:t>2</a:t>
+            </a:r>
+            <a:r>
+              <a:rPr lang="zh-CN" altLang="zh-CN" sz="2400" dirty="0">
+                <a:latin typeface="+mn-ea"/>
+              </a:rPr>
+              <a:t>）用户模块：浏览网站的人们可以选择在本网站注册用户，可以上传</a:t>
+            </a:r>
+            <a:r>
+              <a:rPr lang="zh-CN" altLang="zh-CN" sz="2400" dirty="0" smtClean="0">
+                <a:latin typeface="+mn-ea"/>
+              </a:rPr>
+              <a:t>一</a:t>
+            </a:r>
+            <a:r>
+              <a:rPr lang="en-US" altLang="zh-CN" sz="2400" dirty="0" smtClean="0">
+                <a:latin typeface="+mn-ea"/>
+              </a:rPr>
+              <a:t>	           </a:t>
+            </a:r>
+            <a:r>
+              <a:rPr lang="zh-CN" altLang="zh-CN" sz="2400" dirty="0" smtClean="0">
+                <a:latin typeface="+mn-ea"/>
+              </a:rPr>
+              <a:t>些</a:t>
+            </a:r>
+            <a:r>
+              <a:rPr lang="zh-CN" altLang="zh-CN" sz="2400" dirty="0">
+                <a:latin typeface="+mn-ea"/>
+              </a:rPr>
+              <a:t>消防知识或自己的消防经验，经管理员审查通过之后就可以在</a:t>
+            </a:r>
+            <a:r>
+              <a:rPr lang="zh-CN" altLang="zh-CN" sz="2400" dirty="0" smtClean="0">
+                <a:latin typeface="+mn-ea"/>
+              </a:rPr>
+              <a:t>网站</a:t>
+            </a:r>
+            <a:r>
+              <a:rPr lang="en-US" altLang="zh-CN" sz="2400" dirty="0" smtClean="0">
+                <a:latin typeface="+mn-ea"/>
+              </a:rPr>
+              <a:t> 	           </a:t>
+            </a:r>
+            <a:r>
+              <a:rPr lang="zh-CN" altLang="zh-CN" sz="2400" dirty="0" smtClean="0">
+                <a:latin typeface="+mn-ea"/>
+              </a:rPr>
+              <a:t>显示</a:t>
+            </a:r>
+            <a:r>
+              <a:rPr lang="zh-CN" altLang="zh-CN" sz="2400" dirty="0">
+                <a:latin typeface="+mn-ea"/>
+              </a:rPr>
+              <a:t>，供大众浏览。也可以留言，提出自己对网站的意见或建议。</a:t>
+            </a:r>
+          </a:p>
+          <a:p>
+            <a:r>
+              <a:rPr lang="en-US" altLang="zh-CN" sz="2400" dirty="0">
+                <a:latin typeface="+mn-ea"/>
+              </a:rPr>
+              <a:t>  </a:t>
+            </a:r>
+            <a:r>
+              <a:rPr lang="en-US" altLang="zh-CN" sz="2400" dirty="0" smtClean="0">
+                <a:latin typeface="+mn-ea"/>
+              </a:rPr>
+              <a:t>     </a:t>
+            </a:r>
+            <a:r>
+              <a:rPr lang="zh-CN" altLang="zh-CN" sz="2400" dirty="0">
+                <a:latin typeface="+mn-ea"/>
+              </a:rPr>
+              <a:t>（</a:t>
+            </a:r>
+            <a:r>
+              <a:rPr lang="en-US" altLang="zh-CN" sz="2400" dirty="0">
+                <a:latin typeface="+mn-ea"/>
+              </a:rPr>
+              <a:t>3</a:t>
+            </a:r>
+            <a:r>
+              <a:rPr lang="zh-CN" altLang="zh-CN" sz="2400" dirty="0">
+                <a:latin typeface="+mn-ea"/>
+              </a:rPr>
+              <a:t>）通过</a:t>
+            </a:r>
+            <a:r>
+              <a:rPr lang="en-US" altLang="zh-CN" sz="2400" dirty="0" err="1">
+                <a:latin typeface="+mn-ea"/>
+              </a:rPr>
+              <a:t>jsp</a:t>
+            </a:r>
+            <a:r>
+              <a:rPr lang="en-US" altLang="zh-CN" sz="2400" dirty="0">
+                <a:latin typeface="+mn-ea"/>
+              </a:rPr>
+              <a:t> </a:t>
+            </a:r>
+            <a:r>
+              <a:rPr lang="zh-CN" altLang="zh-CN" sz="2400" dirty="0">
+                <a:latin typeface="+mn-ea"/>
+              </a:rPr>
+              <a:t>、</a:t>
+            </a:r>
+            <a:r>
+              <a:rPr lang="en-US" altLang="zh-CN" sz="2400" dirty="0" err="1">
+                <a:latin typeface="+mn-ea"/>
+              </a:rPr>
+              <a:t>css</a:t>
+            </a:r>
+            <a:r>
+              <a:rPr lang="zh-CN" altLang="zh-CN" sz="2400" dirty="0">
+                <a:latin typeface="+mn-ea"/>
+              </a:rPr>
+              <a:t>设计系统界面</a:t>
+            </a:r>
+          </a:p>
+          <a:p>
+            <a:r>
+              <a:rPr lang="en-US" altLang="zh-CN" sz="2400" dirty="0" smtClean="0">
+                <a:latin typeface="+mn-ea"/>
+              </a:rPr>
+              <a:t>	3</a:t>
+            </a:r>
+            <a:r>
+              <a:rPr lang="en-US" altLang="zh-CN" sz="2400" dirty="0">
+                <a:latin typeface="+mn-ea"/>
+              </a:rPr>
+              <a:t>.	</a:t>
+            </a:r>
+            <a:r>
+              <a:rPr lang="zh-CN" altLang="zh-CN" sz="2400" dirty="0">
+                <a:latin typeface="+mn-ea"/>
+              </a:rPr>
+              <a:t>对项目进行测试，找出一些不足之处。</a:t>
+            </a:r>
+          </a:p>
+          <a:p>
+            <a:r>
+              <a:rPr lang="en-US" altLang="zh-CN" sz="2400" dirty="0" smtClean="0">
+                <a:latin typeface="+mn-ea"/>
+              </a:rPr>
+              <a:t>	4</a:t>
+            </a:r>
+            <a:r>
+              <a:rPr lang="en-US" altLang="zh-CN" sz="2400" dirty="0">
+                <a:latin typeface="+mn-ea"/>
+              </a:rPr>
+              <a:t>. </a:t>
+            </a:r>
+            <a:r>
+              <a:rPr lang="zh-CN" altLang="zh-CN" sz="2400" dirty="0">
+                <a:latin typeface="+mn-ea"/>
+              </a:rPr>
+              <a:t>最后进行该项目的整体测试和项目的整体优化。</a:t>
+            </a:r>
+            <a:endParaRPr lang="zh-CN" altLang="en-US" sz="2400" dirty="0">
+              <a:latin typeface="+mn-ea"/>
+            </a:endParaRPr>
+          </a:p>
+        </p:txBody>
+      </p:sp>
+    </p:spTree>
+    <p:extLst>
+      <p:ext uri="{BB962C8B-B14F-4D97-AF65-F5344CB8AC3E}">
+        <p14:creationId xmlns:p14="http://schemas.microsoft.com/office/powerpoint/2010/main" val="156906329"/>
+      </p:ext>
+    </p:extLst>
+  </p:cSld>
+  <p:clrMapOvr>
+    <a:masterClrMapping/>
+  </p:clrMapOvr>
+  <p:transition>
+    <p:wipe/>
+  </p:transition>
+</p:sld>
+</file>
+
+<file path=ppt/slides/slide6.xml><?xml version="1.0" encoding="utf-8"?>
 <p:sld xmlns:a="http://schemas.openxmlformats.org/drawingml/2006/main" xmlns:r="http://schemas.openxmlformats.org/officeDocument/2006/relationships" xmlns:p="http://schemas.openxmlformats.org/presentationml/2006/main">
   <p:cSld>
     <p:spTree>
@@ -13808,7 +14402,7 @@
 </p:sld>
 </file>
 
-<file path=ppt/slides/slide6.xml><?xml version="1.0" encoding="utf-8"?>
+<file path=ppt/slides/slide7.xml><?xml version="1.0" encoding="utf-8"?>
 <p:sld xmlns:a="http://schemas.openxmlformats.org/drawingml/2006/main" xmlns:r="http://schemas.openxmlformats.org/officeDocument/2006/relationships" xmlns:p="http://schemas.openxmlformats.org/presentationml/2006/main">
   <p:cSld>
     <p:spTree>
@@ -14420,7 +15014,7 @@
 </p:sld>
 </file>
 
-<file path=ppt/slides/slide7.xml><?xml version="1.0" encoding="utf-8"?>
+<file path=ppt/slides/slide8.xml><?xml version="1.0" encoding="utf-8"?>
 <p:sld xmlns:a="http://schemas.openxmlformats.org/drawingml/2006/main" xmlns:r="http://schemas.openxmlformats.org/officeDocument/2006/relationships" xmlns:p="http://schemas.openxmlformats.org/presentationml/2006/main">
   <p:cSld>
     <p:spTree>
@@ -14662,7 +15256,7 @@
 </p:sld>
 </file>
 
-<file path=ppt/slides/slide8.xml><?xml version="1.0" encoding="utf-8"?>
+<file path=ppt/slides/slide9.xml><?xml version="1.0" encoding="utf-8"?>
 <p:sld xmlns:a="http://schemas.openxmlformats.org/drawingml/2006/main" xmlns:r="http://schemas.openxmlformats.org/officeDocument/2006/relationships" xmlns:p="http://schemas.openxmlformats.org/presentationml/2006/main">
   <p:cSld>
     <p:spTree>
@@ -15242,248 +15836,6 @@
     </p:tnLst>
     <p:bldLst>
       <p:bldP spid="28" grpId="0"/>
-    </p:bldLst>
-  </p:timing>
-</p:sld>
-</file>
-
-<file path=ppt/slides/slide9.xml><?xml version="1.0" encoding="utf-8"?>
-<p:sld xmlns:a="http://schemas.openxmlformats.org/drawingml/2006/main" xmlns:r="http://schemas.openxmlformats.org/officeDocument/2006/relationships" xmlns:p="http://schemas.openxmlformats.org/presentationml/2006/main">
-  <p:cSld>
-    <p:spTree>
-      <p:nvGrpSpPr>
-        <p:cNvPr id="1" name=""/>
-        <p:cNvGrpSpPr/>
-        <p:nvPr/>
-      </p:nvGrpSpPr>
-      <p:grpSpPr>
-        <a:xfrm>
-          <a:off x="0" y="0"/>
-          <a:ext cx="0" cy="0"/>
-          <a:chOff x="0" y="0"/>
-          <a:chExt cx="0" cy="0"/>
-        </a:xfrm>
-      </p:grpSpPr>
-      <p:sp>
-        <p:nvSpPr>
-          <p:cNvPr id="3" name="文本框 2"/>
-          <p:cNvSpPr txBox="1"/>
-          <p:nvPr/>
-        </p:nvSpPr>
-        <p:spPr>
-          <a:xfrm>
-            <a:off x="3729078" y="2556163"/>
-            <a:ext cx="1146468" cy="1200329"/>
-          </a:xfrm>
-          <a:prstGeom prst="rect">
-            <a:avLst/>
-          </a:prstGeom>
-          <a:noFill/>
-        </p:spPr>
-        <p:txBody>
-          <a:bodyPr wrap="none" rtlCol="0">
-            <a:spAutoFit/>
-          </a:bodyPr>
-          <a:lstStyle/>
-          <a:p>
-            <a:r>
-              <a:rPr lang="en-US" altLang="zh-CN" b="1" dirty="0" smtClean="0">
-                <a:solidFill>
-                  <a:schemeClr val="bg1"/>
-                </a:solidFill>
-              </a:rPr>
-              <a:t>Part</a:t>
-            </a:r>
-            <a:r>
-              <a:rPr lang="en-US" altLang="zh-CN" sz="7200" b="1" dirty="0" smtClean="0">
-                <a:solidFill>
-                  <a:schemeClr val="bg1"/>
-                </a:solidFill>
-              </a:rPr>
-              <a:t>4</a:t>
-            </a:r>
-            <a:endParaRPr lang="zh-CN" altLang="en-US" sz="7200" b="1" dirty="0">
-              <a:solidFill>
-                <a:schemeClr val="bg1"/>
-              </a:solidFill>
-            </a:endParaRPr>
-          </a:p>
-        </p:txBody>
-      </p:sp>
-      <p:sp>
-        <p:nvSpPr>
-          <p:cNvPr id="4" name="矩形 3"/>
-          <p:cNvSpPr/>
-          <p:nvPr/>
-        </p:nvSpPr>
-        <p:spPr>
-          <a:xfrm>
-            <a:off x="5667985" y="2744858"/>
-            <a:ext cx="3162300" cy="829945"/>
-          </a:xfrm>
-          <a:prstGeom prst="rect">
-            <a:avLst/>
-          </a:prstGeom>
-        </p:spPr>
-        <p:txBody>
-          <a:bodyPr wrap="none">
-            <a:spAutoFit/>
-          </a:bodyPr>
-          <a:lstStyle/>
-          <a:p>
-            <a:r>
-              <a:rPr lang="zh-CN" altLang="en-US" sz="4800" dirty="0" smtClean="0">
-                <a:solidFill>
-                  <a:schemeClr val="bg1"/>
-                </a:solidFill>
-                <a:latin typeface="+mj-ea"/>
-              </a:rPr>
-              <a:t>工 作 计 划</a:t>
-            </a:r>
-            <a:endParaRPr lang="zh-CN" altLang="en-US" sz="4800" dirty="0"/>
-          </a:p>
-        </p:txBody>
-      </p:sp>
-    </p:spTree>
-  </p:cSld>
-  <p:clrMapOvr>
-    <a:masterClrMapping/>
-  </p:clrMapOvr>
-  <p:transition>
-    <p:wipe/>
-  </p:transition>
-  <p:timing>
-    <p:tnLst>
-      <p:par>
-        <p:cTn id="1" dur="indefinite" restart="never" nodeType="tmRoot">
-          <p:childTnLst>
-            <p:seq concurrent="1" nextAc="seek">
-              <p:cTn id="2" dur="indefinite" nodeType="mainSeq">
-                <p:childTnLst>
-                  <p:par>
-                    <p:cTn id="3" fill="hold">
-                      <p:stCondLst>
-                        <p:cond delay="indefinite"/>
-                        <p:cond evt="onBegin" delay="0">
-                          <p:tn val="2"/>
-                        </p:cond>
-                      </p:stCondLst>
-                      <p:childTnLst>
-                        <p:par>
-                          <p:cTn id="4" fill="hold">
-                            <p:stCondLst>
-                              <p:cond delay="0"/>
-                            </p:stCondLst>
-                            <p:childTnLst>
-                              <p:par>
-                                <p:cTn id="5" presetID="14" presetClass="entr" presetSubtype="10" fill="hold" grpId="0" nodeType="afterEffect">
-                                  <p:stCondLst>
-                                    <p:cond delay="0"/>
-                                  </p:stCondLst>
-                                  <p:childTnLst>
-                                    <p:set>
-                                      <p:cBhvr>
-                                        <p:cTn id="6" dur="1" fill="hold">
-                                          <p:stCondLst>
-                                            <p:cond delay="0"/>
-                                          </p:stCondLst>
-                                        </p:cTn>
-                                        <p:tgtEl>
-                                          <p:spTgt spid="3"/>
-                                        </p:tgtEl>
-                                        <p:attrNameLst>
-                                          <p:attrName>style.visibility</p:attrName>
-                                        </p:attrNameLst>
-                                      </p:cBhvr>
-                                      <p:to>
-                                        <p:strVal val="visible"/>
-                                      </p:to>
-                                    </p:set>
-                                    <p:animEffect transition="in" filter="randombar(horizontal)">
-                                      <p:cBhvr>
-                                        <p:cTn id="7" dur="500"/>
-                                        <p:tgtEl>
-                                          <p:spTgt spid="3"/>
-                                        </p:tgtEl>
-                                      </p:cBhvr>
-                                    </p:animEffect>
-                                  </p:childTnLst>
-                                </p:cTn>
-                              </p:par>
-                            </p:childTnLst>
-                          </p:cTn>
-                        </p:par>
-                        <p:par>
-                          <p:cTn id="8" fill="hold">
-                            <p:stCondLst>
-                              <p:cond delay="500"/>
-                            </p:stCondLst>
-                            <p:childTnLst>
-                              <p:par>
-                                <p:cTn id="9" presetID="22" presetClass="entr" presetSubtype="8" fill="hold" grpId="0" nodeType="afterEffect">
-                                  <p:stCondLst>
-                                    <p:cond delay="0"/>
-                                  </p:stCondLst>
-                                  <p:childTnLst>
-                                    <p:set>
-                                      <p:cBhvr>
-                                        <p:cTn id="10" dur="1" fill="hold">
-                                          <p:stCondLst>
-                                            <p:cond delay="0"/>
-                                          </p:stCondLst>
-                                        </p:cTn>
-                                        <p:tgtEl>
-                                          <p:spTgt spid="4"/>
-                                        </p:tgtEl>
-                                        <p:attrNameLst>
-                                          <p:attrName>style.visibility</p:attrName>
-                                        </p:attrNameLst>
-                                      </p:cBhvr>
-                                      <p:to>
-                                        <p:strVal val="visible"/>
-                                      </p:to>
-                                    </p:set>
-                                    <p:animEffect transition="in" filter="wipe(left)">
-                                      <p:cBhvr>
-                                        <p:cTn id="11" dur="500"/>
-                                        <p:tgtEl>
-                                          <p:spTgt spid="4"/>
-                                        </p:tgtEl>
-                                      </p:cBhvr>
-                                    </p:animEffect>
-                                  </p:childTnLst>
-                                </p:cTn>
-                              </p:par>
-                            </p:childTnLst>
-                          </p:cTn>
-                        </p:par>
-                      </p:childTnLst>
-                    </p:cTn>
-                  </p:par>
-                </p:childTnLst>
-              </p:cTn>
-              <p:prevCondLst>
-                <p:cond evt="onPrev" delay="0">
-                  <p:tgtEl>
-                    <p:sldTgt/>
-                  </p:tgtEl>
-                </p:cond>
-              </p:prevCondLst>
-              <p:nextCondLst>
-                <p:cond evt="onNext" delay="0">
-                  <p:tgtEl>
-                    <p:sldTgt/>
-                  </p:tgtEl>
-                </p:cond>
-              </p:nextCondLst>
-            </p:seq>
-          </p:childTnLst>
-        </p:cTn>
-      </p:par>
-    </p:tnLst>
-    <p:bldLst>
-      <p:bldP spid="3" grpId="0"/>
-      <p:bldP spid="4" grpId="0"/>
     </p:bldLst>
   </p:timing>
 </p:sld>
@@ -15739,7 +16091,7 @@
   <a:extraClrSchemeLst/>
   <a:extLst>
     <a:ext uri="{05A4C25C-085E-4340-85A3-A5531E510DB2}">
-      <thm15:themeFamily xmlns:thm15="http://schemas.microsoft.com/office/thememl/2012/main" xmlns="" name="Office Theme" id="{62F939B6-93AF-4DB8-9C6B-D6C7DFDC589F}" vid="{4A3C46E8-61CC-4603-A589-7422A47A8E4A}"/>
+      <thm15:themeFamily xmlns="" xmlns:thm15="http://schemas.microsoft.com/office/thememl/2012/main" name="Office Theme" id="{62F939B6-93AF-4DB8-9C6B-D6C7DFDC589F}" vid="{4A3C46E8-61CC-4603-A589-7422A47A8E4A}"/>
     </a:ext>
   </a:extLst>
 </a:theme>
@@ -16064,7 +16416,7 @@
   <a:extraClrSchemeLst/>
   <a:extLst>
     <a:ext uri="{05A4C25C-085E-4340-85A3-A5531E510DB2}">
-      <thm15:themeFamily xmlns:thm15="http://schemas.microsoft.com/office/thememl/2012/main" xmlns="" name="Office Theme" id="{62F939B6-93AF-4DB8-9C6B-D6C7DFDC589F}" vid="{4A3C46E8-61CC-4603-A589-7422A47A8E4A}"/>
+      <thm15:themeFamily xmlns="" xmlns:thm15="http://schemas.microsoft.com/office/thememl/2012/main" name="Office Theme" id="{62F939B6-93AF-4DB8-9C6B-D6C7DFDC589F}" vid="{4A3C46E8-61CC-4603-A589-7422A47A8E4A}"/>
     </a:ext>
   </a:extLst>
 </a:theme>
@@ -16389,8 +16741,51 @@
   <a:extraClrSchemeLst/>
   <a:extLst>
     <a:ext uri="{05A4C25C-085E-4340-85A3-A5531E510DB2}">
-      <thm15:themeFamily xmlns:thm15="http://schemas.microsoft.com/office/thememl/2012/main" xmlns="" name="Office Theme" id="{62F939B6-93AF-4DB8-9C6B-D6C7DFDC589F}" vid="{4A3C46E8-61CC-4603-A589-7422A47A8E4A}"/>
+      <thm15:themeFamily xmlns="" xmlns:thm15="http://schemas.microsoft.com/office/thememl/2012/main" name="Office Theme" id="{62F939B6-93AF-4DB8-9C6B-D6C7DFDC589F}" vid="{4A3C46E8-61CC-4603-A589-7422A47A8E4A}"/>
     </a:ext>
   </a:extLst>
 </a:theme>
+</file>
+
+<file path=ppt/theme/themeOverride1.xml><?xml version="1.0" encoding="utf-8"?>
+<a:themeOverride xmlns:a="http://schemas.openxmlformats.org/drawingml/2006/main">
+  <a:clrScheme name="自定义 1">
+    <a:dk1>
+      <a:srgbClr val="3D3F41"/>
+    </a:dk1>
+    <a:lt1>
+      <a:srgbClr val="FFFFFF"/>
+    </a:lt1>
+    <a:dk2>
+      <a:srgbClr val="454749"/>
+    </a:dk2>
+    <a:lt2>
+      <a:srgbClr val="FFFFFF"/>
+    </a:lt2>
+    <a:accent1>
+      <a:srgbClr val="A3005B"/>
+    </a:accent1>
+    <a:accent2>
+      <a:srgbClr val="A57DA5"/>
+    </a:accent2>
+    <a:accent3>
+      <a:srgbClr val="706A80"/>
+    </a:accent3>
+    <a:accent4>
+      <a:srgbClr val="C09468"/>
+    </a:accent4>
+    <a:accent5>
+      <a:srgbClr val="98C7DC"/>
+    </a:accent5>
+    <a:accent6>
+      <a:srgbClr val="FFC000"/>
+    </a:accent6>
+    <a:hlink>
+      <a:srgbClr val="00B0F0"/>
+    </a:hlink>
+    <a:folHlink>
+      <a:srgbClr val="AFB2B4"/>
+    </a:folHlink>
+  </a:clrScheme>
+</a:themeOverride>
 </file>
--- a/20151104820_zhaolei_xiaofangwangzhan/毕设资料/20151104820-赵磊-开题报告PPT.pptx
+++ b/20151104820_zhaolei_xiaofangwangzhan/毕设资料/20151104820-赵磊-开题报告PPT.pptx
@@ -5,24 +5,26 @@
     <p:sldMasterId id="2147483648" r:id="rId1"/>
   </p:sldMasterIdLst>
   <p:notesMasterIdLst>
-    <p:notesMasterId r:id="rId14"/>
+    <p:notesMasterId r:id="rId16"/>
   </p:notesMasterIdLst>
   <p:handoutMasterIdLst>
-    <p:handoutMasterId r:id="rId15"/>
+    <p:handoutMasterId r:id="rId17"/>
   </p:handoutMasterIdLst>
   <p:sldIdLst>
     <p:sldId id="256" r:id="rId2"/>
     <p:sldId id="382" r:id="rId3"/>
     <p:sldId id="296" r:id="rId4"/>
     <p:sldId id="275" r:id="rId5"/>
-    <p:sldId id="419" r:id="rId6"/>
-    <p:sldId id="299" r:id="rId7"/>
-    <p:sldId id="259" r:id="rId8"/>
-    <p:sldId id="301" r:id="rId9"/>
-    <p:sldId id="282" r:id="rId10"/>
-    <p:sldId id="303" r:id="rId11"/>
-    <p:sldId id="349" r:id="rId12"/>
-    <p:sldId id="418" r:id="rId13"/>
+    <p:sldId id="299" r:id="rId6"/>
+    <p:sldId id="259" r:id="rId7"/>
+    <p:sldId id="301" r:id="rId8"/>
+    <p:sldId id="282" r:id="rId9"/>
+    <p:sldId id="421" r:id="rId10"/>
+    <p:sldId id="420" r:id="rId11"/>
+    <p:sldId id="422" r:id="rId12"/>
+    <p:sldId id="303" r:id="rId13"/>
+    <p:sldId id="349" r:id="rId14"/>
+    <p:sldId id="418" r:id="rId15"/>
   </p:sldIdLst>
   <p:sldSz cx="12192000" cy="6858000"/>
   <p:notesSz cx="6858000" cy="9144000"/>
@@ -206,7 +208,7 @@
           <a:p>
             <a:fld id="{84B18F8A-74B5-9148-A891-627592061A38}" type="datetimeFigureOut">
               <a:rPr kumimoji="1" lang="zh-CN" altLang="en-US" smtClean="0"/>
-              <a:t>2018/10/15</a:t>
+              <a:t>2018/10/16</a:t>
             </a:fld>
             <a:endParaRPr kumimoji="1" lang="zh-CN" altLang="en-US"/>
           </a:p>
@@ -372,7 +374,7 @@
           <a:p>
             <a:fld id="{E6D6ACD6-F780-4A47-B5D9-D292A4BD6F81}" type="datetimeFigureOut">
               <a:rPr kumimoji="1" lang="zh-CN" altLang="en-US" smtClean="0"/>
-              <a:t>2018/10/15</a:t>
+              <a:t>2018/10/16</a:t>
             </a:fld>
             <a:endParaRPr kumimoji="1" lang="zh-CN" altLang="en-US"/>
           </a:p>
@@ -905,7 +907,7 @@
           <a:p>
             <a:fld id="{D712715C-60D8-4442-95C1-470452B8606C}" type="slidenum">
               <a:rPr kumimoji="1" lang="zh-CN" altLang="en-US" smtClean="0"/>
-              <a:t>11</a:t>
+              <a:t>13</a:t>
             </a:fld>
             <a:endParaRPr kumimoji="1" lang="zh-CN" altLang="en-US"/>
           </a:p>
@@ -984,7 +986,7 @@
           <a:p>
             <a:fld id="{D712715C-60D8-4442-95C1-470452B8606C}" type="slidenum">
               <a:rPr kumimoji="1" lang="zh-CN" altLang="en-US" smtClean="0"/>
-              <a:t>12</a:t>
+              <a:t>14</a:t>
             </a:fld>
             <a:endParaRPr kumimoji="1" lang="zh-CN" altLang="en-US"/>
           </a:p>
@@ -1420,7 +1422,7 @@
           <a:p>
             <a:fld id="{D712715C-60D8-4442-95C1-470452B8606C}" type="slidenum">
               <a:rPr kumimoji="1" lang="zh-CN" altLang="en-US" smtClean="0"/>
-              <a:t>6</a:t>
+              <a:t>5</a:t>
             </a:fld>
             <a:endParaRPr kumimoji="1" lang="zh-CN" altLang="en-US"/>
           </a:p>
@@ -1499,7 +1501,7 @@
           <a:p>
             <a:fld id="{D712715C-60D8-4442-95C1-470452B8606C}" type="slidenum">
               <a:rPr kumimoji="1" lang="zh-CN" altLang="en-US" smtClean="0"/>
-              <a:t>7</a:t>
+              <a:t>6</a:t>
             </a:fld>
             <a:endParaRPr kumimoji="1" lang="zh-CN" altLang="en-US"/>
           </a:p>
@@ -1578,7 +1580,7 @@
           <a:p>
             <a:fld id="{D712715C-60D8-4442-95C1-470452B8606C}" type="slidenum">
               <a:rPr kumimoji="1" lang="zh-CN" altLang="en-US" smtClean="0"/>
-              <a:t>8</a:t>
+              <a:t>7</a:t>
             </a:fld>
             <a:endParaRPr kumimoji="1" lang="zh-CN" altLang="en-US"/>
           </a:p>
@@ -1657,7 +1659,7 @@
           <a:p>
             <a:fld id="{D712715C-60D8-4442-95C1-470452B8606C}" type="slidenum">
               <a:rPr kumimoji="1" lang="zh-CN" altLang="en-US" smtClean="0"/>
-              <a:t>9</a:t>
+              <a:t>8</a:t>
             </a:fld>
             <a:endParaRPr kumimoji="1" lang="zh-CN" altLang="en-US"/>
           </a:p>
@@ -1736,7 +1738,7 @@
           <a:p>
             <a:fld id="{D712715C-60D8-4442-95C1-470452B8606C}" type="slidenum">
               <a:rPr kumimoji="1" lang="zh-CN" altLang="en-US" smtClean="0"/>
-              <a:t>10</a:t>
+              <a:t>12</a:t>
             </a:fld>
             <a:endParaRPr kumimoji="1" lang="zh-CN" altLang="en-US"/>
           </a:p>
@@ -1909,7 +1911,7 @@
           <a:p>
             <a:fld id="{C9E60F58-3108-4415-857A-6D0360DF626E}" type="datetimeFigureOut">
               <a:rPr lang="zh-CN" altLang="en-US" smtClean="0"/>
-              <a:t>2018/10/15</a:t>
+              <a:t>2018/10/16</a:t>
             </a:fld>
             <a:endParaRPr lang="zh-CN" altLang="en-US"/>
           </a:p>
@@ -6809,6 +6811,802 @@
       </p:grpSpPr>
       <p:sp>
         <p:nvSpPr>
+          <p:cNvPr id="2" name="标题 1"/>
+          <p:cNvSpPr>
+            <a:spLocks noGrp="1"/>
+          </p:cNvSpPr>
+          <p:nvPr>
+            <p:ph type="title"/>
+          </p:nvPr>
+        </p:nvSpPr>
+        <p:spPr/>
+        <p:txBody>
+          <a:bodyPr/>
+          <a:lstStyle/>
+          <a:p>
+            <a:r>
+              <a:rPr lang="zh-CN" altLang="en-US" dirty="0" smtClean="0"/>
+              <a:t>论文结构</a:t>
+            </a:r>
+            <a:endParaRPr lang="zh-CN" altLang="en-US" dirty="0"/>
+          </a:p>
+        </p:txBody>
+      </p:sp>
+      <p:sp>
+        <p:nvSpPr>
+          <p:cNvPr id="5" name="TextBox 4"/>
+          <p:cNvSpPr txBox="1"/>
+          <p:nvPr/>
+        </p:nvSpPr>
+        <p:spPr>
+          <a:xfrm>
+            <a:off x="516256" y="783152"/>
+            <a:ext cx="11370944" cy="6127831"/>
+          </a:xfrm>
+          <a:prstGeom prst="rect">
+            <a:avLst/>
+          </a:prstGeom>
+          <a:noFill/>
+        </p:spPr>
+        <p:txBody>
+          <a:bodyPr wrap="square" rtlCol="0">
+            <a:spAutoFit/>
+          </a:bodyPr>
+          <a:lstStyle/>
+          <a:p>
+            <a:endParaRPr lang="en-US" altLang="zh-CN" sz="2400" dirty="0">
+              <a:latin typeface="+mn-ea"/>
+            </a:endParaRPr>
+          </a:p>
+          <a:p>
+            <a:r>
+              <a:rPr lang="zh-CN" altLang="en-US" sz="2400" b="1" dirty="0">
+                <a:latin typeface="+mn-ea"/>
+              </a:rPr>
+              <a:t>结构：</a:t>
+            </a:r>
+            <a:endParaRPr lang="en-US" altLang="zh-CN" sz="2400" b="1" dirty="0">
+              <a:latin typeface="+mn-ea"/>
+            </a:endParaRPr>
+          </a:p>
+          <a:p>
+            <a:r>
+              <a:rPr lang="en-US" altLang="zh-CN" sz="2400" dirty="0">
+                <a:latin typeface="+mn-ea"/>
+              </a:rPr>
+              <a:t>1</a:t>
+            </a:r>
+            <a:r>
+              <a:rPr lang="zh-CN" altLang="zh-CN" sz="2400" dirty="0">
+                <a:latin typeface="+mn-ea"/>
+              </a:rPr>
+              <a:t>、标题</a:t>
+            </a:r>
+          </a:p>
+          <a:p>
+            <a:r>
+              <a:rPr lang="zh-CN" altLang="zh-CN" sz="2400" dirty="0">
+                <a:latin typeface="+mn-ea"/>
+              </a:rPr>
+              <a:t>标题是文章的标签，是论文内容的高度概括，是论文的灵魂和核心，也是编制索引、查阅文献的重要线索。</a:t>
+            </a:r>
+          </a:p>
+          <a:p>
+            <a:r>
+              <a:rPr lang="en-US" altLang="zh-CN" sz="2400" dirty="0">
+                <a:latin typeface="+mn-ea"/>
+              </a:rPr>
+              <a:t>2</a:t>
+            </a:r>
+            <a:r>
+              <a:rPr lang="zh-CN" altLang="zh-CN" sz="2400" dirty="0">
+                <a:latin typeface="+mn-ea"/>
+              </a:rPr>
+              <a:t>、目录：</a:t>
+            </a:r>
+          </a:p>
+          <a:p>
+            <a:r>
+              <a:rPr lang="zh-CN" altLang="zh-CN" sz="2400" dirty="0">
+                <a:latin typeface="+mn-ea"/>
+              </a:rPr>
+              <a:t>反映论文的大纲。该目录应列出纸张的每个组成部分的大小和标题，等级，页码，并且包括带注释的参考文献，附录，图形，索引以及供读者查找的其他辅助页面</a:t>
+            </a:r>
+          </a:p>
+          <a:p>
+            <a:r>
+              <a:rPr lang="en-US" altLang="zh-CN" sz="2400" dirty="0">
+                <a:latin typeface="+mn-ea"/>
+              </a:rPr>
+              <a:t>3</a:t>
+            </a:r>
+            <a:r>
+              <a:rPr lang="zh-CN" altLang="zh-CN" sz="2400" dirty="0">
+                <a:latin typeface="+mn-ea"/>
+              </a:rPr>
+              <a:t>、摘要</a:t>
+            </a:r>
+          </a:p>
+          <a:p>
+            <a:r>
+              <a:rPr lang="zh-CN" altLang="zh-CN" sz="2400" dirty="0">
+                <a:latin typeface="+mn-ea"/>
+              </a:rPr>
+              <a:t>摘要是论文内容不加注释和评论的简短陈述。它要求把文章讨论的主要问题、取得的主要成果作明晰的交代，使无法或无时间阅读完全文的读者读后能获得大致全面、清楚、明了的信息与印象。摘要的语句最好不要与前言或结论部分雷同，以免给人以重复之感。</a:t>
+            </a:r>
+          </a:p>
+          <a:p>
+            <a:r>
+              <a:rPr lang="en-US" altLang="zh-CN" sz="2400" dirty="0">
+                <a:latin typeface="+mn-ea"/>
+              </a:rPr>
+              <a:t>4</a:t>
+            </a:r>
+            <a:r>
+              <a:rPr lang="zh-CN" altLang="zh-CN" sz="2400" dirty="0">
+                <a:latin typeface="+mn-ea"/>
+              </a:rPr>
+              <a:t>、关键词</a:t>
+            </a:r>
+          </a:p>
+          <a:p>
+            <a:r>
+              <a:rPr lang="zh-CN" altLang="zh-CN" sz="2400" dirty="0">
+                <a:latin typeface="+mn-ea"/>
+              </a:rPr>
+              <a:t>关键词是为便于文献索引的制作而从论文中选出的最核心的专业性概念或词语。</a:t>
+            </a:r>
+          </a:p>
+          <a:p>
+            <a:endParaRPr lang="zh-CN" altLang="en-US" sz="1400" dirty="0">
+              <a:latin typeface="+mn-ea"/>
+            </a:endParaRPr>
+          </a:p>
+          <a:p>
+            <a:pPr>
+              <a:lnSpc>
+                <a:spcPct val="130000"/>
+              </a:lnSpc>
+            </a:pPr>
+            <a:endParaRPr lang="zh-CN" altLang="en-US" sz="1400" dirty="0" smtClean="0">
+              <a:latin typeface="Arial" panose="020B0604020202020204" pitchFamily="34" charset="0"/>
+              <a:ea typeface="微软雅黑" panose="020B0503020204020204" pitchFamily="34" charset="-122"/>
+            </a:endParaRPr>
+          </a:p>
+        </p:txBody>
+      </p:sp>
+      <p:sp>
+        <p:nvSpPr>
+          <p:cNvPr id="6" name=" 184"/>
+          <p:cNvSpPr/>
+          <p:nvPr/>
+        </p:nvSpPr>
+        <p:spPr>
+          <a:xfrm>
+            <a:off x="155575" y="83820"/>
+            <a:ext cx="894080" cy="859155"/>
+          </a:xfrm>
+          <a:prstGeom prst="ellipse">
+            <a:avLst/>
+          </a:prstGeom>
+          <a:solidFill>
+            <a:srgbClr val="071F65"/>
+          </a:solidFill>
+          <a:ln>
+            <a:noFill/>
+          </a:ln>
+        </p:spPr>
+        <p:style>
+          <a:lnRef idx="2">
+            <a:schemeClr val="accent1">
+              <a:shade val="50000"/>
+            </a:schemeClr>
+          </a:lnRef>
+          <a:fillRef idx="1">
+            <a:schemeClr val="accent1"/>
+          </a:fillRef>
+          <a:effectRef idx="0">
+            <a:schemeClr val="accent1"/>
+          </a:effectRef>
+          <a:fontRef idx="minor">
+            <a:schemeClr val="lt1"/>
+          </a:fontRef>
+        </p:style>
+        <p:txBody>
+          <a:bodyPr anchor="ctr">
+            <a:scene3d>
+              <a:camera prst="orthographicFront"/>
+              <a:lightRig rig="threePt" dir="t"/>
+            </a:scene3d>
+            <a:sp3d>
+              <a:contourClr>
+                <a:srgbClr val="FFFFFF"/>
+              </a:contourClr>
+            </a:sp3d>
+          </a:bodyPr>
+          <a:lstStyle>
+            <a:defPPr>
+              <a:defRPr lang="zh-CN"/>
+            </a:defPPr>
+            <a:lvl1pPr algn="l" rtl="0" eaLnBrk="0" fontAlgn="base" hangingPunct="0">
+              <a:spcBef>
+                <a:spcPct val="0"/>
+              </a:spcBef>
+              <a:spcAft>
+                <a:spcPct val="0"/>
+              </a:spcAft>
+              <a:defRPr kern="1200">
+                <a:solidFill>
+                  <a:schemeClr val="lt1"/>
+                </a:solidFill>
+                <a:latin typeface="+mn-lt"/>
+                <a:ea typeface="+mn-ea"/>
+                <a:cs typeface="+mn-cs"/>
+              </a:defRPr>
+            </a:lvl1pPr>
+            <a:lvl2pPr marL="457200" algn="l" rtl="0" eaLnBrk="0" fontAlgn="base" hangingPunct="0">
+              <a:spcBef>
+                <a:spcPct val="0"/>
+              </a:spcBef>
+              <a:spcAft>
+                <a:spcPct val="0"/>
+              </a:spcAft>
+              <a:defRPr kern="1200">
+                <a:solidFill>
+                  <a:schemeClr val="lt1"/>
+                </a:solidFill>
+                <a:latin typeface="+mn-lt"/>
+                <a:ea typeface="+mn-ea"/>
+                <a:cs typeface="+mn-cs"/>
+              </a:defRPr>
+            </a:lvl2pPr>
+            <a:lvl3pPr marL="914400" algn="l" rtl="0" eaLnBrk="0" fontAlgn="base" hangingPunct="0">
+              <a:spcBef>
+                <a:spcPct val="0"/>
+              </a:spcBef>
+              <a:spcAft>
+                <a:spcPct val="0"/>
+              </a:spcAft>
+              <a:defRPr kern="1200">
+                <a:solidFill>
+                  <a:schemeClr val="lt1"/>
+                </a:solidFill>
+                <a:latin typeface="+mn-lt"/>
+                <a:ea typeface="+mn-ea"/>
+                <a:cs typeface="+mn-cs"/>
+              </a:defRPr>
+            </a:lvl3pPr>
+            <a:lvl4pPr marL="1371600" algn="l" rtl="0" eaLnBrk="0" fontAlgn="base" hangingPunct="0">
+              <a:spcBef>
+                <a:spcPct val="0"/>
+              </a:spcBef>
+              <a:spcAft>
+                <a:spcPct val="0"/>
+              </a:spcAft>
+              <a:defRPr kern="1200">
+                <a:solidFill>
+                  <a:schemeClr val="lt1"/>
+                </a:solidFill>
+                <a:latin typeface="+mn-lt"/>
+                <a:ea typeface="+mn-ea"/>
+                <a:cs typeface="+mn-cs"/>
+              </a:defRPr>
+            </a:lvl4pPr>
+            <a:lvl5pPr marL="1828800" algn="l" rtl="0" eaLnBrk="0" fontAlgn="base" hangingPunct="0">
+              <a:spcBef>
+                <a:spcPct val="0"/>
+              </a:spcBef>
+              <a:spcAft>
+                <a:spcPct val="0"/>
+              </a:spcAft>
+              <a:defRPr kern="1200">
+                <a:solidFill>
+                  <a:schemeClr val="lt1"/>
+                </a:solidFill>
+                <a:latin typeface="+mn-lt"/>
+                <a:ea typeface="+mn-ea"/>
+                <a:cs typeface="+mn-cs"/>
+              </a:defRPr>
+            </a:lvl5pPr>
+            <a:lvl6pPr marL="2286000" algn="l" defTabSz="914400" rtl="0" eaLnBrk="1" latinLnBrk="0" hangingPunct="1">
+              <a:defRPr kern="1200">
+                <a:solidFill>
+                  <a:schemeClr val="lt1"/>
+                </a:solidFill>
+                <a:latin typeface="+mn-lt"/>
+                <a:ea typeface="+mn-ea"/>
+                <a:cs typeface="+mn-cs"/>
+              </a:defRPr>
+            </a:lvl6pPr>
+            <a:lvl7pPr marL="2743200" algn="l" defTabSz="914400" rtl="0" eaLnBrk="1" latinLnBrk="0" hangingPunct="1">
+              <a:defRPr kern="1200">
+                <a:solidFill>
+                  <a:schemeClr val="lt1"/>
+                </a:solidFill>
+                <a:latin typeface="+mn-lt"/>
+                <a:ea typeface="+mn-ea"/>
+                <a:cs typeface="+mn-cs"/>
+              </a:defRPr>
+            </a:lvl7pPr>
+            <a:lvl8pPr marL="3200400" algn="l" defTabSz="914400" rtl="0" eaLnBrk="1" latinLnBrk="0" hangingPunct="1">
+              <a:defRPr kern="1200">
+                <a:solidFill>
+                  <a:schemeClr val="lt1"/>
+                </a:solidFill>
+                <a:latin typeface="+mn-lt"/>
+                <a:ea typeface="+mn-ea"/>
+                <a:cs typeface="+mn-cs"/>
+              </a:defRPr>
+            </a:lvl8pPr>
+            <a:lvl9pPr marL="3657600" algn="l" defTabSz="914400" rtl="0" eaLnBrk="1" latinLnBrk="0" hangingPunct="1">
+              <a:defRPr kern="1200">
+                <a:solidFill>
+                  <a:schemeClr val="lt1"/>
+                </a:solidFill>
+                <a:latin typeface="+mn-lt"/>
+                <a:ea typeface="+mn-ea"/>
+                <a:cs typeface="+mn-cs"/>
+              </a:defRPr>
+            </a:lvl9pPr>
+          </a:lstStyle>
+          <a:p>
+            <a:pPr algn="ctr" eaLnBrk="1" fontAlgn="auto" hangingPunct="1">
+              <a:spcBef>
+                <a:spcPts val="0"/>
+              </a:spcBef>
+              <a:spcAft>
+                <a:spcPts val="0"/>
+              </a:spcAft>
+              <a:defRPr/>
+            </a:pPr>
+            <a:endParaRPr lang="zh-CN" altLang="en-US">
+              <a:solidFill>
+                <a:srgbClr val="FFFFFF"/>
+              </a:solidFill>
+            </a:endParaRPr>
+          </a:p>
+        </p:txBody>
+      </p:sp>
+    </p:spTree>
+    <p:extLst>
+      <p:ext uri="{BB962C8B-B14F-4D97-AF65-F5344CB8AC3E}">
+        <p14:creationId xmlns:p14="http://schemas.microsoft.com/office/powerpoint/2010/main" val="4009070437"/>
+      </p:ext>
+    </p:extLst>
+  </p:cSld>
+  <p:clrMapOvr>
+    <a:masterClrMapping/>
+  </p:clrMapOvr>
+  <p:transition>
+    <p:wipe/>
+  </p:transition>
+</p:sld>
+</file>
+
+<file path=ppt/slides/slide11.xml><?xml version="1.0" encoding="utf-8"?>
+<p:sld xmlns:a="http://schemas.openxmlformats.org/drawingml/2006/main" xmlns:r="http://schemas.openxmlformats.org/officeDocument/2006/relationships" xmlns:p="http://schemas.openxmlformats.org/presentationml/2006/main">
+  <p:cSld>
+    <p:spTree>
+      <p:nvGrpSpPr>
+        <p:cNvPr id="1" name=""/>
+        <p:cNvGrpSpPr/>
+        <p:nvPr/>
+      </p:nvGrpSpPr>
+      <p:grpSpPr>
+        <a:xfrm>
+          <a:off x="0" y="0"/>
+          <a:ext cx="0" cy="0"/>
+          <a:chOff x="0" y="0"/>
+          <a:chExt cx="0" cy="0"/>
+        </a:xfrm>
+      </p:grpSpPr>
+      <p:sp>
+        <p:nvSpPr>
+          <p:cNvPr id="2" name="标题 1"/>
+          <p:cNvSpPr>
+            <a:spLocks noGrp="1"/>
+          </p:cNvSpPr>
+          <p:nvPr>
+            <p:ph type="title"/>
+          </p:nvPr>
+        </p:nvSpPr>
+        <p:spPr/>
+        <p:txBody>
+          <a:bodyPr/>
+          <a:lstStyle/>
+          <a:p>
+            <a:r>
+              <a:rPr lang="zh-CN" altLang="en-US" dirty="0" smtClean="0"/>
+              <a:t>论文结构</a:t>
+            </a:r>
+            <a:endParaRPr lang="zh-CN" altLang="en-US" dirty="0"/>
+          </a:p>
+        </p:txBody>
+      </p:sp>
+      <p:sp>
+        <p:nvSpPr>
+          <p:cNvPr id="5" name="TextBox 4"/>
+          <p:cNvSpPr txBox="1"/>
+          <p:nvPr/>
+        </p:nvSpPr>
+        <p:spPr>
+          <a:xfrm>
+            <a:off x="359229" y="1142359"/>
+            <a:ext cx="11593285" cy="5262979"/>
+          </a:xfrm>
+          <a:prstGeom prst="rect">
+            <a:avLst/>
+          </a:prstGeom>
+          <a:noFill/>
+        </p:spPr>
+        <p:txBody>
+          <a:bodyPr wrap="square" rtlCol="0">
+            <a:spAutoFit/>
+          </a:bodyPr>
+          <a:lstStyle/>
+          <a:p>
+            <a:r>
+              <a:rPr lang="en-US" altLang="zh-CN" sz="2400" dirty="0">
+                <a:latin typeface="+mn-ea"/>
+              </a:rPr>
+              <a:t>5</a:t>
+            </a:r>
+            <a:r>
+              <a:rPr lang="zh-CN" altLang="zh-CN" sz="2400" dirty="0">
+                <a:latin typeface="+mn-ea"/>
+              </a:rPr>
+              <a:t>、前言</a:t>
+            </a:r>
+          </a:p>
+          <a:p>
+            <a:r>
+              <a:rPr lang="zh-CN" altLang="zh-CN" sz="2400" dirty="0">
+                <a:latin typeface="+mn-ea"/>
+              </a:rPr>
+              <a:t>前言也叫引言、绪论等，是放在正文前面的短文。</a:t>
+            </a:r>
+          </a:p>
+          <a:p>
+            <a:r>
+              <a:rPr lang="en-US" altLang="zh-CN" sz="2400" dirty="0">
+                <a:latin typeface="+mn-ea"/>
+              </a:rPr>
+              <a:t>6</a:t>
+            </a:r>
+            <a:r>
+              <a:rPr lang="zh-CN" altLang="zh-CN" sz="2400" dirty="0">
+                <a:latin typeface="+mn-ea"/>
+              </a:rPr>
+              <a:t>、正文</a:t>
+            </a:r>
+          </a:p>
+          <a:p>
+            <a:r>
+              <a:rPr lang="zh-CN" altLang="zh-CN" sz="2400" dirty="0">
+                <a:latin typeface="+mn-ea"/>
+              </a:rPr>
+              <a:t>正文是论文的躯体或核心部分，又叫“本论”，是展开论题、表达作者个人研究成果的部分。它要求作者运用有力的证据对所提出的中心论点展开论证。整个论证应层次清楚、段落分明、逻辑线条清晰，应围绕中心论点、层层剥笋地设立分论点。任一层次都包含论点、论据、论证这三要素；小论点说明分论点，分论点说明中心论点。</a:t>
+            </a:r>
+          </a:p>
+          <a:p>
+            <a:r>
+              <a:rPr lang="en-US" altLang="zh-CN" sz="2400" dirty="0">
+                <a:latin typeface="+mn-ea"/>
+              </a:rPr>
+              <a:t>7</a:t>
+            </a:r>
+            <a:r>
+              <a:rPr lang="zh-CN" altLang="zh-CN" sz="2400" dirty="0">
+                <a:latin typeface="+mn-ea"/>
+              </a:rPr>
+              <a:t>、结论</a:t>
+            </a:r>
+          </a:p>
+          <a:p>
+            <a:r>
+              <a:rPr lang="zh-CN" altLang="zh-CN" sz="2400" dirty="0">
+                <a:latin typeface="+mn-ea"/>
+              </a:rPr>
+              <a:t>结论是论文的收尾部分，写论证得到的结果。</a:t>
+            </a:r>
+          </a:p>
+          <a:p>
+            <a:r>
+              <a:rPr lang="en-US" altLang="zh-CN" sz="2400" dirty="0">
+                <a:latin typeface="+mn-ea"/>
+              </a:rPr>
+              <a:t>8</a:t>
+            </a:r>
+            <a:r>
+              <a:rPr lang="zh-CN" altLang="zh-CN" sz="2400" dirty="0">
+                <a:latin typeface="+mn-ea"/>
+              </a:rPr>
+              <a:t>、致谢</a:t>
+            </a:r>
+          </a:p>
+          <a:p>
+            <a:r>
+              <a:rPr lang="zh-CN" altLang="zh-CN" sz="2400" dirty="0">
+                <a:latin typeface="+mn-ea"/>
+              </a:rPr>
+              <a:t>为对直接或间接帮助过自己的人表示感谢，一般在论文结尾处应以简短的文字表示感谢。</a:t>
+            </a:r>
+          </a:p>
+          <a:p>
+            <a:r>
+              <a:rPr lang="en-US" altLang="zh-CN" sz="2400" dirty="0">
+                <a:latin typeface="+mn-ea"/>
+              </a:rPr>
+              <a:t>9</a:t>
+            </a:r>
+            <a:r>
+              <a:rPr lang="zh-CN" altLang="zh-CN" sz="2400" dirty="0">
+                <a:latin typeface="+mn-ea"/>
+              </a:rPr>
+              <a:t>、参考文献</a:t>
+            </a:r>
+            <a:r>
+              <a:rPr lang="en-US" altLang="zh-CN" sz="2400" dirty="0">
+                <a:latin typeface="+mn-ea"/>
+              </a:rPr>
+              <a:t>(</a:t>
+            </a:r>
+            <a:r>
+              <a:rPr lang="zh-CN" altLang="zh-CN" sz="2400" dirty="0">
+                <a:latin typeface="+mn-ea"/>
+              </a:rPr>
+              <a:t>或引文注释</a:t>
+            </a:r>
+            <a:r>
+              <a:rPr lang="en-US" altLang="zh-CN" sz="2400" dirty="0">
+                <a:latin typeface="+mn-ea"/>
+              </a:rPr>
+              <a:t>)</a:t>
+            </a:r>
+            <a:endParaRPr lang="zh-CN" altLang="zh-CN" sz="2400" dirty="0">
+              <a:latin typeface="+mn-ea"/>
+            </a:endParaRPr>
+          </a:p>
+          <a:p>
+            <a:r>
+              <a:rPr lang="zh-CN" altLang="zh-CN" sz="2400" dirty="0">
+                <a:latin typeface="+mn-ea"/>
+              </a:rPr>
+              <a:t>在论文的末尾列出在研究这一课题和撰写论文过程中，参考和引用了哪些文献资料。</a:t>
+            </a:r>
+            <a:endParaRPr lang="zh-CN" altLang="zh-CN" sz="2400" dirty="0">
+              <a:latin typeface="+mn-ea"/>
+            </a:endParaRPr>
+          </a:p>
+        </p:txBody>
+      </p:sp>
+      <p:sp>
+        <p:nvSpPr>
+          <p:cNvPr id="6" name=" 184"/>
+          <p:cNvSpPr/>
+          <p:nvPr/>
+        </p:nvSpPr>
+        <p:spPr>
+          <a:xfrm>
+            <a:off x="155575" y="83820"/>
+            <a:ext cx="894080" cy="859155"/>
+          </a:xfrm>
+          <a:prstGeom prst="ellipse">
+            <a:avLst/>
+          </a:prstGeom>
+          <a:solidFill>
+            <a:srgbClr val="071F65"/>
+          </a:solidFill>
+          <a:ln>
+            <a:noFill/>
+          </a:ln>
+        </p:spPr>
+        <p:style>
+          <a:lnRef idx="2">
+            <a:schemeClr val="accent1">
+              <a:shade val="50000"/>
+            </a:schemeClr>
+          </a:lnRef>
+          <a:fillRef idx="1">
+            <a:schemeClr val="accent1"/>
+          </a:fillRef>
+          <a:effectRef idx="0">
+            <a:schemeClr val="accent1"/>
+          </a:effectRef>
+          <a:fontRef idx="minor">
+            <a:schemeClr val="lt1"/>
+          </a:fontRef>
+        </p:style>
+        <p:txBody>
+          <a:bodyPr anchor="ctr">
+            <a:scene3d>
+              <a:camera prst="orthographicFront"/>
+              <a:lightRig rig="threePt" dir="t"/>
+            </a:scene3d>
+            <a:sp3d>
+              <a:contourClr>
+                <a:srgbClr val="FFFFFF"/>
+              </a:contourClr>
+            </a:sp3d>
+          </a:bodyPr>
+          <a:lstStyle>
+            <a:defPPr>
+              <a:defRPr lang="zh-CN"/>
+            </a:defPPr>
+            <a:lvl1pPr algn="l" rtl="0" eaLnBrk="0" fontAlgn="base" hangingPunct="0">
+              <a:spcBef>
+                <a:spcPct val="0"/>
+              </a:spcBef>
+              <a:spcAft>
+                <a:spcPct val="0"/>
+              </a:spcAft>
+              <a:defRPr kern="1200">
+                <a:solidFill>
+                  <a:schemeClr val="lt1"/>
+                </a:solidFill>
+                <a:latin typeface="+mn-lt"/>
+                <a:ea typeface="+mn-ea"/>
+                <a:cs typeface="+mn-cs"/>
+              </a:defRPr>
+            </a:lvl1pPr>
+            <a:lvl2pPr marL="457200" algn="l" rtl="0" eaLnBrk="0" fontAlgn="base" hangingPunct="0">
+              <a:spcBef>
+                <a:spcPct val="0"/>
+              </a:spcBef>
+              <a:spcAft>
+                <a:spcPct val="0"/>
+              </a:spcAft>
+              <a:defRPr kern="1200">
+                <a:solidFill>
+                  <a:schemeClr val="lt1"/>
+                </a:solidFill>
+                <a:latin typeface="+mn-lt"/>
+                <a:ea typeface="+mn-ea"/>
+                <a:cs typeface="+mn-cs"/>
+              </a:defRPr>
+            </a:lvl2pPr>
+            <a:lvl3pPr marL="914400" algn="l" rtl="0" eaLnBrk="0" fontAlgn="base" hangingPunct="0">
+              <a:spcBef>
+                <a:spcPct val="0"/>
+              </a:spcBef>
+              <a:spcAft>
+                <a:spcPct val="0"/>
+              </a:spcAft>
+              <a:defRPr kern="1200">
+                <a:solidFill>
+                  <a:schemeClr val="lt1"/>
+                </a:solidFill>
+                <a:latin typeface="+mn-lt"/>
+                <a:ea typeface="+mn-ea"/>
+                <a:cs typeface="+mn-cs"/>
+              </a:defRPr>
+            </a:lvl3pPr>
+            <a:lvl4pPr marL="1371600" algn="l" rtl="0" eaLnBrk="0" fontAlgn="base" hangingPunct="0">
+              <a:spcBef>
+                <a:spcPct val="0"/>
+              </a:spcBef>
+              <a:spcAft>
+                <a:spcPct val="0"/>
+              </a:spcAft>
+              <a:defRPr kern="1200">
+                <a:solidFill>
+                  <a:schemeClr val="lt1"/>
+                </a:solidFill>
+                <a:latin typeface="+mn-lt"/>
+                <a:ea typeface="+mn-ea"/>
+                <a:cs typeface="+mn-cs"/>
+              </a:defRPr>
+            </a:lvl4pPr>
+            <a:lvl5pPr marL="1828800" algn="l" rtl="0" eaLnBrk="0" fontAlgn="base" hangingPunct="0">
+              <a:spcBef>
+                <a:spcPct val="0"/>
+              </a:spcBef>
+              <a:spcAft>
+                <a:spcPct val="0"/>
+              </a:spcAft>
+              <a:defRPr kern="1200">
+                <a:solidFill>
+                  <a:schemeClr val="lt1"/>
+                </a:solidFill>
+                <a:latin typeface="+mn-lt"/>
+                <a:ea typeface="+mn-ea"/>
+                <a:cs typeface="+mn-cs"/>
+              </a:defRPr>
+            </a:lvl5pPr>
+            <a:lvl6pPr marL="2286000" algn="l" defTabSz="914400" rtl="0" eaLnBrk="1" latinLnBrk="0" hangingPunct="1">
+              <a:defRPr kern="1200">
+                <a:solidFill>
+                  <a:schemeClr val="lt1"/>
+                </a:solidFill>
+                <a:latin typeface="+mn-lt"/>
+                <a:ea typeface="+mn-ea"/>
+                <a:cs typeface="+mn-cs"/>
+              </a:defRPr>
+            </a:lvl6pPr>
+            <a:lvl7pPr marL="2743200" algn="l" defTabSz="914400" rtl="0" eaLnBrk="1" latinLnBrk="0" hangingPunct="1">
+              <a:defRPr kern="1200">
+                <a:solidFill>
+                  <a:schemeClr val="lt1"/>
+                </a:solidFill>
+                <a:latin typeface="+mn-lt"/>
+                <a:ea typeface="+mn-ea"/>
+                <a:cs typeface="+mn-cs"/>
+              </a:defRPr>
+            </a:lvl7pPr>
+            <a:lvl8pPr marL="3200400" algn="l" defTabSz="914400" rtl="0" eaLnBrk="1" latinLnBrk="0" hangingPunct="1">
+              <a:defRPr kern="1200">
+                <a:solidFill>
+                  <a:schemeClr val="lt1"/>
+                </a:solidFill>
+                <a:latin typeface="+mn-lt"/>
+                <a:ea typeface="+mn-ea"/>
+                <a:cs typeface="+mn-cs"/>
+              </a:defRPr>
+            </a:lvl8pPr>
+            <a:lvl9pPr marL="3657600" algn="l" defTabSz="914400" rtl="0" eaLnBrk="1" latinLnBrk="0" hangingPunct="1">
+              <a:defRPr kern="1200">
+                <a:solidFill>
+                  <a:schemeClr val="lt1"/>
+                </a:solidFill>
+                <a:latin typeface="+mn-lt"/>
+                <a:ea typeface="+mn-ea"/>
+                <a:cs typeface="+mn-cs"/>
+              </a:defRPr>
+            </a:lvl9pPr>
+          </a:lstStyle>
+          <a:p>
+            <a:pPr algn="ctr" eaLnBrk="1" fontAlgn="auto" hangingPunct="1">
+              <a:spcBef>
+                <a:spcPts val="0"/>
+              </a:spcBef>
+              <a:spcAft>
+                <a:spcPts val="0"/>
+              </a:spcAft>
+              <a:defRPr/>
+            </a:pPr>
+            <a:endParaRPr lang="zh-CN" altLang="en-US">
+              <a:solidFill>
+                <a:srgbClr val="FFFFFF"/>
+              </a:solidFill>
+            </a:endParaRPr>
+          </a:p>
+        </p:txBody>
+      </p:sp>
+    </p:spTree>
+    <p:extLst>
+      <p:ext uri="{BB962C8B-B14F-4D97-AF65-F5344CB8AC3E}">
+        <p14:creationId xmlns:p14="http://schemas.microsoft.com/office/powerpoint/2010/main" val="4232108277"/>
+      </p:ext>
+    </p:extLst>
+  </p:cSld>
+  <p:clrMapOvr>
+    <a:masterClrMapping/>
+  </p:clrMapOvr>
+  <p:transition>
+    <p:wipe/>
+  </p:transition>
+</p:sld>
+</file>
+
+<file path=ppt/slides/slide12.xml><?xml version="1.0" encoding="utf-8"?>
+<p:sld xmlns:a="http://schemas.openxmlformats.org/drawingml/2006/main" xmlns:r="http://schemas.openxmlformats.org/officeDocument/2006/relationships" xmlns:p="http://schemas.openxmlformats.org/presentationml/2006/main">
+  <p:cSld>
+    <p:spTree>
+      <p:nvGrpSpPr>
+        <p:cNvPr id="1" name=""/>
+        <p:cNvGrpSpPr/>
+        <p:nvPr/>
+      </p:nvGrpSpPr>
+      <p:grpSpPr>
+        <a:xfrm>
+          <a:off x="0" y="0"/>
+          <a:ext cx="0" cy="0"/>
+          <a:chOff x="0" y="0"/>
+          <a:chExt cx="0" cy="0"/>
+        </a:xfrm>
+      </p:grpSpPr>
+      <p:sp>
+        <p:nvSpPr>
           <p:cNvPr id="3" name="文本框 2"/>
           <p:cNvSpPr txBox="1"/>
           <p:nvPr/>
@@ -7032,7 +7830,7 @@
 </p:sld>
 </file>
 
-<file path=ppt/slides/slide11.xml><?xml version="1.0" encoding="utf-8"?>
+<file path=ppt/slides/slide13.xml><?xml version="1.0" encoding="utf-8"?>
 <p:sld xmlns:a="http://schemas.openxmlformats.org/drawingml/2006/main" xmlns:r="http://schemas.openxmlformats.org/officeDocument/2006/relationships" xmlns:p="http://schemas.openxmlformats.org/presentationml/2006/main">
   <p:cSld>
     <p:spTree>
@@ -7370,14 +8168,14 @@
           <p:nvPr>
             <p:extLst>
               <p:ext uri="{D42A27DB-BD31-4B8C-83A1-F6EECF244321}">
-                <p14:modId xmlns:p14="http://schemas.microsoft.com/office/powerpoint/2010/main" val="2900076413"/>
+                <p14:modId xmlns:p14="http://schemas.microsoft.com/office/powerpoint/2010/main" val="2751763156"/>
               </p:ext>
             </p:extLst>
           </p:nvPr>
         </p:nvGraphicFramePr>
         <p:xfrm>
           <a:off x="1496695" y="1771650"/>
-          <a:ext cx="8647430" cy="4212590"/>
+          <a:ext cx="8647430" cy="4348480"/>
         </p:xfrm>
         <a:graphic>
           <a:graphicData uri="http://schemas.openxmlformats.org/drawingml/2006/table">
@@ -7597,14 +8395,18 @@
                         <a:buNone/>
                       </a:pPr>
                       <a:r>
-                        <a:rPr lang="en-US" sz="1800" b="0">
-                          <a:latin typeface="宋体" panose="02010600030101010101" pitchFamily="2" charset="-122"/>
-                          <a:ea typeface="宋体" panose="02010600030101010101" pitchFamily="2" charset="-122"/>
-                          <a:cs typeface="宋体" panose="02010600030101010101" pitchFamily="2" charset="-122"/>
+                        <a:rPr lang="en-US" altLang="zh-CN" sz="1800" kern="1200" dirty="0" smtClean="0">
+                          <a:solidFill>
+                            <a:schemeClr val="tx1"/>
+                          </a:solidFill>
+                          <a:effectLst/>
+                          <a:latin typeface="+mn-lt"/>
+                          <a:ea typeface="+mn-ea"/>
+                          <a:cs typeface="+mn-cs"/>
                         </a:rPr>
-                        <a:t>2018/09/30</a:t>
+                        <a:t>2018/9/29—2018/9/30</a:t>
                       </a:r>
-                      <a:endParaRPr lang="en-US" altLang="en-US" sz="1800" b="0">
+                      <a:endParaRPr lang="en-US" altLang="en-US" sz="1800" b="0" dirty="0">
                         <a:latin typeface="宋体" panose="02010600030101010101" pitchFamily="2" charset="-122"/>
                         <a:ea typeface="宋体" panose="02010600030101010101" pitchFamily="2" charset="-122"/>
                         <a:cs typeface="宋体" panose="02010600030101010101" pitchFamily="2" charset="-122"/>
@@ -7662,225 +8464,16 @@
                         <a:buNone/>
                       </a:pPr>
                       <a:r>
-                        <a:rPr lang="en-US" sz="1800" b="0">
-                          <a:latin typeface="宋体" panose="02010600030101010101" pitchFamily="2" charset="-122"/>
-                          <a:ea typeface="宋体" panose="02010600030101010101" pitchFamily="2" charset="-122"/>
-                          <a:cs typeface="宋体" panose="02010600030101010101" pitchFamily="2" charset="-122"/>
+                        <a:rPr lang="zh-CN" altLang="zh-CN" sz="1800" kern="1200" dirty="0" smtClean="0">
+                          <a:solidFill>
+                            <a:schemeClr val="tx1"/>
+                          </a:solidFill>
+                          <a:effectLst/>
+                          <a:latin typeface="+mn-lt"/>
+                          <a:ea typeface="+mn-ea"/>
+                          <a:cs typeface="+mn-cs"/>
                         </a:rPr>
-                        <a:t>选题</a:t>
-                      </a:r>
-                      <a:endParaRPr lang="en-US" altLang="en-US" sz="1800" b="0">
-                        <a:latin typeface="宋体" panose="02010600030101010101" pitchFamily="2" charset="-122"/>
-                        <a:ea typeface="宋体" panose="02010600030101010101" pitchFamily="2" charset="-122"/>
-                        <a:cs typeface="宋体" panose="02010600030101010101" pitchFamily="2" charset="-122"/>
-                      </a:endParaRPr>
-                    </a:p>
-                  </a:txBody>
-                  <a:tcPr marL="68580" marR="68580" marT="0" marB="0">
-                    <a:lnL w="12700" cap="flat" cmpd="sng">
-                      <a:solidFill>
-                        <a:srgbClr val="080000"/>
-                      </a:solidFill>
-                      <a:prstDash val="solid"/>
-                      <a:headEnd type="none" w="med" len="med"/>
-                      <a:tailEnd type="none" w="med" len="med"/>
-                    </a:lnL>
-                    <a:lnR w="12700" cap="flat" cmpd="sng">
-                      <a:solidFill>
-                        <a:srgbClr val="080000"/>
-                      </a:solidFill>
-                      <a:prstDash val="solid"/>
-                      <a:headEnd type="none" w="med" len="med"/>
-                      <a:tailEnd type="none" w="med" len="med"/>
-                    </a:lnR>
-                    <a:lnT w="12700" cap="flat" cmpd="sng">
-                      <a:solidFill>
-                        <a:srgbClr val="080000"/>
-                      </a:solidFill>
-                      <a:prstDash val="solid"/>
-                      <a:headEnd type="none" w="med" len="med"/>
-                      <a:tailEnd type="none" w="med" len="med"/>
-                    </a:lnT>
-                    <a:lnB w="12700" cap="flat" cmpd="sng">
-                      <a:solidFill>
-                        <a:srgbClr val="080000"/>
-                      </a:solidFill>
-                      <a:prstDash val="solid"/>
-                      <a:headEnd type="none" w="med" len="med"/>
-                      <a:tailEnd type="none" w="med" len="med"/>
-                    </a:lnB>
-                    <a:lnTlToBr>
-                      <a:noFill/>
-                    </a:lnTlToBr>
-                    <a:lnBlToTr>
-                      <a:noFill/>
-                    </a:lnBlToTr>
-                    <a:noFill/>
-                  </a:tcPr>
-                </a:tc>
-                <a:tc>
-                  <a:txBody>
-                    <a:bodyPr/>
-                    <a:lstStyle/>
-                    <a:p>
-                      <a:pPr indent="0">
-                        <a:buNone/>
-                      </a:pPr>
-                      <a:r>
-                        <a:rPr lang="en-US" sz="1800" b="0">
-                          <a:latin typeface="宋体" panose="02010600030101010101" pitchFamily="2" charset="-122"/>
-                          <a:ea typeface="宋体" panose="02010600030101010101" pitchFamily="2" charset="-122"/>
-                          <a:cs typeface="Times New Roman" panose="02020603050405020304" pitchFamily="18" charset="0"/>
-                        </a:rPr>
-                        <a:t> </a:t>
-                      </a:r>
-                      <a:endParaRPr lang="en-US" altLang="en-US" sz="1800" b="0">
-                        <a:latin typeface="宋体" panose="02010600030101010101" pitchFamily="2" charset="-122"/>
-                        <a:ea typeface="宋体" panose="02010600030101010101" pitchFamily="2" charset="-122"/>
-                        <a:cs typeface="Times New Roman" panose="02020603050405020304" pitchFamily="18" charset="0"/>
-                      </a:endParaRPr>
-                    </a:p>
-                  </a:txBody>
-                  <a:tcPr marL="68580" marR="68580" marT="0" marB="0">
-                    <a:lnL w="12700" cap="flat" cmpd="sng">
-                      <a:solidFill>
-                        <a:srgbClr val="080000"/>
-                      </a:solidFill>
-                      <a:prstDash val="solid"/>
-                      <a:headEnd type="none" w="med" len="med"/>
-                      <a:tailEnd type="none" w="med" len="med"/>
-                    </a:lnL>
-                    <a:lnR w="12700" cap="flat" cmpd="sng">
-                      <a:solidFill>
-                        <a:srgbClr val="080000"/>
-                      </a:solidFill>
-                      <a:prstDash val="solid"/>
-                      <a:headEnd type="none" w="med" len="med"/>
-                      <a:tailEnd type="none" w="med" len="med"/>
-                    </a:lnR>
-                    <a:lnT w="12700" cap="flat" cmpd="sng">
-                      <a:solidFill>
-                        <a:srgbClr val="080000"/>
-                      </a:solidFill>
-                      <a:prstDash val="solid"/>
-                      <a:headEnd type="none" w="med" len="med"/>
-                      <a:tailEnd type="none" w="med" len="med"/>
-                    </a:lnT>
-                    <a:lnB w="12700" cap="flat" cmpd="sng">
-                      <a:solidFill>
-                        <a:srgbClr val="080000"/>
-                      </a:solidFill>
-                      <a:prstDash val="solid"/>
-                      <a:headEnd type="none" w="med" len="med"/>
-                      <a:tailEnd type="none" w="med" len="med"/>
-                    </a:lnB>
-                    <a:lnTlToBr>
-                      <a:noFill/>
-                    </a:lnTlToBr>
-                    <a:lnBlToTr>
-                      <a:noFill/>
-                    </a:lnBlToTr>
-                    <a:noFill/>
-                  </a:tcPr>
-                </a:tc>
-              </a:tr>
-              <a:tr h="412750">
-                <a:tc>
-                  <a:txBody>
-                    <a:bodyPr/>
-                    <a:lstStyle/>
-                    <a:p>
-                      <a:pPr indent="0">
-                        <a:buNone/>
-                      </a:pPr>
-                      <a:r>
-                        <a:rPr lang="en-US" sz="1800" b="0" dirty="0" smtClean="0">
-                          <a:latin typeface="宋体" panose="02010600030101010101" pitchFamily="2" charset="-122"/>
-                          <a:ea typeface="宋体" panose="02010600030101010101" pitchFamily="2" charset="-122"/>
-                          <a:cs typeface="Times New Roman" panose="02020603050405020304" pitchFamily="18" charset="0"/>
-                        </a:rPr>
-                        <a:t>2018</a:t>
-                      </a:r>
-                      <a:r>
-                        <a:rPr lang="en-US" sz="1800" b="0" dirty="0" smtClean="0">
-                          <a:latin typeface="宋体" panose="02010600030101010101" pitchFamily="2" charset="-122"/>
-                          <a:ea typeface="宋体" panose="02010600030101010101" pitchFamily="2" charset="-122"/>
-                          <a:cs typeface="宋体" panose="02010600030101010101" pitchFamily="2" charset="-122"/>
-                        </a:rPr>
-                        <a:t>/10/</a:t>
-                      </a:r>
-                      <a:r>
-                        <a:rPr lang="en-US" altLang="zh-CN" sz="1800" b="0" dirty="0" smtClean="0">
-                          <a:latin typeface="宋体" panose="02010600030101010101" pitchFamily="2" charset="-122"/>
-                          <a:ea typeface="宋体" panose="02010600030101010101" pitchFamily="2" charset="-122"/>
-                          <a:cs typeface="宋体" panose="02010600030101010101" pitchFamily="2" charset="-122"/>
-                        </a:rPr>
-                        <a:t>8</a:t>
-                      </a:r>
-                      <a:endParaRPr lang="en-US" altLang="en-US" sz="1800" b="0" dirty="0">
-                        <a:latin typeface="宋体" panose="02010600030101010101" pitchFamily="2" charset="-122"/>
-                        <a:ea typeface="宋体" panose="02010600030101010101" pitchFamily="2" charset="-122"/>
-                        <a:cs typeface="Times New Roman" panose="02020603050405020304" pitchFamily="18" charset="0"/>
-                      </a:endParaRPr>
-                    </a:p>
-                  </a:txBody>
-                  <a:tcPr marL="68580" marR="68580" marT="0" marB="0">
-                    <a:lnL w="12700" cap="flat" cmpd="sng">
-                      <a:solidFill>
-                        <a:srgbClr val="080000"/>
-                      </a:solidFill>
-                      <a:prstDash val="solid"/>
-                      <a:headEnd type="none" w="med" len="med"/>
-                      <a:tailEnd type="none" w="med" len="med"/>
-                    </a:lnL>
-                    <a:lnR w="12700" cap="flat" cmpd="sng">
-                      <a:solidFill>
-                        <a:srgbClr val="080000"/>
-                      </a:solidFill>
-                      <a:prstDash val="solid"/>
-                      <a:headEnd type="none" w="med" len="med"/>
-                      <a:tailEnd type="none" w="med" len="med"/>
-                    </a:lnR>
-                    <a:lnT w="12700" cap="flat" cmpd="sng">
-                      <a:solidFill>
-                        <a:srgbClr val="080000"/>
-                      </a:solidFill>
-                      <a:prstDash val="solid"/>
-                      <a:headEnd type="none" w="med" len="med"/>
-                      <a:tailEnd type="none" w="med" len="med"/>
-                    </a:lnT>
-                    <a:lnB w="12700" cap="flat" cmpd="sng">
-                      <a:solidFill>
-                        <a:srgbClr val="080000"/>
-                      </a:solidFill>
-                      <a:prstDash val="solid"/>
-                      <a:headEnd type="none" w="med" len="med"/>
-                      <a:tailEnd type="none" w="med" len="med"/>
-                    </a:lnB>
-                    <a:lnTlToBr>
-                      <a:noFill/>
-                    </a:lnTlToBr>
-                    <a:lnBlToTr>
-                      <a:noFill/>
-                    </a:lnBlToTr>
-                    <a:noFill/>
-                  </a:tcPr>
-                </a:tc>
-                <a:tc>
-                  <a:txBody>
-                    <a:bodyPr/>
-                    <a:lstStyle/>
-                    <a:p>
-                      <a:pPr indent="0">
-                        <a:buNone/>
-                      </a:pPr>
-                      <a:r>
-                        <a:rPr lang="zh-CN" altLang="en-US" sz="1800" b="0" dirty="0" smtClean="0">
-                          <a:latin typeface="宋体" panose="02010600030101010101" pitchFamily="2" charset="-122"/>
-                          <a:ea typeface="宋体" panose="02010600030101010101" pitchFamily="2" charset="-122"/>
-                          <a:cs typeface="宋体" panose="02010600030101010101" pitchFamily="2" charset="-122"/>
-                        </a:rPr>
-                        <a:t>确定论文题目</a:t>
+                        <a:t>确定题目</a:t>
                       </a:r>
                       <a:endParaRPr lang="en-US" altLang="en-US" sz="1800" b="0" dirty="0">
                         <a:latin typeface="宋体" panose="02010600030101010101" pitchFamily="2" charset="-122"/>
@@ -8007,52 +8600,85 @@
                         <a:buNone/>
                       </a:pPr>
                       <a:r>
-                        <a:rPr lang="en-US" sz="1800" b="0" dirty="0" smtClean="0">
-                          <a:latin typeface="宋体" panose="02010600030101010101" pitchFamily="2" charset="-122"/>
-                          <a:ea typeface="宋体" panose="02010600030101010101" pitchFamily="2" charset="-122"/>
-                          <a:cs typeface="宋体" panose="02010600030101010101" pitchFamily="2" charset="-122"/>
+                        <a:rPr lang="en-US" altLang="zh-CN" sz="1800" kern="1200" dirty="0" smtClean="0">
+                          <a:solidFill>
+                            <a:schemeClr val="tx1"/>
+                          </a:solidFill>
+                          <a:effectLst/>
+                          <a:latin typeface="+mn-lt"/>
+                          <a:ea typeface="+mn-ea"/>
+                          <a:cs typeface="+mn-cs"/>
                         </a:rPr>
-                        <a:t>2018/10/</a:t>
+                        <a:t>2018/10/1—2018/10/16</a:t>
                       </a:r>
+                      <a:endParaRPr lang="en-US" altLang="en-US" sz="1800" b="0" dirty="0">
+                        <a:latin typeface="宋体" panose="02010600030101010101" pitchFamily="2" charset="-122"/>
+                        <a:ea typeface="宋体" panose="02010600030101010101" pitchFamily="2" charset="-122"/>
+                        <a:cs typeface="Times New Roman" panose="02020603050405020304" pitchFamily="18" charset="0"/>
+                      </a:endParaRPr>
+                    </a:p>
+                  </a:txBody>
+                  <a:tcPr marL="68580" marR="68580" marT="0" marB="0">
+                    <a:lnL w="12700" cap="flat" cmpd="sng">
+                      <a:solidFill>
+                        <a:srgbClr val="080000"/>
+                      </a:solidFill>
+                      <a:prstDash val="solid"/>
+                      <a:headEnd type="none" w="med" len="med"/>
+                      <a:tailEnd type="none" w="med" len="med"/>
+                    </a:lnL>
+                    <a:lnR w="12700" cap="flat" cmpd="sng">
+                      <a:solidFill>
+                        <a:srgbClr val="080000"/>
+                      </a:solidFill>
+                      <a:prstDash val="solid"/>
+                      <a:headEnd type="none" w="med" len="med"/>
+                      <a:tailEnd type="none" w="med" len="med"/>
+                    </a:lnR>
+                    <a:lnT w="12700" cap="flat" cmpd="sng">
+                      <a:solidFill>
+                        <a:srgbClr val="080000"/>
+                      </a:solidFill>
+                      <a:prstDash val="solid"/>
+                      <a:headEnd type="none" w="med" len="med"/>
+                      <a:tailEnd type="none" w="med" len="med"/>
+                    </a:lnT>
+                    <a:lnB w="12700" cap="flat" cmpd="sng">
+                      <a:solidFill>
+                        <a:srgbClr val="080000"/>
+                      </a:solidFill>
+                      <a:prstDash val="solid"/>
+                      <a:headEnd type="none" w="med" len="med"/>
+                      <a:tailEnd type="none" w="med" len="med"/>
+                    </a:lnB>
+                    <a:lnTlToBr>
+                      <a:noFill/>
+                    </a:lnTlToBr>
+                    <a:lnBlToTr>
+                      <a:noFill/>
+                    </a:lnBlToTr>
+                    <a:noFill/>
+                  </a:tcPr>
+                </a:tc>
+                <a:tc>
+                  <a:txBody>
+                    <a:bodyPr/>
+                    <a:lstStyle/>
+                    <a:p>
+                      <a:pPr indent="0">
+                        <a:buNone/>
+                      </a:pPr>
                       <a:r>
-                        <a:rPr lang="en-US" altLang="zh-CN" sz="1800" b="0" dirty="0" smtClean="0">
-                          <a:latin typeface="宋体" panose="02010600030101010101" pitchFamily="2" charset="-122"/>
-                          <a:ea typeface="宋体" panose="02010600030101010101" pitchFamily="2" charset="-122"/>
-                          <a:cs typeface="宋体" panose="02010600030101010101" pitchFamily="2" charset="-122"/>
+                        <a:rPr lang="zh-CN" altLang="zh-CN" sz="1800" kern="1200" dirty="0" smtClean="0">
+                          <a:solidFill>
+                            <a:schemeClr val="tx1"/>
+                          </a:solidFill>
+                          <a:effectLst/>
+                          <a:latin typeface="+mn-lt"/>
+                          <a:ea typeface="+mn-ea"/>
+                          <a:cs typeface="+mn-cs"/>
                         </a:rPr>
-                        <a:t>9</a:t>
-                      </a:r>
-                      <a:r>
-                        <a:rPr lang="en-US" sz="1800" b="0" dirty="0" smtClean="0">
-                          <a:latin typeface="宋体" panose="02010600030101010101" pitchFamily="2" charset="-122"/>
-                          <a:ea typeface="宋体" panose="02010600030101010101" pitchFamily="2" charset="-122"/>
-                          <a:cs typeface="宋体" panose="02010600030101010101" pitchFamily="2" charset="-122"/>
-                        </a:rPr>
-                        <a:t>--</a:t>
-                      </a:r>
-                      <a:r>
-                        <a:rPr lang="en-US" sz="1800" b="0" dirty="0" smtClean="0">
-                          <a:latin typeface="宋体" panose="02010600030101010101" pitchFamily="2" charset="-122"/>
-                          <a:ea typeface="宋体" panose="02010600030101010101" pitchFamily="2" charset="-122"/>
-                          <a:cs typeface="Times New Roman" panose="02020603050405020304" pitchFamily="18" charset="0"/>
-                        </a:rPr>
-                        <a:t>2018</a:t>
-                      </a:r>
-                      <a:r>
-                        <a:rPr lang="en-US" sz="1800" b="0" dirty="0" smtClean="0">
-                          <a:latin typeface="宋体" panose="02010600030101010101" pitchFamily="2" charset="-122"/>
-                          <a:ea typeface="宋体" panose="02010600030101010101" pitchFamily="2" charset="-122"/>
-                          <a:cs typeface="宋体" panose="02010600030101010101" pitchFamily="2" charset="-122"/>
-                        </a:rPr>
-                        <a:t>/10/1</a:t>
-                      </a:r>
-                      <a:r>
-                        <a:rPr lang="en-US" altLang="zh-CN" sz="1800" b="0" dirty="0" smtClean="0">
-                          <a:latin typeface="宋体" panose="02010600030101010101" pitchFamily="2" charset="-122"/>
-                          <a:ea typeface="宋体" panose="02010600030101010101" pitchFamily="2" charset="-122"/>
-                          <a:cs typeface="宋体" panose="02010600030101010101" pitchFamily="2" charset="-122"/>
-                        </a:rPr>
-                        <a:t>0</a:t>
+                        <a:t>完成开题报告材料文档</a:t>
                       </a:r>
                       <a:endParaRPr lang="en-US" altLang="en-US" sz="1800" b="0" dirty="0">
                         <a:latin typeface="宋体" panose="02010600030101010101" pitchFamily="2" charset="-122"/>
@@ -8117,9 +8743,161 @@
                           <a:ea typeface="宋体" panose="02010600030101010101" pitchFamily="2" charset="-122"/>
                           <a:cs typeface="Times New Roman" panose="02020603050405020304" pitchFamily="18" charset="0"/>
                         </a:rPr>
-                        <a:t>查阅文献资料</a:t>
+                        <a:t> </a:t>
                       </a:r>
                       <a:endParaRPr lang="en-US" altLang="en-US" sz="1800" b="0">
+                        <a:latin typeface="宋体" panose="02010600030101010101" pitchFamily="2" charset="-122"/>
+                        <a:ea typeface="宋体" panose="02010600030101010101" pitchFamily="2" charset="-122"/>
+                        <a:cs typeface="Times New Roman" panose="02020603050405020304" pitchFamily="18" charset="0"/>
+                      </a:endParaRPr>
+                    </a:p>
+                  </a:txBody>
+                  <a:tcPr marL="68580" marR="68580" marT="0" marB="0">
+                    <a:lnL w="12700" cap="flat" cmpd="sng">
+                      <a:solidFill>
+                        <a:srgbClr val="080000"/>
+                      </a:solidFill>
+                      <a:prstDash val="solid"/>
+                      <a:headEnd type="none" w="med" len="med"/>
+                      <a:tailEnd type="none" w="med" len="med"/>
+                    </a:lnL>
+                    <a:lnR w="12700" cap="flat" cmpd="sng">
+                      <a:solidFill>
+                        <a:srgbClr val="080000"/>
+                      </a:solidFill>
+                      <a:prstDash val="solid"/>
+                      <a:headEnd type="none" w="med" len="med"/>
+                      <a:tailEnd type="none" w="med" len="med"/>
+                    </a:lnR>
+                    <a:lnT w="12700" cap="flat" cmpd="sng">
+                      <a:solidFill>
+                        <a:srgbClr val="080000"/>
+                      </a:solidFill>
+                      <a:prstDash val="solid"/>
+                      <a:headEnd type="none" w="med" len="med"/>
+                      <a:tailEnd type="none" w="med" len="med"/>
+                    </a:lnT>
+                    <a:lnB w="12700" cap="flat" cmpd="sng">
+                      <a:solidFill>
+                        <a:srgbClr val="080000"/>
+                      </a:solidFill>
+                      <a:prstDash val="solid"/>
+                      <a:headEnd type="none" w="med" len="med"/>
+                      <a:tailEnd type="none" w="med" len="med"/>
+                    </a:lnB>
+                    <a:lnTlToBr>
+                      <a:noFill/>
+                    </a:lnTlToBr>
+                    <a:lnBlToTr>
+                      <a:noFill/>
+                    </a:lnBlToTr>
+                    <a:noFill/>
+                  </a:tcPr>
+                </a:tc>
+              </a:tr>
+              <a:tr h="412750">
+                <a:tc>
+                  <a:txBody>
+                    <a:bodyPr/>
+                    <a:lstStyle/>
+                    <a:p>
+                      <a:pPr indent="0">
+                        <a:buNone/>
+                      </a:pPr>
+                      <a:r>
+                        <a:rPr lang="en-US" altLang="zh-CN" sz="1800" kern="1200" dirty="0" smtClean="0">
+                          <a:solidFill>
+                            <a:schemeClr val="tx1"/>
+                          </a:solidFill>
+                          <a:effectLst/>
+                          <a:latin typeface="+mn-lt"/>
+                          <a:ea typeface="+mn-ea"/>
+                          <a:cs typeface="+mn-cs"/>
+                        </a:rPr>
+                        <a:t>2018/10/18—2018/10/19</a:t>
+                      </a:r>
+                      <a:endParaRPr lang="en-US" altLang="en-US" sz="1800" b="0" dirty="0">
+                        <a:latin typeface="宋体" panose="02010600030101010101" pitchFamily="2" charset="-122"/>
+                        <a:ea typeface="宋体" panose="02010600030101010101" pitchFamily="2" charset="-122"/>
+                        <a:cs typeface="宋体" panose="02010600030101010101" pitchFamily="2" charset="-122"/>
+                      </a:endParaRPr>
+                    </a:p>
+                  </a:txBody>
+                  <a:tcPr marL="68580" marR="68580" marT="0" marB="0">
+                    <a:lnL w="12700" cap="flat" cmpd="sng">
+                      <a:solidFill>
+                        <a:srgbClr val="080000"/>
+                      </a:solidFill>
+                      <a:prstDash val="solid"/>
+                      <a:headEnd type="none" w="med" len="med"/>
+                      <a:tailEnd type="none" w="med" len="med"/>
+                    </a:lnL>
+                    <a:lnR w="12700" cap="flat" cmpd="sng">
+                      <a:solidFill>
+                        <a:srgbClr val="080000"/>
+                      </a:solidFill>
+                      <a:prstDash val="solid"/>
+                      <a:headEnd type="none" w="med" len="med"/>
+                      <a:tailEnd type="none" w="med" len="med"/>
+                    </a:lnR>
+                    <a:lnT w="12700" cap="flat" cmpd="sng">
+                      <a:solidFill>
+                        <a:srgbClr val="080000"/>
+                      </a:solidFill>
+                      <a:prstDash val="solid"/>
+                      <a:headEnd type="none" w="med" len="med"/>
+                      <a:tailEnd type="none" w="med" len="med"/>
+                    </a:lnT>
+                    <a:lnB w="12700" cap="flat" cmpd="sng">
+                      <a:solidFill>
+                        <a:srgbClr val="080000"/>
+                      </a:solidFill>
+                      <a:prstDash val="solid"/>
+                      <a:headEnd type="none" w="med" len="med"/>
+                      <a:tailEnd type="none" w="med" len="med"/>
+                    </a:lnB>
+                    <a:lnTlToBr>
+                      <a:noFill/>
+                    </a:lnTlToBr>
+                    <a:lnBlToTr>
+                      <a:noFill/>
+                    </a:lnBlToTr>
+                    <a:noFill/>
+                  </a:tcPr>
+                </a:tc>
+                <a:tc>
+                  <a:txBody>
+                    <a:bodyPr/>
+                    <a:lstStyle/>
+                    <a:p>
+                      <a:pPr indent="0">
+                        <a:buNone/>
+                      </a:pPr>
+                      <a:r>
+                        <a:rPr lang="zh-CN" altLang="zh-CN" sz="1800" kern="1200" dirty="0" smtClean="0">
+                          <a:solidFill>
+                            <a:schemeClr val="tx1"/>
+                          </a:solidFill>
+                          <a:effectLst/>
+                          <a:latin typeface="+mn-lt"/>
+                          <a:ea typeface="+mn-ea"/>
+                          <a:cs typeface="+mn-cs"/>
+                        </a:rPr>
+                        <a:t>指导老师反馈审查结果，修改、完成终稿，做开题</a:t>
+                      </a:r>
+                      <a:r>
+                        <a:rPr lang="en-US" altLang="zh-CN" sz="1800" kern="1200" dirty="0" smtClean="0">
+                          <a:solidFill>
+                            <a:schemeClr val="tx1"/>
+                          </a:solidFill>
+                          <a:effectLst/>
+                          <a:latin typeface="+mn-lt"/>
+                          <a:ea typeface="+mn-ea"/>
+                          <a:cs typeface="+mn-cs"/>
+                        </a:rPr>
+                        <a:t>PPT</a:t>
+                      </a:r>
+                      <a:endParaRPr lang="en-US" altLang="en-US" sz="1800" b="0" dirty="0">
                         <a:latin typeface="宋体" panose="02010600030101010101" pitchFamily="2" charset="-122"/>
                         <a:ea typeface="宋体" panose="02010600030101010101" pitchFamily="2" charset="-122"/>
                         <a:cs typeface="Times New Roman" panose="02020603050405020304" pitchFamily="18" charset="0"/>
@@ -8240,24 +9018,34 @@
                     <a:bodyPr/>
                     <a:lstStyle/>
                     <a:p>
-                      <a:pPr indent="0">
+                      <a:pPr marL="0" marR="0" indent="0" algn="l" defTabSz="914400" rtl="0" eaLnBrk="1" fontAlgn="auto" latinLnBrk="0" hangingPunct="1">
+                        <a:lnSpc>
+                          <a:spcPct val="100000"/>
+                        </a:lnSpc>
+                        <a:spcBef>
+                          <a:spcPts val="0"/>
+                        </a:spcBef>
+                        <a:spcAft>
+                          <a:spcPts val="0"/>
+                        </a:spcAft>
+                        <a:buClrTx/>
+                        <a:buSzTx/>
+                        <a:buFontTx/>
                         <a:buNone/>
+                        <a:tabLst/>
+                        <a:defRPr/>
                       </a:pPr>
                       <a:r>
-                        <a:rPr lang="en-US" sz="1800" b="0" dirty="0" smtClean="0">
-                          <a:latin typeface="宋体" panose="02010600030101010101" pitchFamily="2" charset="-122"/>
-                          <a:ea typeface="宋体" panose="02010600030101010101" pitchFamily="2" charset="-122"/>
-                          <a:cs typeface="宋体" panose="02010600030101010101" pitchFamily="2" charset="-122"/>
+                        <a:rPr lang="en-US" altLang="zh-CN" sz="1800" kern="1200" dirty="0" smtClean="0">
+                          <a:solidFill>
+                            <a:schemeClr val="tx1"/>
+                          </a:solidFill>
+                          <a:effectLst/>
+                          <a:latin typeface="+mn-lt"/>
+                          <a:ea typeface="+mn-ea"/>
+                          <a:cs typeface="+mn-cs"/>
                         </a:rPr>
-                        <a:t>2018/10/1</a:t>
-                      </a:r>
-                      <a:r>
-                        <a:rPr lang="en-US" altLang="zh-CN" sz="1800" b="0" dirty="0" smtClean="0">
-                          <a:latin typeface="宋体" panose="02010600030101010101" pitchFamily="2" charset="-122"/>
-                          <a:ea typeface="宋体" panose="02010600030101010101" pitchFamily="2" charset="-122"/>
-                          <a:cs typeface="宋体" panose="02010600030101010101" pitchFamily="2" charset="-122"/>
-                        </a:rPr>
-                        <a:t>1</a:t>
+                        <a:t>2018/10/22—2018/10/26</a:t>
                       </a:r>
                       <a:endParaRPr lang="en-US" altLang="en-US" sz="1800" b="0" dirty="0">
                         <a:latin typeface="宋体" panose="02010600030101010101" pitchFamily="2" charset="-122"/>
@@ -8317,12 +9105,16 @@
                         <a:buNone/>
                       </a:pPr>
                       <a:r>
-                        <a:rPr lang="zh-CN" altLang="en-US" sz="1800" b="0" dirty="0" smtClean="0">
-                          <a:latin typeface="宋体" panose="02010600030101010101" pitchFamily="2" charset="-122"/>
-                          <a:ea typeface="宋体" panose="02010600030101010101" pitchFamily="2" charset="-122"/>
-                          <a:cs typeface="Times New Roman" panose="02020603050405020304" pitchFamily="18" charset="0"/>
+                        <a:rPr lang="zh-CN" altLang="zh-CN" sz="1800" kern="1200" dirty="0" smtClean="0">
+                          <a:solidFill>
+                            <a:schemeClr val="tx1"/>
+                          </a:solidFill>
+                          <a:effectLst/>
+                          <a:latin typeface="+mn-lt"/>
+                          <a:ea typeface="+mn-ea"/>
+                          <a:cs typeface="+mn-cs"/>
                         </a:rPr>
-                        <a:t>开题报告</a:t>
+                        <a:t>学院老师开题</a:t>
                       </a:r>
                       <a:endParaRPr lang="en-US" altLang="en-US" sz="1800" b="0" dirty="0">
                         <a:latin typeface="宋体" panose="02010600030101010101" pitchFamily="2" charset="-122"/>
@@ -8449,14 +9241,54 @@
                         <a:buNone/>
                       </a:pPr>
                       <a:r>
-                        <a:rPr lang="en-US" sz="1800" b="0">
-                          <a:latin typeface="宋体" panose="02010600030101010101" pitchFamily="2" charset="-122"/>
-                          <a:ea typeface="宋体" panose="02010600030101010101" pitchFamily="2" charset="-122"/>
-                          <a:cs typeface="宋体" panose="02010600030101010101" pitchFamily="2" charset="-122"/>
+                        <a:rPr lang="en-US" altLang="zh-CN" sz="1800" kern="1200" dirty="0" smtClean="0">
+                          <a:solidFill>
+                            <a:schemeClr val="tx1"/>
+                          </a:solidFill>
+                          <a:effectLst/>
+                          <a:latin typeface="+mn-lt"/>
+                          <a:ea typeface="+mn-ea"/>
+                          <a:cs typeface="+mn-cs"/>
                         </a:rPr>
-                        <a:t>2018/10/20</a:t>
+                        <a:t>2018</a:t>
                       </a:r>
-                      <a:endParaRPr lang="en-US" altLang="en-US" sz="1800" b="0">
+                      <a:r>
+                        <a:rPr lang="zh-CN" altLang="zh-CN" sz="1800" kern="1200" dirty="0" smtClean="0">
+                          <a:solidFill>
+                            <a:schemeClr val="tx1"/>
+                          </a:solidFill>
+                          <a:effectLst/>
+                          <a:latin typeface="+mn-lt"/>
+                          <a:ea typeface="+mn-ea"/>
+                          <a:cs typeface="+mn-cs"/>
+                        </a:rPr>
+                        <a:t>年</a:t>
+                      </a:r>
+                      <a:r>
+                        <a:rPr lang="en-US" altLang="zh-CN" sz="1800" kern="1200" dirty="0" smtClean="0">
+                          <a:solidFill>
+                            <a:schemeClr val="tx1"/>
+                          </a:solidFill>
+                          <a:effectLst/>
+                          <a:latin typeface="+mn-lt"/>
+                          <a:ea typeface="+mn-ea"/>
+                          <a:cs typeface="+mn-cs"/>
+                        </a:rPr>
+                        <a:t>12</a:t>
+                      </a:r>
+                      <a:r>
+                        <a:rPr lang="zh-CN" altLang="zh-CN" sz="1800" kern="1200" dirty="0" smtClean="0">
+                          <a:solidFill>
+                            <a:schemeClr val="tx1"/>
+                          </a:solidFill>
+                          <a:effectLst/>
+                          <a:latin typeface="+mn-lt"/>
+                          <a:ea typeface="+mn-ea"/>
+                          <a:cs typeface="+mn-cs"/>
+                        </a:rPr>
+                        <a:t>月底</a:t>
+                      </a:r>
+                      <a:endParaRPr lang="en-US" altLang="en-US" sz="1800" b="0" dirty="0">
                         <a:latin typeface="宋体" panose="02010600030101010101" pitchFamily="2" charset="-122"/>
                         <a:ea typeface="宋体" panose="02010600030101010101" pitchFamily="2" charset="-122"/>
                         <a:cs typeface="宋体" panose="02010600030101010101" pitchFamily="2" charset="-122"/>
@@ -8514,20 +9346,16 @@
                         <a:buNone/>
                       </a:pPr>
                       <a:r>
-                        <a:rPr lang="zh-CN" altLang="en-US" sz="1800" b="0" dirty="0" smtClean="0">
-                          <a:latin typeface="宋体" panose="02010600030101010101" pitchFamily="2" charset="-122"/>
-                          <a:ea typeface="宋体" panose="02010600030101010101" pitchFamily="2" charset="-122"/>
-                          <a:cs typeface="Times New Roman" panose="02020603050405020304" pitchFamily="18" charset="0"/>
+                        <a:rPr lang="zh-CN" altLang="zh-CN" sz="1800" kern="1200" dirty="0" smtClean="0">
+                          <a:solidFill>
+                            <a:schemeClr val="tx1"/>
+                          </a:solidFill>
+                          <a:effectLst/>
+                          <a:latin typeface="+mn-lt"/>
+                          <a:ea typeface="+mn-ea"/>
+                          <a:cs typeface="+mn-cs"/>
                         </a:rPr>
-                        <a:t>开始</a:t>
-                      </a:r>
-                      <a:r>
-                        <a:rPr lang="en-US" sz="1800" b="0" dirty="0" err="1" smtClean="0">
-                          <a:latin typeface="宋体" panose="02010600030101010101" pitchFamily="2" charset="-122"/>
-                          <a:ea typeface="宋体" panose="02010600030101010101" pitchFamily="2" charset="-122"/>
-                          <a:cs typeface="Times New Roman" panose="02020603050405020304" pitchFamily="18" charset="0"/>
-                        </a:rPr>
-                        <a:t>毕业设计</a:t>
+                        <a:t>完成论文和项目初稿</a:t>
                       </a:r>
                       <a:endParaRPr lang="en-US" altLang="en-US" sz="1800" b="0" dirty="0">
                         <a:latin typeface="宋体" panose="02010600030101010101" pitchFamily="2" charset="-122"/>
@@ -8654,13 +9482,85 @@
                         <a:buNone/>
                       </a:pPr>
                       <a:r>
-                        <a:rPr lang="en-US" sz="1000" b="0">
+                        <a:rPr lang="en-US" sz="1000" b="0" dirty="0">
                           <a:latin typeface="Times New Roman" panose="02020603050405020304" pitchFamily="18" charset="0"/>
                           <a:cs typeface="Times New Roman" panose="02020603050405020304" pitchFamily="18" charset="0"/>
                         </a:rPr>
                         <a:t> </a:t>
                       </a:r>
-                      <a:endParaRPr lang="en-US" altLang="en-US" sz="1000" b="0">
+                      <a:r>
+                        <a:rPr lang="en-US" altLang="zh-CN" sz="1800" kern="1200" dirty="0" smtClean="0">
+                          <a:solidFill>
+                            <a:schemeClr val="tx1"/>
+                          </a:solidFill>
+                          <a:effectLst/>
+                          <a:latin typeface="+mn-lt"/>
+                          <a:ea typeface="+mn-ea"/>
+                          <a:cs typeface="+mn-cs"/>
+                        </a:rPr>
+                        <a:t>2019</a:t>
+                      </a:r>
+                      <a:r>
+                        <a:rPr lang="zh-CN" altLang="zh-CN" sz="1800" kern="1200" dirty="0" smtClean="0">
+                          <a:solidFill>
+                            <a:schemeClr val="tx1"/>
+                          </a:solidFill>
+                          <a:effectLst/>
+                          <a:latin typeface="+mn-lt"/>
+                          <a:ea typeface="+mn-ea"/>
+                          <a:cs typeface="+mn-cs"/>
+                        </a:rPr>
+                        <a:t>年</a:t>
+                      </a:r>
+                      <a:r>
+                        <a:rPr lang="en-US" altLang="zh-CN" sz="1800" kern="1200" dirty="0" smtClean="0">
+                          <a:solidFill>
+                            <a:schemeClr val="tx1"/>
+                          </a:solidFill>
+                          <a:effectLst/>
+                          <a:latin typeface="+mn-lt"/>
+                          <a:ea typeface="+mn-ea"/>
+                          <a:cs typeface="+mn-cs"/>
+                        </a:rPr>
+                        <a:t>3</a:t>
+                      </a:r>
+                      <a:r>
+                        <a:rPr lang="zh-CN" altLang="zh-CN" sz="1800" kern="1200" dirty="0" smtClean="0">
+                          <a:solidFill>
+                            <a:schemeClr val="tx1"/>
+                          </a:solidFill>
+                          <a:effectLst/>
+                          <a:latin typeface="+mn-lt"/>
+                          <a:ea typeface="+mn-ea"/>
+                          <a:cs typeface="+mn-cs"/>
+                        </a:rPr>
+                        <a:t>月</a:t>
+                      </a:r>
+                      <a:r>
+                        <a:rPr lang="en-US" altLang="zh-CN" sz="1800" kern="1200" dirty="0" smtClean="0">
+                          <a:solidFill>
+                            <a:schemeClr val="tx1"/>
+                          </a:solidFill>
+                          <a:effectLst/>
+                          <a:latin typeface="+mn-lt"/>
+                          <a:ea typeface="+mn-ea"/>
+                          <a:cs typeface="+mn-cs"/>
+                        </a:rPr>
+                        <a:t>15</a:t>
+                      </a:r>
+                      <a:r>
+                        <a:rPr lang="zh-CN" altLang="zh-CN" sz="1800" kern="1200" dirty="0" smtClean="0">
+                          <a:solidFill>
+                            <a:schemeClr val="tx1"/>
+                          </a:solidFill>
+                          <a:effectLst/>
+                          <a:latin typeface="+mn-lt"/>
+                          <a:ea typeface="+mn-ea"/>
+                          <a:cs typeface="+mn-cs"/>
+                        </a:rPr>
+                        <a:t>号</a:t>
+                      </a:r>
+                      <a:endParaRPr lang="en-US" altLang="en-US" sz="1000" b="0" dirty="0">
                         <a:latin typeface="Times New Roman" panose="02020603050405020304" pitchFamily="18" charset="0"/>
                         <a:ea typeface="Times New Roman" panose="02020603050405020304" pitchFamily="18" charset="0"/>
                         <a:cs typeface="Times New Roman" panose="02020603050405020304" pitchFamily="18" charset="0"/>
@@ -8718,13 +9618,18 @@
                         <a:buNone/>
                       </a:pPr>
                       <a:r>
-                        <a:rPr lang="en-US" sz="1000" b="0">
-                          <a:latin typeface="Times New Roman" panose="02020603050405020304" pitchFamily="18" charset="0"/>
-                          <a:cs typeface="Times New Roman" panose="02020603050405020304" pitchFamily="18" charset="0"/>
+                        <a:rPr lang="zh-CN" altLang="zh-CN" sz="1800" kern="1200" dirty="0" smtClean="0">
+                          <a:solidFill>
+                            <a:schemeClr val="tx1"/>
+                          </a:solidFill>
+                          <a:effectLst/>
+                          <a:latin typeface="+mn-lt"/>
+                          <a:ea typeface="+mn-ea"/>
+                          <a:cs typeface="+mn-cs"/>
                         </a:rPr>
-                        <a:t> </a:t>
+                        <a:t>完成论文和项目</a:t>
                       </a:r>
-                      <a:endParaRPr lang="en-US" altLang="en-US" sz="1000" b="0">
+                      <a:endParaRPr lang="en-US" altLang="en-US" sz="1000" b="0" dirty="0">
                         <a:latin typeface="Times New Roman" panose="02020603050405020304" pitchFamily="18" charset="0"/>
                         <a:ea typeface="Times New Roman" panose="02020603050405020304" pitchFamily="18" charset="0"/>
                         <a:cs typeface="Times New Roman" panose="02020603050405020304" pitchFamily="18" charset="0"/>
@@ -8848,13 +9753,61 @@
                         <a:buNone/>
                       </a:pPr>
                       <a:r>
-                        <a:rPr lang="en-US" sz="1000" b="0">
+                        <a:rPr lang="en-US" sz="1000" b="0" dirty="0">
                           <a:latin typeface="Times New Roman" panose="02020603050405020304" pitchFamily="18" charset="0"/>
                           <a:cs typeface="Times New Roman" panose="02020603050405020304" pitchFamily="18" charset="0"/>
                         </a:rPr>
                         <a:t> </a:t>
                       </a:r>
-                      <a:endParaRPr lang="en-US" altLang="en-US" sz="1000" b="0">
+                      <a:r>
+                        <a:rPr lang="en-US" altLang="zh-CN" sz="1800" kern="1200" dirty="0" smtClean="0">
+                          <a:solidFill>
+                            <a:schemeClr val="tx1"/>
+                          </a:solidFill>
+                          <a:effectLst/>
+                          <a:latin typeface="+mn-lt"/>
+                          <a:ea typeface="+mn-ea"/>
+                          <a:cs typeface="+mn-cs"/>
+                        </a:rPr>
+                        <a:t>2019</a:t>
+                      </a:r>
+                      <a:r>
+                        <a:rPr lang="zh-CN" altLang="zh-CN" sz="1800" kern="1200" dirty="0" smtClean="0">
+                          <a:solidFill>
+                            <a:schemeClr val="tx1"/>
+                          </a:solidFill>
+                          <a:effectLst/>
+                          <a:latin typeface="+mn-lt"/>
+                          <a:ea typeface="+mn-ea"/>
+                          <a:cs typeface="+mn-cs"/>
+                        </a:rPr>
+                        <a:t>年</a:t>
+                      </a:r>
+                      <a:r>
+                        <a:rPr lang="en-US" altLang="zh-CN" sz="1800" kern="1200" dirty="0" smtClean="0">
+                          <a:solidFill>
+                            <a:schemeClr val="tx1"/>
+                          </a:solidFill>
+                          <a:effectLst/>
+                          <a:latin typeface="+mn-lt"/>
+                          <a:ea typeface="+mn-ea"/>
+                          <a:cs typeface="+mn-cs"/>
+                        </a:rPr>
+                        <a:t>4</a:t>
+                      </a:r>
+                      <a:r>
+                        <a:rPr lang="zh-CN" altLang="zh-CN" sz="1800" kern="1200" dirty="0" smtClean="0">
+                          <a:solidFill>
+                            <a:schemeClr val="tx1"/>
+                          </a:solidFill>
+                          <a:effectLst/>
+                          <a:latin typeface="+mn-lt"/>
+                          <a:ea typeface="+mn-ea"/>
+                          <a:cs typeface="+mn-cs"/>
+                        </a:rPr>
+                        <a:t>月中旬</a:t>
+                      </a:r>
+                      <a:endParaRPr lang="en-US" altLang="en-US" sz="1000" b="0" dirty="0">
                         <a:latin typeface="Times New Roman" panose="02020603050405020304" pitchFamily="18" charset="0"/>
                         <a:ea typeface="Times New Roman" panose="02020603050405020304" pitchFamily="18" charset="0"/>
                         <a:cs typeface="Times New Roman" panose="02020603050405020304" pitchFamily="18" charset="0"/>
@@ -8912,13 +9865,18 @@
                         <a:buNone/>
                       </a:pPr>
                       <a:r>
-                        <a:rPr lang="en-US" sz="1000" b="0">
-                          <a:latin typeface="Times New Roman" panose="02020603050405020304" pitchFamily="18" charset="0"/>
-                          <a:cs typeface="Times New Roman" panose="02020603050405020304" pitchFamily="18" charset="0"/>
+                        <a:rPr lang="zh-CN" altLang="zh-CN" sz="1800" kern="1200" dirty="0" smtClean="0">
+                          <a:solidFill>
+                            <a:schemeClr val="tx1"/>
+                          </a:solidFill>
+                          <a:effectLst/>
+                          <a:latin typeface="+mn-lt"/>
+                          <a:ea typeface="+mn-ea"/>
+                          <a:cs typeface="+mn-cs"/>
                         </a:rPr>
-                        <a:t> </a:t>
+                        <a:t>毕设答辩</a:t>
                       </a:r>
-                      <a:endParaRPr lang="en-US" altLang="en-US" sz="1000" b="0">
+                      <a:endParaRPr lang="en-US" altLang="en-US" sz="1000" b="0" dirty="0">
                         <a:latin typeface="Times New Roman" panose="02020603050405020304" pitchFamily="18" charset="0"/>
                         <a:ea typeface="Times New Roman" panose="02020603050405020304" pitchFamily="18" charset="0"/>
                         <a:cs typeface="Times New Roman" panose="02020603050405020304" pitchFamily="18" charset="0"/>
@@ -9236,13 +10194,13 @@
                         <a:buNone/>
                       </a:pPr>
                       <a:r>
-                        <a:rPr lang="en-US" sz="1000" b="0">
+                        <a:rPr lang="en-US" sz="1000" b="0" dirty="0">
                           <a:latin typeface="Times New Roman" panose="02020603050405020304" pitchFamily="18" charset="0"/>
                           <a:cs typeface="Times New Roman" panose="02020603050405020304" pitchFamily="18" charset="0"/>
                         </a:rPr>
                         <a:t> </a:t>
                       </a:r>
-                      <a:endParaRPr lang="en-US" altLang="en-US" sz="1000" b="0">
+                      <a:endParaRPr lang="en-US" altLang="en-US" sz="1000" b="0" dirty="0">
                         <a:latin typeface="Times New Roman" panose="02020603050405020304" pitchFamily="18" charset="0"/>
                         <a:ea typeface="Times New Roman" panose="02020603050405020304" pitchFamily="18" charset="0"/>
                         <a:cs typeface="Times New Roman" panose="02020603050405020304" pitchFamily="18" charset="0"/>
@@ -9363,7 +10321,7 @@
                       <a:pPr indent="0">
                         <a:buNone/>
                       </a:pPr>
-                      <a:endParaRPr lang="en-US" altLang="en-US" sz="1000" b="0">
+                      <a:endParaRPr lang="en-US" altLang="en-US" sz="1000" b="0" dirty="0">
                         <a:latin typeface="Times New Roman" panose="02020603050405020304" pitchFamily="18" charset="0"/>
                         <a:ea typeface="Times New Roman" panose="02020603050405020304" pitchFamily="18" charset="0"/>
                         <a:cs typeface="Times New Roman" panose="02020603050405020304" pitchFamily="18" charset="0"/>
@@ -9435,7 +10393,7 @@
 </p:sld>
 </file>
 
-<file path=ppt/slides/slide12.xml><?xml version="1.0" encoding="utf-8"?>
+<file path=ppt/slides/slide14.xml><?xml version="1.0" encoding="utf-8"?>
 <p:sld xmlns:a="http://schemas.openxmlformats.org/drawingml/2006/main" xmlns:r="http://schemas.openxmlformats.org/officeDocument/2006/relationships" xmlns:p="http://schemas.openxmlformats.org/presentationml/2006/main">
   <p:cSld>
     <p:spTree>
@@ -13420,8 +14378,8 @@
         </p:nvSpPr>
         <p:spPr>
           <a:xfrm>
-            <a:off x="602614" y="1169336"/>
-            <a:ext cx="10360025" cy="4524315"/>
+            <a:off x="1049354" y="2214364"/>
+            <a:ext cx="10360025" cy="2677656"/>
           </a:xfrm>
           <a:prstGeom prst="rect">
             <a:avLst/>
@@ -13456,80 +14414,6 @@
               <a:t>消防意识一直是被社会所重视的一个话题，而且好多的公司或者政府都会下发一些消防手册供人们去浏览学习，但是现在是一个信息化的时代，很多年龄大的人都开始学着去上网，在网上搜索浏览自己需要的知识，更不用说年轻人，电子浏览的时间基本都超过了纸质浏览的时间。所以针对这一现象，我设计并制作了一个消防网站，向社会大众提供一个可以清晰浏览消防知识的平台。 </a:t>
             </a:r>
             <a:endParaRPr lang="en-US" altLang="zh-CN" sz="2400" dirty="0" smtClean="0"/>
-          </a:p>
-          <a:p>
-            <a:r>
-              <a:rPr lang="zh-CN" altLang="en-US" sz="2400" b="1" dirty="0"/>
-              <a:t>主要</a:t>
-            </a:r>
-            <a:r>
-              <a:rPr lang="zh-CN" altLang="en-US" sz="2400" b="1" dirty="0" smtClean="0"/>
-              <a:t>内容：</a:t>
-            </a:r>
-            <a:endParaRPr lang="en-US" altLang="zh-CN" sz="2400" b="1" dirty="0" smtClean="0"/>
-          </a:p>
-          <a:p>
-            <a:r>
-              <a:rPr lang="en-US" altLang="zh-CN" sz="2400" dirty="0" smtClean="0"/>
-              <a:t>	</a:t>
-            </a:r>
-            <a:r>
-              <a:rPr lang="zh-CN" altLang="zh-CN" sz="2400" dirty="0" smtClean="0"/>
-              <a:t>网站</a:t>
-            </a:r>
-            <a:r>
-              <a:rPr lang="zh-CN" altLang="zh-CN" sz="2400" dirty="0"/>
-              <a:t>采用</a:t>
-            </a:r>
-            <a:r>
-              <a:rPr lang="en-US" altLang="zh-CN" sz="2400" dirty="0"/>
-              <a:t>Java EE </a:t>
-            </a:r>
-            <a:r>
-              <a:rPr lang="zh-CN" altLang="zh-CN" sz="2400" dirty="0"/>
-              <a:t>技术，以</a:t>
-            </a:r>
-            <a:r>
-              <a:rPr lang="en-US" altLang="zh-CN" sz="2400" dirty="0"/>
-              <a:t>MySQL</a:t>
-            </a:r>
-            <a:r>
-              <a:rPr lang="zh-CN" altLang="zh-CN" sz="2400" dirty="0"/>
-              <a:t>数据库为后台数据库，通过</a:t>
-            </a:r>
-            <a:r>
-              <a:rPr lang="en-US" altLang="zh-CN" sz="2400" dirty="0"/>
-              <a:t>servlet</a:t>
-            </a:r>
-            <a:r>
-              <a:rPr lang="zh-CN" altLang="zh-CN" sz="2400" dirty="0"/>
-              <a:t>、</a:t>
-            </a:r>
-            <a:r>
-              <a:rPr lang="en-US" altLang="zh-CN" sz="2400" dirty="0" err="1"/>
-              <a:t>jsp</a:t>
-            </a:r>
-            <a:r>
-              <a:rPr lang="zh-CN" altLang="zh-CN" sz="2400" dirty="0"/>
-              <a:t>、</a:t>
-            </a:r>
-            <a:r>
-              <a:rPr lang="en-US" altLang="zh-CN" sz="2400" dirty="0" err="1"/>
-              <a:t>css</a:t>
-            </a:r>
-            <a:r>
-              <a:rPr lang="zh-CN" altLang="zh-CN" sz="2400" dirty="0"/>
-              <a:t>等相关技术，以实现大众方便、快捷的浏览到需要的消防知识为基础目标，制作出消防网站。人们无需登陆便可以浏览本网站所有的消防知识，也可以注册</a:t>
-            </a:r>
-            <a:r>
-              <a:rPr lang="zh-CN" altLang="zh-CN" sz="2400" dirty="0" smtClean="0"/>
-              <a:t>账号</a:t>
-            </a:r>
-            <a:r>
-              <a:rPr lang="zh-CN" altLang="zh-CN" sz="2400" dirty="0"/>
-              <a:t>，进行一些相应的操作。</a:t>
-            </a:r>
-            <a:endParaRPr lang="zh-CN" altLang="zh-CN" sz="2400" b="1" dirty="0"/>
           </a:p>
         </p:txBody>
       </p:sp>
@@ -13762,423 +14646,6 @@
       </p:grpSpPr>
       <p:sp>
         <p:nvSpPr>
-          <p:cNvPr id="2" name="标题 1"/>
-          <p:cNvSpPr>
-            <a:spLocks noGrp="1"/>
-          </p:cNvSpPr>
-          <p:nvPr>
-            <p:ph type="title"/>
-          </p:nvPr>
-        </p:nvSpPr>
-        <p:spPr/>
-        <p:txBody>
-          <a:bodyPr/>
-          <a:lstStyle/>
-          <a:p>
-            <a:r>
-              <a:rPr lang="zh-CN" altLang="en-US" dirty="0" smtClean="0"/>
-              <a:t>选题意义</a:t>
-            </a:r>
-            <a:endParaRPr lang="zh-CN" altLang="en-US" dirty="0"/>
-          </a:p>
-        </p:txBody>
-      </p:sp>
-      <p:sp>
-        <p:nvSpPr>
-          <p:cNvPr id="4" name="灯片编号占位符 3"/>
-          <p:cNvSpPr>
-            <a:spLocks noGrp="1"/>
-          </p:cNvSpPr>
-          <p:nvPr>
-            <p:ph type="sldNum" sz="quarter" idx="12"/>
-          </p:nvPr>
-        </p:nvSpPr>
-        <p:spPr/>
-        <p:txBody>
-          <a:bodyPr/>
-          <a:lstStyle/>
-          <a:p>
-            <a:fld id="{23DA680B-B80A-2545-AB30-B9870FE9052E}" type="slidenum">
-              <a:rPr kumimoji="1" lang="zh-CN" altLang="en-US" smtClean="0"/>
-              <a:t>5</a:t>
-            </a:fld>
-            <a:endParaRPr kumimoji="1" lang="zh-CN" altLang="en-US"/>
-          </a:p>
-        </p:txBody>
-      </p:sp>
-      <p:sp>
-        <p:nvSpPr>
-          <p:cNvPr id="6" name="TextBox 5"/>
-          <p:cNvSpPr txBox="1"/>
-          <p:nvPr/>
-        </p:nvSpPr>
-        <p:spPr>
-          <a:xfrm>
-            <a:off x="310243" y="1191986"/>
-            <a:ext cx="11043557" cy="4524315"/>
-          </a:xfrm>
-          <a:prstGeom prst="rect">
-            <a:avLst/>
-          </a:prstGeom>
-          <a:noFill/>
-        </p:spPr>
-        <p:txBody>
-          <a:bodyPr wrap="square" rtlCol="0">
-            <a:spAutoFit/>
-          </a:bodyPr>
-          <a:lstStyle/>
-          <a:p>
-            <a:r>
-              <a:rPr lang="zh-CN" altLang="zh-CN" sz="2400" b="1" dirty="0">
-                <a:latin typeface="+mn-ea"/>
-              </a:rPr>
-              <a:t>设计方案及思路：</a:t>
-            </a:r>
-          </a:p>
-          <a:p>
-            <a:r>
-              <a:rPr lang="en-US" altLang="zh-CN" sz="2400" dirty="0" smtClean="0">
-                <a:latin typeface="+mn-ea"/>
-              </a:rPr>
-              <a:t>	1</a:t>
-            </a:r>
-            <a:r>
-              <a:rPr lang="en-US" altLang="zh-CN" sz="2400" dirty="0">
-                <a:latin typeface="+mn-ea"/>
-              </a:rPr>
-              <a:t>. </a:t>
-            </a:r>
-            <a:r>
-              <a:rPr lang="zh-CN" altLang="zh-CN" sz="2400" dirty="0">
-                <a:latin typeface="+mn-ea"/>
-              </a:rPr>
-              <a:t>通过分析社会需求，从现实、安全、法律、可行性等方面精选正确消防知识</a:t>
-            </a:r>
-          </a:p>
-          <a:p>
-            <a:r>
-              <a:rPr lang="en-US" altLang="zh-CN" sz="2400" dirty="0" smtClean="0">
-                <a:latin typeface="+mn-ea"/>
-              </a:rPr>
-              <a:t>	2</a:t>
-            </a:r>
-            <a:r>
-              <a:rPr lang="en-US" altLang="zh-CN" sz="2400" dirty="0">
-                <a:latin typeface="+mn-ea"/>
-              </a:rPr>
-              <a:t>. </a:t>
-            </a:r>
-            <a:r>
-              <a:rPr lang="zh-CN" altLang="zh-CN" sz="2400" dirty="0">
-                <a:latin typeface="+mn-ea"/>
-              </a:rPr>
-              <a:t>根据功能需求进行系统的总体框架设计</a:t>
-            </a:r>
-          </a:p>
-          <a:p>
-            <a:r>
-              <a:rPr lang="en-US" altLang="zh-CN" sz="2400" dirty="0">
-                <a:latin typeface="+mn-ea"/>
-              </a:rPr>
-              <a:t>   </a:t>
-            </a:r>
-            <a:r>
-              <a:rPr lang="en-US" altLang="zh-CN" sz="2400" dirty="0" smtClean="0">
-                <a:latin typeface="+mn-ea"/>
-              </a:rPr>
-              <a:t>      </a:t>
-            </a:r>
-            <a:r>
-              <a:rPr lang="zh-CN" altLang="zh-CN" sz="2400" dirty="0" smtClean="0">
-                <a:latin typeface="+mn-ea"/>
-              </a:rPr>
-              <a:t>主要</a:t>
-            </a:r>
-            <a:r>
-              <a:rPr lang="zh-CN" altLang="zh-CN" sz="2400" dirty="0">
-                <a:latin typeface="+mn-ea"/>
-              </a:rPr>
-              <a:t>包含以下模块：</a:t>
-            </a:r>
-          </a:p>
-          <a:p>
-            <a:r>
-              <a:rPr lang="en-US" altLang="zh-CN" sz="2400" dirty="0">
-                <a:latin typeface="+mn-ea"/>
-              </a:rPr>
-              <a:t>   </a:t>
-            </a:r>
-            <a:r>
-              <a:rPr lang="en-US" altLang="zh-CN" sz="2400" dirty="0" smtClean="0">
-                <a:latin typeface="+mn-ea"/>
-              </a:rPr>
-              <a:t>		</a:t>
-            </a:r>
-            <a:r>
-              <a:rPr lang="zh-CN" altLang="zh-CN" sz="2400" dirty="0" smtClean="0">
-                <a:latin typeface="+mn-ea"/>
-              </a:rPr>
-              <a:t>（</a:t>
-            </a:r>
-            <a:r>
-              <a:rPr lang="en-US" altLang="zh-CN" sz="2400" dirty="0" smtClean="0">
-                <a:latin typeface="+mn-ea"/>
-              </a:rPr>
-              <a:t>1</a:t>
-            </a:r>
-            <a:r>
-              <a:rPr lang="zh-CN" altLang="zh-CN" sz="2400" dirty="0">
-                <a:latin typeface="+mn-ea"/>
-              </a:rPr>
-              <a:t>）管理员模块：用于管理网站的消防知识，进行增删改查。也可以</a:t>
-            </a:r>
-            <a:r>
-              <a:rPr lang="zh-CN" altLang="zh-CN" sz="2400" dirty="0" smtClean="0">
-                <a:latin typeface="+mn-ea"/>
-              </a:rPr>
-              <a:t>删除、</a:t>
-            </a:r>
-            <a:r>
-              <a:rPr lang="en-US" altLang="zh-CN" sz="2400" dirty="0" smtClean="0">
-                <a:latin typeface="+mn-ea"/>
-              </a:rPr>
-              <a:t>	           </a:t>
-            </a:r>
-            <a:r>
-              <a:rPr lang="zh-CN" altLang="zh-CN" sz="2400" dirty="0" smtClean="0">
-                <a:latin typeface="+mn-ea"/>
-              </a:rPr>
-              <a:t>查看</a:t>
-            </a:r>
-            <a:r>
-              <a:rPr lang="zh-CN" altLang="zh-CN" sz="2400" dirty="0">
-                <a:latin typeface="+mn-ea"/>
-              </a:rPr>
-              <a:t>用户信息。管理用户留言。</a:t>
-            </a:r>
-          </a:p>
-          <a:p>
-            <a:r>
-              <a:rPr lang="en-US" altLang="zh-CN" sz="2400" dirty="0">
-                <a:latin typeface="+mn-ea"/>
-              </a:rPr>
-              <a:t>   </a:t>
-            </a:r>
-            <a:r>
-              <a:rPr lang="en-US" altLang="zh-CN" sz="2400" dirty="0" smtClean="0">
-                <a:latin typeface="+mn-ea"/>
-              </a:rPr>
-              <a:t>    </a:t>
-            </a:r>
-            <a:r>
-              <a:rPr lang="zh-CN" altLang="zh-CN" sz="2400" dirty="0" smtClean="0">
-                <a:latin typeface="+mn-ea"/>
-              </a:rPr>
-              <a:t>（</a:t>
-            </a:r>
-            <a:r>
-              <a:rPr lang="en-US" altLang="zh-CN" sz="2400" dirty="0">
-                <a:latin typeface="+mn-ea"/>
-              </a:rPr>
-              <a:t>2</a:t>
-            </a:r>
-            <a:r>
-              <a:rPr lang="zh-CN" altLang="zh-CN" sz="2400" dirty="0">
-                <a:latin typeface="+mn-ea"/>
-              </a:rPr>
-              <a:t>）用户模块：浏览网站的人们可以选择在本网站注册用户，可以上传</a:t>
-            </a:r>
-            <a:r>
-              <a:rPr lang="zh-CN" altLang="zh-CN" sz="2400" dirty="0" smtClean="0">
-                <a:latin typeface="+mn-ea"/>
-              </a:rPr>
-              <a:t>一</a:t>
-            </a:r>
-            <a:r>
-              <a:rPr lang="en-US" altLang="zh-CN" sz="2400" dirty="0" smtClean="0">
-                <a:latin typeface="+mn-ea"/>
-              </a:rPr>
-              <a:t>	           </a:t>
-            </a:r>
-            <a:r>
-              <a:rPr lang="zh-CN" altLang="zh-CN" sz="2400" dirty="0" smtClean="0">
-                <a:latin typeface="+mn-ea"/>
-              </a:rPr>
-              <a:t>些</a:t>
-            </a:r>
-            <a:r>
-              <a:rPr lang="zh-CN" altLang="zh-CN" sz="2400" dirty="0">
-                <a:latin typeface="+mn-ea"/>
-              </a:rPr>
-              <a:t>消防知识或自己的消防经验，经管理员审查通过之后就可以在</a:t>
-            </a:r>
-            <a:r>
-              <a:rPr lang="zh-CN" altLang="zh-CN" sz="2400" dirty="0" smtClean="0">
-                <a:latin typeface="+mn-ea"/>
-              </a:rPr>
-              <a:t>网站</a:t>
-            </a:r>
-            <a:r>
-              <a:rPr lang="en-US" altLang="zh-CN" sz="2400" dirty="0" smtClean="0">
-                <a:latin typeface="+mn-ea"/>
-              </a:rPr>
-              <a:t> 	           </a:t>
-            </a:r>
-            <a:r>
-              <a:rPr lang="zh-CN" altLang="zh-CN" sz="2400" dirty="0" smtClean="0">
-                <a:latin typeface="+mn-ea"/>
-              </a:rPr>
-              <a:t>显示</a:t>
-            </a:r>
-            <a:r>
-              <a:rPr lang="zh-CN" altLang="zh-CN" sz="2400" dirty="0">
-                <a:latin typeface="+mn-ea"/>
-              </a:rPr>
-              <a:t>，供大众浏览。也可以留言，提出自己对网站的意见或建议。</a:t>
-            </a:r>
-          </a:p>
-          <a:p>
-            <a:r>
-              <a:rPr lang="en-US" altLang="zh-CN" sz="2400" dirty="0">
-                <a:latin typeface="+mn-ea"/>
-              </a:rPr>
-              <a:t>  </a:t>
-            </a:r>
-            <a:r>
-              <a:rPr lang="en-US" altLang="zh-CN" sz="2400" dirty="0" smtClean="0">
-                <a:latin typeface="+mn-ea"/>
-              </a:rPr>
-              <a:t>     </a:t>
-            </a:r>
-            <a:r>
-              <a:rPr lang="zh-CN" altLang="zh-CN" sz="2400" dirty="0">
-                <a:latin typeface="+mn-ea"/>
-              </a:rPr>
-              <a:t>（</a:t>
-            </a:r>
-            <a:r>
-              <a:rPr lang="en-US" altLang="zh-CN" sz="2400" dirty="0">
-                <a:latin typeface="+mn-ea"/>
-              </a:rPr>
-              <a:t>3</a:t>
-            </a:r>
-            <a:r>
-              <a:rPr lang="zh-CN" altLang="zh-CN" sz="2400" dirty="0">
-                <a:latin typeface="+mn-ea"/>
-              </a:rPr>
-              <a:t>）通过</a:t>
-            </a:r>
-            <a:r>
-              <a:rPr lang="en-US" altLang="zh-CN" sz="2400" dirty="0" err="1">
-                <a:latin typeface="+mn-ea"/>
-              </a:rPr>
-              <a:t>jsp</a:t>
-            </a:r>
-            <a:r>
-              <a:rPr lang="en-US" altLang="zh-CN" sz="2400" dirty="0">
-                <a:latin typeface="+mn-ea"/>
-              </a:rPr>
-              <a:t> </a:t>
-            </a:r>
-            <a:r>
-              <a:rPr lang="zh-CN" altLang="zh-CN" sz="2400" dirty="0">
-                <a:latin typeface="+mn-ea"/>
-              </a:rPr>
-              <a:t>、</a:t>
-            </a:r>
-            <a:r>
-              <a:rPr lang="en-US" altLang="zh-CN" sz="2400" dirty="0" err="1">
-                <a:latin typeface="+mn-ea"/>
-              </a:rPr>
-              <a:t>css</a:t>
-            </a:r>
-            <a:r>
-              <a:rPr lang="zh-CN" altLang="zh-CN" sz="2400" dirty="0">
-                <a:latin typeface="+mn-ea"/>
-              </a:rPr>
-              <a:t>设计系统界面</a:t>
-            </a:r>
-          </a:p>
-          <a:p>
-            <a:r>
-              <a:rPr lang="en-US" altLang="zh-CN" sz="2400" dirty="0" smtClean="0">
-                <a:latin typeface="+mn-ea"/>
-              </a:rPr>
-              <a:t>	3</a:t>
-            </a:r>
-            <a:r>
-              <a:rPr lang="en-US" altLang="zh-CN" sz="2400" dirty="0">
-                <a:latin typeface="+mn-ea"/>
-              </a:rPr>
-              <a:t>.	</a:t>
-            </a:r>
-            <a:r>
-              <a:rPr lang="zh-CN" altLang="zh-CN" sz="2400" dirty="0">
-                <a:latin typeface="+mn-ea"/>
-              </a:rPr>
-              <a:t>对项目进行测试，找出一些不足之处。</a:t>
-            </a:r>
-          </a:p>
-          <a:p>
-            <a:r>
-              <a:rPr lang="en-US" altLang="zh-CN" sz="2400" dirty="0" smtClean="0">
-                <a:latin typeface="+mn-ea"/>
-              </a:rPr>
-              <a:t>	4</a:t>
-            </a:r>
-            <a:r>
-              <a:rPr lang="en-US" altLang="zh-CN" sz="2400" dirty="0">
-                <a:latin typeface="+mn-ea"/>
-              </a:rPr>
-              <a:t>. </a:t>
-            </a:r>
-            <a:r>
-              <a:rPr lang="zh-CN" altLang="zh-CN" sz="2400" dirty="0">
-                <a:latin typeface="+mn-ea"/>
-              </a:rPr>
-              <a:t>最后进行该项目的整体测试和项目的整体优化。</a:t>
-            </a:r>
-            <a:endParaRPr lang="zh-CN" altLang="en-US" sz="2400" dirty="0">
-              <a:latin typeface="+mn-ea"/>
-            </a:endParaRPr>
-          </a:p>
-        </p:txBody>
-      </p:sp>
-    </p:spTree>
-    <p:extLst>
-      <p:ext uri="{BB962C8B-B14F-4D97-AF65-F5344CB8AC3E}">
-        <p14:creationId xmlns:p14="http://schemas.microsoft.com/office/powerpoint/2010/main" val="156906329"/>
-      </p:ext>
-    </p:extLst>
-  </p:cSld>
-  <p:clrMapOvr>
-    <a:masterClrMapping/>
-  </p:clrMapOvr>
-  <p:transition>
-    <p:wipe/>
-  </p:transition>
-</p:sld>
-</file>
-
-<file path=ppt/slides/slide6.xml><?xml version="1.0" encoding="utf-8"?>
-<p:sld xmlns:a="http://schemas.openxmlformats.org/drawingml/2006/main" xmlns:r="http://schemas.openxmlformats.org/officeDocument/2006/relationships" xmlns:p="http://schemas.openxmlformats.org/presentationml/2006/main">
-  <p:cSld>
-    <p:spTree>
-      <p:nvGrpSpPr>
-        <p:cNvPr id="1" name=""/>
-        <p:cNvGrpSpPr/>
-        <p:nvPr/>
-      </p:nvGrpSpPr>
-      <p:grpSpPr>
-        <a:xfrm>
-          <a:off x="0" y="0"/>
-          <a:ext cx="0" cy="0"/>
-          <a:chOff x="0" y="0"/>
-          <a:chExt cx="0" cy="0"/>
-        </a:xfrm>
-      </p:grpSpPr>
-      <p:sp>
-        <p:nvSpPr>
           <p:cNvPr id="3" name="文本框 2"/>
           <p:cNvSpPr txBox="1"/>
           <p:nvPr/>
@@ -14402,7 +14869,7 @@
 </p:sld>
 </file>
 
-<file path=ppt/slides/slide7.xml><?xml version="1.0" encoding="utf-8"?>
+<file path=ppt/slides/slide6.xml><?xml version="1.0" encoding="utf-8"?>
 <p:sld xmlns:a="http://schemas.openxmlformats.org/drawingml/2006/main" xmlns:r="http://schemas.openxmlformats.org/officeDocument/2006/relationships" xmlns:p="http://schemas.openxmlformats.org/presentationml/2006/main">
   <p:cSld>
     <p:spTree>
@@ -14474,7 +14941,7 @@
         <p:spPr>
           <a:xfrm>
             <a:off x="1268955" y="1680813"/>
-            <a:ext cx="8565596" cy="2585323"/>
+            <a:ext cx="8565596" cy="3785652"/>
           </a:xfrm>
           <a:prstGeom prst="rect">
             <a:avLst/>
@@ -14489,225 +14956,342 @@
           <a:lstStyle/>
           <a:p>
             <a:r>
-              <a:rPr lang="zh-CN" altLang="zh-CN" dirty="0"/>
+              <a:rPr lang="zh-CN" altLang="zh-CN" sz="2400" b="1" dirty="0">
+                <a:latin typeface="+mn-ea"/>
+              </a:rPr>
               <a:t>参考</a:t>
             </a:r>
             <a:r>
-              <a:rPr lang="zh-CN" altLang="zh-CN" dirty="0" smtClean="0"/>
+              <a:rPr lang="zh-CN" altLang="zh-CN" sz="2400" b="1" dirty="0" smtClean="0">
+                <a:latin typeface="+mn-ea"/>
+              </a:rPr>
               <a:t>文献</a:t>
             </a:r>
-            <a:endParaRPr lang="en-US" altLang="zh-CN" dirty="0" smtClean="0"/>
-          </a:p>
-          <a:p>
-            <a:endParaRPr lang="zh-CN" altLang="zh-CN" dirty="0"/>
-          </a:p>
-          <a:p>
-            <a:r>
-              <a:rPr lang="en-US" altLang="zh-CN" dirty="0"/>
+            <a:r>
+              <a:rPr lang="zh-CN" altLang="en-US" sz="2400" b="1" dirty="0" smtClean="0">
+                <a:latin typeface="+mn-ea"/>
+              </a:rPr>
+              <a:t>：</a:t>
+            </a:r>
+            <a:endParaRPr lang="en-US" altLang="zh-CN" sz="2400" b="1" dirty="0" smtClean="0">
+              <a:latin typeface="+mn-ea"/>
+            </a:endParaRPr>
+          </a:p>
+          <a:p>
+            <a:endParaRPr lang="zh-CN" altLang="zh-CN" sz="2400" b="1" dirty="0">
+              <a:latin typeface="+mn-ea"/>
+            </a:endParaRPr>
+          </a:p>
+          <a:p>
+            <a:r>
+              <a:rPr lang="en-US" altLang="zh-CN" sz="2400" dirty="0">
+                <a:latin typeface="+mn-ea"/>
+              </a:rPr>
               <a:t>[1] </a:t>
             </a:r>
             <a:r>
-              <a:rPr lang="zh-CN" altLang="zh-CN" dirty="0"/>
+              <a:rPr lang="zh-CN" altLang="zh-CN" sz="2400" dirty="0">
+                <a:latin typeface="+mn-ea"/>
+              </a:rPr>
               <a:t>李运莉</a:t>
             </a:r>
             <a:r>
-              <a:rPr lang="en-US" altLang="zh-CN" dirty="0"/>
+              <a:rPr lang="en-US" altLang="zh-CN" sz="2400" dirty="0">
+                <a:latin typeface="+mn-ea"/>
+              </a:rPr>
               <a:t>. web</a:t>
             </a:r>
             <a:r>
-              <a:rPr lang="zh-CN" altLang="zh-CN" dirty="0"/>
+              <a:rPr lang="zh-CN" altLang="zh-CN" sz="2400" dirty="0">
+                <a:latin typeface="+mn-ea"/>
+              </a:rPr>
               <a:t>数据库应用系统性能优化</a:t>
             </a:r>
             <a:r>
-              <a:rPr lang="en-US" altLang="zh-CN" dirty="0"/>
+              <a:rPr lang="en-US" altLang="zh-CN" sz="2400" dirty="0">
+                <a:latin typeface="+mn-ea"/>
+              </a:rPr>
               <a:t>[M]</a:t>
             </a:r>
             <a:r>
-              <a:rPr lang="zh-CN" altLang="zh-CN" dirty="0"/>
+              <a:rPr lang="zh-CN" altLang="zh-CN" sz="2400" dirty="0">
+                <a:latin typeface="+mn-ea"/>
+              </a:rPr>
               <a:t>．北京：人民邮电出版社，</a:t>
             </a:r>
             <a:r>
-              <a:rPr lang="en-US" altLang="zh-CN" dirty="0"/>
+              <a:rPr lang="en-US" altLang="zh-CN" sz="2400" dirty="0">
+                <a:latin typeface="+mn-ea"/>
+              </a:rPr>
               <a:t>2011.</a:t>
             </a:r>
-            <a:endParaRPr lang="zh-CN" altLang="zh-CN" dirty="0"/>
-          </a:p>
-          <a:p>
-            <a:r>
-              <a:rPr lang="en-US" altLang="zh-CN" dirty="0"/>
+            <a:endParaRPr lang="zh-CN" altLang="zh-CN" sz="2400" dirty="0">
+              <a:latin typeface="+mn-ea"/>
+            </a:endParaRPr>
+          </a:p>
+          <a:p>
+            <a:r>
+              <a:rPr lang="en-US" altLang="zh-CN" sz="2400" dirty="0">
+                <a:latin typeface="+mn-ea"/>
+              </a:rPr>
               <a:t>[2] </a:t>
             </a:r>
             <a:r>
-              <a:rPr lang="zh-CN" altLang="zh-CN" dirty="0"/>
+              <a:rPr lang="zh-CN" altLang="zh-CN" sz="2400" dirty="0">
+                <a:latin typeface="+mn-ea"/>
+              </a:rPr>
               <a:t>张剑飞</a:t>
             </a:r>
             <a:r>
-              <a:rPr lang="en-US" altLang="zh-CN" dirty="0"/>
+              <a:rPr lang="en-US" altLang="zh-CN" sz="2400" dirty="0">
+                <a:latin typeface="+mn-ea"/>
+              </a:rPr>
               <a:t>.Java EE</a:t>
             </a:r>
             <a:r>
-              <a:rPr lang="zh-CN" altLang="zh-CN" dirty="0"/>
+              <a:rPr lang="zh-CN" altLang="zh-CN" sz="2400" dirty="0">
+                <a:latin typeface="+mn-ea"/>
+              </a:rPr>
               <a:t>开发技术</a:t>
             </a:r>
             <a:r>
-              <a:rPr lang="en-US" altLang="zh-CN" dirty="0"/>
+              <a:rPr lang="en-US" altLang="zh-CN" sz="2400" dirty="0">
+                <a:latin typeface="+mn-ea"/>
+              </a:rPr>
               <a:t>. </a:t>
             </a:r>
             <a:r>
-              <a:rPr lang="zh-CN" altLang="zh-CN" dirty="0"/>
+              <a:rPr lang="zh-CN" altLang="zh-CN" sz="2400" dirty="0">
+                <a:latin typeface="+mn-ea"/>
+              </a:rPr>
               <a:t>哈尔滨工业大学出版社</a:t>
             </a:r>
             <a:r>
-              <a:rPr lang="en-US" altLang="zh-CN" dirty="0"/>
+              <a:rPr lang="en-US" altLang="zh-CN" sz="2400" dirty="0">
+                <a:latin typeface="+mn-ea"/>
+              </a:rPr>
               <a:t>.2013</a:t>
             </a:r>
-            <a:endParaRPr lang="zh-CN" altLang="zh-CN" dirty="0"/>
-          </a:p>
-          <a:p>
-            <a:r>
-              <a:rPr lang="en-US" altLang="zh-CN" dirty="0"/>
+            <a:endParaRPr lang="zh-CN" altLang="zh-CN" sz="2400" dirty="0">
+              <a:latin typeface="+mn-ea"/>
+            </a:endParaRPr>
+          </a:p>
+          <a:p>
+            <a:r>
+              <a:rPr lang="en-US" altLang="zh-CN" sz="2400" dirty="0">
+                <a:latin typeface="+mn-ea"/>
+              </a:rPr>
               <a:t>[3] </a:t>
             </a:r>
             <a:r>
-              <a:rPr lang="zh-CN" altLang="zh-CN" dirty="0"/>
+              <a:rPr lang="zh-CN" altLang="zh-CN" sz="2400" dirty="0">
+                <a:latin typeface="+mn-ea"/>
+              </a:rPr>
               <a:t>王映龙</a:t>
             </a:r>
             <a:r>
-              <a:rPr lang="en-US" altLang="zh-CN" dirty="0"/>
+              <a:rPr lang="en-US" altLang="zh-CN" sz="2400" dirty="0">
+                <a:latin typeface="+mn-ea"/>
+              </a:rPr>
               <a:t>.Java EE</a:t>
             </a:r>
             <a:r>
-              <a:rPr lang="zh-CN" altLang="zh-CN" dirty="0"/>
+              <a:rPr lang="zh-CN" altLang="zh-CN" sz="2400" dirty="0">
+                <a:latin typeface="+mn-ea"/>
+              </a:rPr>
               <a:t>实用教程</a:t>
             </a:r>
             <a:r>
-              <a:rPr lang="en-US" altLang="zh-CN" dirty="0"/>
+              <a:rPr lang="en-US" altLang="zh-CN" sz="2400" dirty="0">
+                <a:latin typeface="+mn-ea"/>
+              </a:rPr>
               <a:t>. </a:t>
             </a:r>
             <a:r>
-              <a:rPr lang="zh-CN" altLang="zh-CN" dirty="0"/>
+              <a:rPr lang="zh-CN" altLang="zh-CN" sz="2400" dirty="0">
+                <a:latin typeface="+mn-ea"/>
+              </a:rPr>
               <a:t>清华大学出版社</a:t>
             </a:r>
             <a:r>
-              <a:rPr lang="en-US" altLang="zh-CN" dirty="0"/>
+              <a:rPr lang="en-US" altLang="zh-CN" sz="2400" dirty="0">
+                <a:latin typeface="+mn-ea"/>
+              </a:rPr>
               <a:t>.2011</a:t>
             </a:r>
-            <a:endParaRPr lang="zh-CN" altLang="zh-CN" dirty="0"/>
-          </a:p>
-          <a:p>
-            <a:r>
-              <a:rPr lang="en-US" altLang="zh-CN" dirty="0"/>
+            <a:endParaRPr lang="zh-CN" altLang="zh-CN" sz="2400" dirty="0">
+              <a:latin typeface="+mn-ea"/>
+            </a:endParaRPr>
+          </a:p>
+          <a:p>
+            <a:r>
+              <a:rPr lang="en-US" altLang="zh-CN" sz="2400" dirty="0">
+                <a:latin typeface="+mn-ea"/>
+              </a:rPr>
               <a:t>[4] </a:t>
             </a:r>
             <a:r>
-              <a:rPr lang="zh-CN" altLang="zh-CN" dirty="0"/>
+              <a:rPr lang="zh-CN" altLang="zh-CN" sz="2400" dirty="0">
+                <a:latin typeface="+mn-ea"/>
+              </a:rPr>
               <a:t>王爱国</a:t>
             </a:r>
             <a:r>
-              <a:rPr lang="en-US" altLang="zh-CN" dirty="0"/>
+              <a:rPr lang="en-US" altLang="zh-CN" sz="2400" dirty="0">
+                <a:latin typeface="+mn-ea"/>
+              </a:rPr>
               <a:t>.Java</a:t>
             </a:r>
             <a:r>
-              <a:rPr lang="zh-CN" altLang="zh-CN" dirty="0"/>
+              <a:rPr lang="zh-CN" altLang="zh-CN" sz="2400" dirty="0">
+                <a:latin typeface="+mn-ea"/>
+              </a:rPr>
               <a:t>面向对象程序设计</a:t>
             </a:r>
             <a:r>
-              <a:rPr lang="en-US" altLang="zh-CN" dirty="0"/>
+              <a:rPr lang="en-US" altLang="zh-CN" sz="2400" dirty="0">
+                <a:latin typeface="+mn-ea"/>
+              </a:rPr>
               <a:t>. </a:t>
             </a:r>
             <a:r>
-              <a:rPr lang="zh-CN" altLang="zh-CN" dirty="0"/>
+              <a:rPr lang="zh-CN" altLang="zh-CN" sz="2400" dirty="0">
+                <a:latin typeface="+mn-ea"/>
+              </a:rPr>
               <a:t>机械工业出版社</a:t>
             </a:r>
             <a:r>
-              <a:rPr lang="en-US" altLang="zh-CN" dirty="0"/>
+              <a:rPr lang="en-US" altLang="zh-CN" sz="2400" dirty="0">
+                <a:latin typeface="+mn-ea"/>
+              </a:rPr>
               <a:t>.2014</a:t>
             </a:r>
-            <a:endParaRPr lang="zh-CN" altLang="zh-CN" dirty="0"/>
-          </a:p>
-          <a:p>
-            <a:r>
-              <a:rPr lang="en-US" altLang="zh-CN" dirty="0"/>
+            <a:endParaRPr lang="zh-CN" altLang="zh-CN" sz="2400" dirty="0">
+              <a:latin typeface="+mn-ea"/>
+            </a:endParaRPr>
+          </a:p>
+          <a:p>
+            <a:r>
+              <a:rPr lang="en-US" altLang="zh-CN" sz="2400" dirty="0">
+                <a:latin typeface="+mn-ea"/>
+              </a:rPr>
               <a:t>[5]</a:t>
             </a:r>
             <a:r>
-              <a:rPr lang="zh-CN" altLang="zh-CN" dirty="0"/>
+              <a:rPr lang="zh-CN" altLang="zh-CN" sz="2400" dirty="0">
+                <a:latin typeface="+mn-ea"/>
+              </a:rPr>
               <a:t>白亮</a:t>
             </a:r>
             <a:r>
-              <a:rPr lang="en-US" altLang="zh-CN" dirty="0"/>
+              <a:rPr lang="en-US" altLang="zh-CN" sz="2400" dirty="0">
+                <a:latin typeface="+mn-ea"/>
+              </a:rPr>
               <a:t>. Java</a:t>
             </a:r>
             <a:r>
-              <a:rPr lang="zh-CN" altLang="zh-CN" dirty="0"/>
+              <a:rPr lang="zh-CN" altLang="zh-CN" sz="2400" dirty="0">
+                <a:latin typeface="+mn-ea"/>
+              </a:rPr>
               <a:t>简介</a:t>
             </a:r>
             <a:r>
-              <a:rPr lang="en-US" altLang="zh-CN" dirty="0"/>
+              <a:rPr lang="en-US" altLang="zh-CN" sz="2400" dirty="0">
+                <a:latin typeface="+mn-ea"/>
+              </a:rPr>
               <a:t>[J]. </a:t>
             </a:r>
             <a:r>
-              <a:rPr lang="zh-CN" altLang="zh-CN" dirty="0"/>
+              <a:rPr lang="zh-CN" altLang="zh-CN" sz="2400" dirty="0">
+                <a:latin typeface="+mn-ea"/>
+              </a:rPr>
               <a:t>厦门科技</a:t>
             </a:r>
             <a:r>
-              <a:rPr lang="en-US" altLang="zh-CN" dirty="0"/>
+              <a:rPr lang="en-US" altLang="zh-CN" sz="2400" dirty="0">
+                <a:latin typeface="+mn-ea"/>
+              </a:rPr>
               <a:t>, 2005(1):27-29. </a:t>
             </a:r>
-            <a:endParaRPr lang="zh-CN" altLang="zh-CN" dirty="0"/>
-          </a:p>
-          <a:p>
-            <a:r>
-              <a:rPr lang="en-US" altLang="zh-CN" dirty="0"/>
+            <a:endParaRPr lang="zh-CN" altLang="zh-CN" sz="2400" dirty="0">
+              <a:latin typeface="+mn-ea"/>
+            </a:endParaRPr>
+          </a:p>
+          <a:p>
+            <a:r>
+              <a:rPr lang="en-US" altLang="zh-CN" sz="2400" dirty="0">
+                <a:latin typeface="+mn-ea"/>
+              </a:rPr>
               <a:t>[6]</a:t>
             </a:r>
             <a:r>
-              <a:rPr lang="zh-CN" altLang="zh-CN" dirty="0"/>
+              <a:rPr lang="zh-CN" altLang="zh-CN" sz="2400" dirty="0">
+                <a:latin typeface="+mn-ea"/>
+              </a:rPr>
               <a:t>孙卫琴．</a:t>
             </a:r>
             <a:r>
-              <a:rPr lang="en-US" altLang="zh-CN" dirty="0"/>
+              <a:rPr lang="en-US" altLang="zh-CN" sz="2400" dirty="0">
+                <a:latin typeface="+mn-ea"/>
+              </a:rPr>
               <a:t>Tomcat</a:t>
             </a:r>
             <a:r>
-              <a:rPr lang="zh-CN" altLang="zh-CN" dirty="0"/>
+              <a:rPr lang="zh-CN" altLang="zh-CN" sz="2400" dirty="0">
+                <a:latin typeface="+mn-ea"/>
+              </a:rPr>
               <a:t>与</a:t>
             </a:r>
             <a:r>
-              <a:rPr lang="en-US" altLang="zh-CN" dirty="0"/>
+              <a:rPr lang="en-US" altLang="zh-CN" sz="2400" dirty="0">
+                <a:latin typeface="+mn-ea"/>
+              </a:rPr>
               <a:t>Java Web</a:t>
             </a:r>
             <a:r>
-              <a:rPr lang="zh-CN" altLang="zh-CN" dirty="0"/>
+              <a:rPr lang="zh-CN" altLang="zh-CN" sz="2400" dirty="0">
+                <a:latin typeface="+mn-ea"/>
+              </a:rPr>
               <a:t>开发技术详解（第</a:t>
             </a:r>
             <a:r>
-              <a:rPr lang="en-US" altLang="zh-CN" dirty="0"/>
+              <a:rPr lang="en-US" altLang="zh-CN" sz="2400" dirty="0">
+                <a:latin typeface="+mn-ea"/>
+              </a:rPr>
               <a:t>2</a:t>
             </a:r>
             <a:r>
-              <a:rPr lang="zh-CN" altLang="zh-CN" dirty="0"/>
+              <a:rPr lang="zh-CN" altLang="zh-CN" sz="2400" dirty="0">
+                <a:latin typeface="+mn-ea"/>
+              </a:rPr>
               <a:t>版）</a:t>
             </a:r>
             <a:r>
-              <a:rPr lang="en-US" altLang="zh-CN" dirty="0"/>
+              <a:rPr lang="en-US" altLang="zh-CN" sz="2400" dirty="0">
+                <a:latin typeface="+mn-ea"/>
+              </a:rPr>
               <a:t>[M]</a:t>
             </a:r>
             <a:r>
-              <a:rPr lang="zh-CN" altLang="zh-CN" dirty="0"/>
+              <a:rPr lang="zh-CN" altLang="zh-CN" sz="2400" dirty="0">
+                <a:latin typeface="+mn-ea"/>
+              </a:rPr>
               <a:t>．北京：电子工业出版社，</a:t>
             </a:r>
             <a:r>
-              <a:rPr lang="en-US" altLang="zh-CN" dirty="0"/>
+              <a:rPr lang="en-US" altLang="zh-CN" sz="2400" dirty="0">
+                <a:latin typeface="+mn-ea"/>
+              </a:rPr>
               <a:t>2009</a:t>
             </a:r>
             <a:r>
-              <a:rPr lang="zh-CN" altLang="zh-CN" dirty="0"/>
+              <a:rPr lang="zh-CN" altLang="zh-CN" sz="2400" dirty="0">
+                <a:latin typeface="+mn-ea"/>
+              </a:rPr>
               <a:t>．</a:t>
             </a:r>
-            <a:endParaRPr b="1" dirty="0">
-              <a:latin typeface="宋体" panose="02010600030101010101" pitchFamily="2" charset="-122"/>
-              <a:ea typeface="宋体" panose="02010600030101010101" pitchFamily="2" charset="-122"/>
+            <a:endParaRPr sz="2400" b="1" dirty="0">
+              <a:latin typeface="+mn-ea"/>
               <a:cs typeface="宋体" panose="02010600030101010101" pitchFamily="2" charset="-122"/>
             </a:endParaRPr>
           </a:p>
@@ -15014,7 +15598,7 @@
 </p:sld>
 </file>
 
-<file path=ppt/slides/slide8.xml><?xml version="1.0" encoding="utf-8"?>
+<file path=ppt/slides/slide7.xml><?xml version="1.0" encoding="utf-8"?>
 <p:sld xmlns:a="http://schemas.openxmlformats.org/drawingml/2006/main" xmlns:r="http://schemas.openxmlformats.org/officeDocument/2006/relationships" xmlns:p="http://schemas.openxmlformats.org/presentationml/2006/main">
   <p:cSld>
     <p:spTree>
@@ -15256,7 +15840,7 @@
 </p:sld>
 </file>
 
-<file path=ppt/slides/slide9.xml><?xml version="1.0" encoding="utf-8"?>
+<file path=ppt/slides/slide8.xml><?xml version="1.0" encoding="utf-8"?>
 <p:sld xmlns:a="http://schemas.openxmlformats.org/drawingml/2006/main" xmlns:r="http://schemas.openxmlformats.org/officeDocument/2006/relationships" xmlns:p="http://schemas.openxmlformats.org/presentationml/2006/main">
   <p:cSld>
     <p:spTree>
@@ -15308,7 +15892,7 @@
         <p:spPr>
           <a:xfrm>
             <a:off x="1049655" y="836930"/>
-            <a:ext cx="9943465" cy="6247864"/>
+            <a:ext cx="9943465" cy="338554"/>
           </a:xfrm>
           <a:prstGeom prst="rect">
             <a:avLst/>
@@ -15319,225 +15903,6 @@
             <a:spAutoFit/>
           </a:bodyPr>
           <a:lstStyle/>
-          <a:p>
-            <a:r>
-              <a:rPr lang="en-US" altLang="zh-CN" sz="1600" dirty="0">
-                <a:latin typeface="+mn-ea"/>
-              </a:rPr>
-              <a:t>1</a:t>
-            </a:r>
-            <a:r>
-              <a:rPr lang="zh-CN" altLang="zh-CN" sz="1600" dirty="0">
-                <a:latin typeface="+mn-ea"/>
-              </a:rPr>
-              <a:t>、标题</a:t>
-            </a:r>
-          </a:p>
-          <a:p>
-            <a:r>
-              <a:rPr lang="zh-CN" altLang="zh-CN" sz="1600" dirty="0">
-                <a:latin typeface="+mn-ea"/>
-              </a:rPr>
-              <a:t>标题是文章的标签，是论文内容的高度概括，是论文的灵魂和核心，也是编制索引、查阅文献的重要线索。</a:t>
-            </a:r>
-          </a:p>
-          <a:p>
-            <a:r>
-              <a:rPr lang="en-US" altLang="zh-CN" sz="1600" dirty="0">
-                <a:latin typeface="+mn-ea"/>
-              </a:rPr>
-              <a:t>2</a:t>
-            </a:r>
-            <a:r>
-              <a:rPr lang="zh-CN" altLang="zh-CN" sz="1600" dirty="0">
-                <a:latin typeface="+mn-ea"/>
-              </a:rPr>
-              <a:t>、目录：</a:t>
-            </a:r>
-          </a:p>
-          <a:p>
-            <a:r>
-              <a:rPr lang="zh-CN" altLang="zh-CN" sz="1600" dirty="0">
-                <a:latin typeface="+mn-ea"/>
-              </a:rPr>
-              <a:t>反映论文的大纲。该目录应列出纸张的每个组成部分的大小和标题，等级，页码，并且包括带注释的参考文献，附录，图形，索引以及供读者查找的其他辅助页面</a:t>
-            </a:r>
-          </a:p>
-          <a:p>
-            <a:r>
-              <a:rPr lang="en-US" altLang="zh-CN" sz="1600" dirty="0">
-                <a:latin typeface="+mn-ea"/>
-              </a:rPr>
-              <a:t>3</a:t>
-            </a:r>
-            <a:r>
-              <a:rPr lang="zh-CN" altLang="zh-CN" sz="1600" dirty="0">
-                <a:latin typeface="+mn-ea"/>
-              </a:rPr>
-              <a:t>、摘要</a:t>
-            </a:r>
-          </a:p>
-          <a:p>
-            <a:r>
-              <a:rPr lang="zh-CN" altLang="zh-CN" sz="1600" dirty="0">
-                <a:latin typeface="+mn-ea"/>
-              </a:rPr>
-              <a:t>摘要是论文内容不加注释和评论的简短陈述。它要求把文章讨论的主要问题、取得的主要成果作明晰的交代，使无法或无时间阅读完全文的读者读后能获得大致全面、清楚、明了的信息与印象。摘要的语句最好不要与前言或结论部分雷同，以免给人以重复之感。</a:t>
-            </a:r>
-          </a:p>
-          <a:p>
-            <a:r>
-              <a:rPr lang="en-US" altLang="zh-CN" sz="1600" dirty="0">
-                <a:latin typeface="+mn-ea"/>
-              </a:rPr>
-              <a:t>4</a:t>
-            </a:r>
-            <a:r>
-              <a:rPr lang="zh-CN" altLang="zh-CN" sz="1600" dirty="0">
-                <a:latin typeface="+mn-ea"/>
-              </a:rPr>
-              <a:t>、关键词</a:t>
-            </a:r>
-          </a:p>
-          <a:p>
-            <a:r>
-              <a:rPr lang="zh-CN" altLang="zh-CN" sz="1600" dirty="0">
-                <a:latin typeface="+mn-ea"/>
-              </a:rPr>
-              <a:t>关键词是为便于文献索引的制作而从论文中选出的最核心的专业性概念或词语。</a:t>
-            </a:r>
-          </a:p>
-          <a:p>
-            <a:r>
-              <a:rPr lang="en-US" altLang="zh-CN" sz="1600" dirty="0">
-                <a:latin typeface="+mn-ea"/>
-              </a:rPr>
-              <a:t>5</a:t>
-            </a:r>
-            <a:r>
-              <a:rPr lang="zh-CN" altLang="zh-CN" sz="1600" dirty="0">
-                <a:latin typeface="+mn-ea"/>
-              </a:rPr>
-              <a:t>、前言</a:t>
-            </a:r>
-          </a:p>
-          <a:p>
-            <a:r>
-              <a:rPr lang="zh-CN" altLang="zh-CN" sz="1600" dirty="0">
-                <a:latin typeface="+mn-ea"/>
-              </a:rPr>
-              <a:t>前言也叫引言、绪论等，是放在正文前面的短文。</a:t>
-            </a:r>
-          </a:p>
-          <a:p>
-            <a:r>
-              <a:rPr lang="en-US" altLang="zh-CN" sz="1600" dirty="0">
-                <a:latin typeface="+mn-ea"/>
-              </a:rPr>
-              <a:t>6</a:t>
-            </a:r>
-            <a:r>
-              <a:rPr lang="zh-CN" altLang="zh-CN" sz="1600" dirty="0">
-                <a:latin typeface="+mn-ea"/>
-              </a:rPr>
-              <a:t>、正文</a:t>
-            </a:r>
-          </a:p>
-          <a:p>
-            <a:r>
-              <a:rPr lang="zh-CN" altLang="zh-CN" sz="1600" dirty="0">
-                <a:latin typeface="+mn-ea"/>
-              </a:rPr>
-              <a:t>正文是论文的躯体或核心部分，又叫“本论”，是展开论题、表达作者个人研究成果的部分。它要求作者运用有力的证据对所提出的中心论点展开论证。整个论证应层次清楚、段落分明、逻辑线条清晰，应围绕中心论点、层层剥笋地设立分论点。任一层次都包含论点、论据、论证这三要素；小论点说明分论点，分论点说明中心论点。</a:t>
-            </a:r>
-          </a:p>
-          <a:p>
-            <a:r>
-              <a:rPr lang="en-US" altLang="zh-CN" sz="1600" dirty="0">
-                <a:latin typeface="+mn-ea"/>
-              </a:rPr>
-              <a:t>7</a:t>
-            </a:r>
-            <a:r>
-              <a:rPr lang="zh-CN" altLang="zh-CN" sz="1600" dirty="0">
-                <a:latin typeface="+mn-ea"/>
-              </a:rPr>
-              <a:t>、结论</a:t>
-            </a:r>
-          </a:p>
-          <a:p>
-            <a:r>
-              <a:rPr lang="zh-CN" altLang="zh-CN" sz="1600" dirty="0">
-                <a:latin typeface="+mn-ea"/>
-              </a:rPr>
-              <a:t>结论是论文的收尾部分，写论证得到的结果。</a:t>
-            </a:r>
-          </a:p>
-          <a:p>
-            <a:r>
-              <a:rPr lang="en-US" altLang="zh-CN" sz="1600" dirty="0">
-                <a:latin typeface="+mn-ea"/>
-              </a:rPr>
-              <a:t>8</a:t>
-            </a:r>
-            <a:r>
-              <a:rPr lang="zh-CN" altLang="zh-CN" sz="1600" dirty="0">
-                <a:latin typeface="+mn-ea"/>
-              </a:rPr>
-              <a:t>、致谢</a:t>
-            </a:r>
-          </a:p>
-          <a:p>
-            <a:r>
-              <a:rPr lang="zh-CN" altLang="zh-CN" sz="1600" dirty="0">
-                <a:latin typeface="+mn-ea"/>
-              </a:rPr>
-              <a:t>为对直接或间接帮助过自己的人表示感谢，一般在论文结尾处应以简短的文字表示感谢。</a:t>
-            </a:r>
-          </a:p>
-          <a:p>
-            <a:r>
-              <a:rPr lang="en-US" altLang="zh-CN" sz="1600" dirty="0">
-                <a:latin typeface="+mn-ea"/>
-              </a:rPr>
-              <a:t>9</a:t>
-            </a:r>
-            <a:r>
-              <a:rPr lang="zh-CN" altLang="zh-CN" sz="1600" dirty="0">
-                <a:latin typeface="+mn-ea"/>
-              </a:rPr>
-              <a:t>、参考文献</a:t>
-            </a:r>
-            <a:r>
-              <a:rPr lang="en-US" altLang="zh-CN" sz="1600" dirty="0">
-                <a:latin typeface="+mn-ea"/>
-              </a:rPr>
-              <a:t>(</a:t>
-            </a:r>
-            <a:r>
-              <a:rPr lang="zh-CN" altLang="zh-CN" sz="1600" dirty="0">
-                <a:latin typeface="+mn-ea"/>
-              </a:rPr>
-              <a:t>或引文注释</a:t>
-            </a:r>
-            <a:r>
-              <a:rPr lang="en-US" altLang="zh-CN" sz="1600" dirty="0">
-                <a:latin typeface="+mn-ea"/>
-              </a:rPr>
-              <a:t>)</a:t>
-            </a:r>
-            <a:endParaRPr lang="zh-CN" altLang="zh-CN" sz="1600" dirty="0">
-              <a:latin typeface="+mn-ea"/>
-            </a:endParaRPr>
-          </a:p>
-          <a:p>
-            <a:r>
-              <a:rPr lang="zh-CN" altLang="zh-CN" sz="1600" dirty="0">
-                <a:latin typeface="+mn-ea"/>
-              </a:rPr>
-              <a:t>在论文的末尾列出在研究这一课题和撰写论文过程中，参考和引用了哪些文献资料。</a:t>
-            </a:r>
-          </a:p>
           <a:p>
             <a:r>
               <a:rPr altLang="zh-CN" sz="1600" dirty="0">
@@ -15741,6 +16106,309 @@
           </a:p>
         </p:txBody>
       </p:sp>
+      <p:sp>
+        <p:nvSpPr>
+          <p:cNvPr id="3" name="TextBox 2"/>
+          <p:cNvSpPr txBox="1"/>
+          <p:nvPr/>
+        </p:nvSpPr>
+        <p:spPr>
+          <a:xfrm>
+            <a:off x="1294583" y="1006207"/>
+            <a:ext cx="9943465" cy="5543056"/>
+          </a:xfrm>
+          <a:prstGeom prst="rect">
+            <a:avLst/>
+          </a:prstGeom>
+          <a:noFill/>
+        </p:spPr>
+        <p:txBody>
+          <a:bodyPr wrap="square" rtlCol="0">
+            <a:spAutoFit/>
+          </a:bodyPr>
+          <a:lstStyle/>
+          <a:p>
+            <a:r>
+              <a:rPr lang="zh-CN" altLang="zh-CN" sz="2400" b="1" dirty="0">
+                <a:latin typeface="+mn-ea"/>
+              </a:rPr>
+              <a:t>设计方案及思路</a:t>
+            </a:r>
+            <a:r>
+              <a:rPr lang="zh-CN" altLang="zh-CN" sz="2400" b="1" dirty="0" smtClean="0">
+                <a:latin typeface="+mn-ea"/>
+              </a:rPr>
+              <a:t>：</a:t>
+            </a:r>
+            <a:endParaRPr lang="en-US" altLang="zh-CN" sz="2400" b="1" dirty="0" smtClean="0">
+              <a:latin typeface="+mn-ea"/>
+            </a:endParaRPr>
+          </a:p>
+          <a:p>
+            <a:endParaRPr lang="zh-CN" altLang="zh-CN" sz="2400" b="1" dirty="0">
+              <a:latin typeface="+mn-ea"/>
+            </a:endParaRPr>
+          </a:p>
+          <a:p>
+            <a:r>
+              <a:rPr lang="en-US" altLang="zh-CN" sz="2400" dirty="0">
+                <a:latin typeface="+mn-ea"/>
+              </a:rPr>
+              <a:t>	1. </a:t>
+            </a:r>
+            <a:r>
+              <a:rPr lang="zh-CN" altLang="zh-CN" sz="2400" dirty="0">
+                <a:latin typeface="+mn-ea"/>
+              </a:rPr>
+              <a:t>通过分析社会需求，从现实、安全、法律、可行性等方面精选正确消防知识</a:t>
+            </a:r>
+          </a:p>
+          <a:p>
+            <a:r>
+              <a:rPr lang="en-US" altLang="zh-CN" sz="2400" dirty="0">
+                <a:latin typeface="+mn-ea"/>
+              </a:rPr>
+              <a:t>	2. </a:t>
+            </a:r>
+            <a:r>
+              <a:rPr lang="zh-CN" altLang="zh-CN" sz="2400" dirty="0">
+                <a:latin typeface="+mn-ea"/>
+              </a:rPr>
+              <a:t>根据功能需求进行系统的总体框架设计</a:t>
+            </a:r>
+          </a:p>
+          <a:p>
+            <a:r>
+              <a:rPr lang="en-US" altLang="zh-CN" sz="2400" dirty="0">
+                <a:latin typeface="+mn-ea"/>
+              </a:rPr>
+              <a:t>         </a:t>
+            </a:r>
+            <a:r>
+              <a:rPr lang="zh-CN" altLang="zh-CN" sz="2400" dirty="0">
+                <a:latin typeface="+mn-ea"/>
+              </a:rPr>
+              <a:t>主要包含以下模块：</a:t>
+            </a:r>
+          </a:p>
+          <a:p>
+            <a:r>
+              <a:rPr lang="en-US" altLang="zh-CN" sz="2400" dirty="0">
+                <a:latin typeface="+mn-ea"/>
+              </a:rPr>
+              <a:t>   		</a:t>
+            </a:r>
+            <a:r>
+              <a:rPr lang="en-US" altLang="zh-CN" sz="2400" dirty="0" smtClean="0">
+                <a:latin typeface="+mn-ea"/>
+              </a:rPr>
+              <a:t>1</a:t>
+            </a:r>
+            <a:r>
+              <a:rPr lang="zh-CN" altLang="zh-CN" sz="2400" dirty="0">
+                <a:latin typeface="+mn-ea"/>
+              </a:rPr>
+              <a:t>）管理员模块：用于管理网站的消防知识，进行增删改查。也可以</a:t>
+            </a:r>
+            <a:r>
+              <a:rPr lang="zh-CN" altLang="zh-CN" sz="2400" dirty="0" smtClean="0">
+                <a:latin typeface="+mn-ea"/>
+              </a:rPr>
+              <a:t>删除</a:t>
+            </a:r>
+            <a:r>
+              <a:rPr lang="zh-CN" altLang="en-US" sz="2400" dirty="0">
+                <a:latin typeface="+mn-ea"/>
+              </a:rPr>
+              <a:t>、</a:t>
+            </a:r>
+            <a:r>
+              <a:rPr lang="zh-CN" altLang="zh-CN" sz="2400" dirty="0" smtClean="0">
+                <a:latin typeface="+mn-ea"/>
+              </a:rPr>
+              <a:t>查看</a:t>
+            </a:r>
+            <a:r>
+              <a:rPr lang="zh-CN" altLang="zh-CN" sz="2400" dirty="0">
+                <a:latin typeface="+mn-ea"/>
+              </a:rPr>
+              <a:t>用户信息。管理用户留言。</a:t>
+            </a:r>
+          </a:p>
+          <a:p>
+            <a:r>
+              <a:rPr lang="en-US" altLang="zh-CN" sz="2400" dirty="0">
+                <a:latin typeface="+mn-ea"/>
+              </a:rPr>
+              <a:t>       </a:t>
+            </a:r>
+            <a:r>
+              <a:rPr lang="zh-CN" altLang="zh-CN" sz="2400" dirty="0">
+                <a:latin typeface="+mn-ea"/>
+              </a:rPr>
+              <a:t>（</a:t>
+            </a:r>
+            <a:r>
+              <a:rPr lang="en-US" altLang="zh-CN" sz="2400" dirty="0">
+                <a:latin typeface="+mn-ea"/>
+              </a:rPr>
+              <a:t>2</a:t>
+            </a:r>
+            <a:r>
+              <a:rPr lang="zh-CN" altLang="zh-CN" sz="2400" dirty="0">
+                <a:latin typeface="+mn-ea"/>
+              </a:rPr>
+              <a:t>）用户模块：浏览网站的人们可以选择在本网站注册用户，可以上传</a:t>
+            </a:r>
+            <a:r>
+              <a:rPr lang="zh-CN" altLang="zh-CN" sz="2400" dirty="0" smtClean="0">
+                <a:latin typeface="+mn-ea"/>
+              </a:rPr>
+              <a:t>一些</a:t>
+            </a:r>
+            <a:r>
+              <a:rPr lang="zh-CN" altLang="zh-CN" sz="2400" dirty="0">
+                <a:latin typeface="+mn-ea"/>
+              </a:rPr>
+              <a:t>消防知识或自己的消防经验，经管理员审查通过之后就可以在</a:t>
+            </a:r>
+            <a:r>
+              <a:rPr lang="zh-CN" altLang="zh-CN" sz="2400" dirty="0" smtClean="0">
+                <a:latin typeface="+mn-ea"/>
+              </a:rPr>
+              <a:t>网站显示</a:t>
+            </a:r>
+            <a:r>
+              <a:rPr lang="zh-CN" altLang="zh-CN" sz="2400" dirty="0">
+                <a:latin typeface="+mn-ea"/>
+              </a:rPr>
+              <a:t>，供大众浏览。也可以</a:t>
+            </a:r>
+            <a:r>
+              <a:rPr lang="zh-CN" altLang="zh-CN" sz="2400" dirty="0" smtClean="0">
+                <a:latin typeface="+mn-ea"/>
+              </a:rPr>
+              <a:t>留言</a:t>
+            </a:r>
+            <a:r>
+              <a:rPr lang="zh-CN" altLang="en-US" sz="2400" dirty="0" smtClean="0">
+                <a:latin typeface="+mn-ea"/>
+              </a:rPr>
+              <a:t>，</a:t>
+            </a:r>
+            <a:r>
+              <a:rPr lang="zh-CN" altLang="zh-CN" sz="2400" dirty="0" smtClean="0">
+                <a:latin typeface="+mn-ea"/>
+              </a:rPr>
+              <a:t>提出</a:t>
+            </a:r>
+            <a:r>
+              <a:rPr lang="zh-CN" altLang="zh-CN" sz="2400" dirty="0">
+                <a:latin typeface="+mn-ea"/>
+              </a:rPr>
+              <a:t>自己对网站的意见或建议。</a:t>
+            </a:r>
+          </a:p>
+          <a:p>
+            <a:r>
+              <a:rPr lang="en-US" altLang="zh-CN" sz="2400" dirty="0">
+                <a:latin typeface="+mn-ea"/>
+              </a:rPr>
+              <a:t>       </a:t>
+            </a:r>
+            <a:r>
+              <a:rPr lang="zh-CN" altLang="zh-CN" sz="2400" dirty="0">
+                <a:latin typeface="+mn-ea"/>
+              </a:rPr>
+              <a:t>（</a:t>
+            </a:r>
+            <a:r>
+              <a:rPr lang="en-US" altLang="zh-CN" sz="2400" dirty="0">
+                <a:latin typeface="+mn-ea"/>
+              </a:rPr>
+              <a:t>3</a:t>
+            </a:r>
+            <a:r>
+              <a:rPr lang="zh-CN" altLang="zh-CN" sz="2400" dirty="0">
+                <a:latin typeface="+mn-ea"/>
+              </a:rPr>
+              <a:t>）通过</a:t>
+            </a:r>
+            <a:r>
+              <a:rPr lang="en-US" altLang="zh-CN" sz="2400" dirty="0" err="1">
+                <a:latin typeface="+mn-ea"/>
+              </a:rPr>
+              <a:t>jsp</a:t>
+            </a:r>
+            <a:r>
+              <a:rPr lang="en-US" altLang="zh-CN" sz="2400" dirty="0">
+                <a:latin typeface="+mn-ea"/>
+              </a:rPr>
+              <a:t> </a:t>
+            </a:r>
+            <a:r>
+              <a:rPr lang="zh-CN" altLang="zh-CN" sz="2400" dirty="0">
+                <a:latin typeface="+mn-ea"/>
+              </a:rPr>
+              <a:t>、</a:t>
+            </a:r>
+            <a:r>
+              <a:rPr lang="en-US" altLang="zh-CN" sz="2400" dirty="0" err="1">
+                <a:latin typeface="+mn-ea"/>
+              </a:rPr>
+              <a:t>css</a:t>
+            </a:r>
+            <a:r>
+              <a:rPr lang="zh-CN" altLang="zh-CN" sz="2400" dirty="0">
+                <a:latin typeface="+mn-ea"/>
+              </a:rPr>
+              <a:t>设计系统界面</a:t>
+            </a:r>
+          </a:p>
+          <a:p>
+            <a:r>
+              <a:rPr lang="en-US" altLang="zh-CN" sz="2400" dirty="0">
+                <a:latin typeface="+mn-ea"/>
+              </a:rPr>
+              <a:t>	3.	</a:t>
+            </a:r>
+            <a:r>
+              <a:rPr lang="zh-CN" altLang="zh-CN" sz="2400" dirty="0">
+                <a:latin typeface="+mn-ea"/>
+              </a:rPr>
+              <a:t>对项目进行测试，找出一些不足之处。</a:t>
+            </a:r>
+          </a:p>
+          <a:p>
+            <a:r>
+              <a:rPr lang="en-US" altLang="zh-CN" sz="2400" dirty="0">
+                <a:latin typeface="+mn-ea"/>
+              </a:rPr>
+              <a:t>	4. </a:t>
+            </a:r>
+            <a:r>
+              <a:rPr lang="zh-CN" altLang="zh-CN" sz="2400" dirty="0">
+                <a:latin typeface="+mn-ea"/>
+              </a:rPr>
+              <a:t>最后进行该项目的整体测试和项目的整体优化。</a:t>
+            </a:r>
+            <a:endParaRPr lang="en-US" altLang="zh-CN" sz="2400" dirty="0">
+              <a:latin typeface="+mn-ea"/>
+            </a:endParaRPr>
+          </a:p>
+          <a:p>
+            <a:pPr>
+              <a:lnSpc>
+                <a:spcPct val="130000"/>
+              </a:lnSpc>
+            </a:pPr>
+            <a:endParaRPr lang="zh-CN" altLang="en-US" sz="1400" dirty="0" smtClean="0">
+              <a:latin typeface="Arial" panose="020B0604020202020204" pitchFamily="34" charset="0"/>
+              <a:ea typeface="微软雅黑" panose="020B0503020204020204" pitchFamily="34" charset="-122"/>
+            </a:endParaRPr>
+          </a:p>
+        </p:txBody>
+      </p:sp>
     </p:spTree>
   </p:cSld>
   <p:clrMapOvr>
@@ -15838,6 +16506,556 @@
       <p:bldP spid="28" grpId="0"/>
     </p:bldLst>
   </p:timing>
+</p:sld>
+</file>
+
+<file path=ppt/slides/slide9.xml><?xml version="1.0" encoding="utf-8"?>
+<p:sld xmlns:a="http://schemas.openxmlformats.org/drawingml/2006/main" xmlns:r="http://schemas.openxmlformats.org/officeDocument/2006/relationships" xmlns:p="http://schemas.openxmlformats.org/presentationml/2006/main">
+  <p:cSld>
+    <p:spTree>
+      <p:nvGrpSpPr>
+        <p:cNvPr id="1" name=""/>
+        <p:cNvGrpSpPr/>
+        <p:nvPr/>
+      </p:nvGrpSpPr>
+      <p:grpSpPr>
+        <a:xfrm>
+          <a:off x="0" y="0"/>
+          <a:ext cx="0" cy="0"/>
+          <a:chOff x="0" y="0"/>
+          <a:chExt cx="0" cy="0"/>
+        </a:xfrm>
+      </p:grpSpPr>
+      <p:sp>
+        <p:nvSpPr>
+          <p:cNvPr id="2" name="标题 1"/>
+          <p:cNvSpPr>
+            <a:spLocks noGrp="1"/>
+          </p:cNvSpPr>
+          <p:nvPr>
+            <p:ph type="title"/>
+          </p:nvPr>
+        </p:nvSpPr>
+        <p:spPr/>
+        <p:txBody>
+          <a:bodyPr/>
+          <a:lstStyle/>
+          <a:p>
+            <a:r>
+              <a:rPr lang="zh-CN" altLang="en-US" dirty="0" smtClean="0"/>
+              <a:t>论文结构</a:t>
+            </a:r>
+            <a:endParaRPr lang="zh-CN" altLang="en-US" dirty="0"/>
+          </a:p>
+        </p:txBody>
+      </p:sp>
+      <p:sp>
+        <p:nvSpPr>
+          <p:cNvPr id="5" name="TextBox 4"/>
+          <p:cNvSpPr txBox="1"/>
+          <p:nvPr/>
+        </p:nvSpPr>
+        <p:spPr>
+          <a:xfrm>
+            <a:off x="155575" y="958066"/>
+            <a:ext cx="11780611" cy="5769305"/>
+          </a:xfrm>
+          <a:prstGeom prst="rect">
+            <a:avLst/>
+          </a:prstGeom>
+          <a:noFill/>
+        </p:spPr>
+        <p:txBody>
+          <a:bodyPr wrap="square" rtlCol="0">
+            <a:spAutoFit/>
+          </a:bodyPr>
+          <a:lstStyle/>
+          <a:p>
+            <a:r>
+              <a:rPr lang="zh-CN" altLang="zh-CN" sz="2400" b="1" dirty="0">
+                <a:latin typeface="+mn-ea"/>
+              </a:rPr>
+              <a:t>主要研究内容：</a:t>
+            </a:r>
+            <a:endParaRPr lang="zh-CN" altLang="zh-CN" sz="2400" dirty="0">
+              <a:latin typeface="+mn-ea"/>
+            </a:endParaRPr>
+          </a:p>
+          <a:p>
+            <a:r>
+              <a:rPr lang="en-US" altLang="zh-CN" sz="2400" dirty="0">
+                <a:latin typeface="+mn-ea"/>
+              </a:rPr>
+              <a:t>1.</a:t>
+            </a:r>
+            <a:r>
+              <a:rPr lang="zh-CN" altLang="zh-CN" sz="2400" dirty="0">
+                <a:latin typeface="+mn-ea"/>
+              </a:rPr>
+              <a:t>网站采用</a:t>
+            </a:r>
+            <a:r>
+              <a:rPr lang="en-US" altLang="zh-CN" sz="2400" dirty="0">
+                <a:latin typeface="+mn-ea"/>
+              </a:rPr>
+              <a:t>Java EE </a:t>
+            </a:r>
+            <a:r>
+              <a:rPr lang="zh-CN" altLang="zh-CN" sz="2400" dirty="0">
+                <a:latin typeface="+mn-ea"/>
+              </a:rPr>
+              <a:t>技术，以</a:t>
+            </a:r>
+            <a:r>
+              <a:rPr lang="en-US" altLang="zh-CN" sz="2400" dirty="0">
+                <a:latin typeface="+mn-ea"/>
+              </a:rPr>
+              <a:t>MySQL</a:t>
+            </a:r>
+            <a:r>
+              <a:rPr lang="zh-CN" altLang="zh-CN" sz="2400" dirty="0">
+                <a:latin typeface="+mn-ea"/>
+              </a:rPr>
+              <a:t>数据库为后台数据库，通过</a:t>
+            </a:r>
+            <a:r>
+              <a:rPr lang="en-US" altLang="zh-CN" sz="2400" dirty="0">
+                <a:latin typeface="+mn-ea"/>
+              </a:rPr>
+              <a:t>servlet</a:t>
+            </a:r>
+            <a:r>
+              <a:rPr lang="zh-CN" altLang="zh-CN" sz="2400" dirty="0">
+                <a:latin typeface="+mn-ea"/>
+              </a:rPr>
+              <a:t>、</a:t>
+            </a:r>
+            <a:r>
+              <a:rPr lang="en-US" altLang="zh-CN" sz="2400" dirty="0" err="1">
+                <a:latin typeface="+mn-ea"/>
+              </a:rPr>
+              <a:t>jsp</a:t>
+            </a:r>
+            <a:r>
+              <a:rPr lang="zh-CN" altLang="zh-CN" sz="2400" dirty="0">
+                <a:latin typeface="+mn-ea"/>
+              </a:rPr>
+              <a:t>等相关技术，以实现大众方便、快捷的浏览到需要的消防知识为基础目标，制作出消防网站。人们无需登陆便可以浏览本网站所有的消防知识，也可以注册账号，进行一些相应的操作。 </a:t>
+            </a:r>
+          </a:p>
+          <a:p>
+            <a:r>
+              <a:rPr lang="en-US" altLang="zh-CN" sz="2400" dirty="0">
+                <a:latin typeface="+mn-ea"/>
+              </a:rPr>
+              <a:t>2..</a:t>
+            </a:r>
+            <a:r>
+              <a:rPr lang="zh-CN" altLang="zh-CN" sz="2400" dirty="0">
+                <a:latin typeface="+mn-ea"/>
+              </a:rPr>
+              <a:t>系统架构的研究：拟采用三层架构，将系统分为展示层（</a:t>
+            </a:r>
+            <a:r>
+              <a:rPr lang="en-US" altLang="zh-CN" sz="2400" dirty="0">
+                <a:latin typeface="+mn-ea"/>
+              </a:rPr>
+              <a:t>view</a:t>
+            </a:r>
+            <a:r>
+              <a:rPr lang="zh-CN" altLang="zh-CN" sz="2400" dirty="0">
+                <a:latin typeface="+mn-ea"/>
+              </a:rPr>
+              <a:t>）、控制层（</a:t>
+            </a:r>
+            <a:r>
+              <a:rPr lang="en-US" altLang="zh-CN" sz="2400" dirty="0">
+                <a:latin typeface="+mn-ea"/>
+              </a:rPr>
+              <a:t>control</a:t>
+            </a:r>
+            <a:r>
+              <a:rPr lang="zh-CN" altLang="zh-CN" sz="2400" dirty="0">
+                <a:latin typeface="+mn-ea"/>
+              </a:rPr>
+              <a:t>）、服务层（</a:t>
+            </a:r>
+            <a:r>
+              <a:rPr lang="en-US" altLang="zh-CN" sz="2400" dirty="0">
+                <a:latin typeface="+mn-ea"/>
+              </a:rPr>
+              <a:t>service</a:t>
+            </a:r>
+            <a:r>
+              <a:rPr lang="zh-CN" altLang="zh-CN" sz="2400" dirty="0">
+                <a:latin typeface="+mn-ea"/>
+              </a:rPr>
+              <a:t>），通过研究三层架构，可以清晰的理解软件系统架构，有助于程序的编写。</a:t>
+            </a:r>
+          </a:p>
+          <a:p>
+            <a:r>
+              <a:rPr lang="en-US" altLang="zh-CN" sz="2400" dirty="0" smtClean="0">
+                <a:latin typeface="+mn-ea"/>
+              </a:rPr>
+              <a:t>3..</a:t>
+            </a:r>
+            <a:r>
+              <a:rPr lang="zh-CN" altLang="zh-CN" sz="2400" dirty="0">
+                <a:latin typeface="+mn-ea"/>
+              </a:rPr>
+              <a:t>数据库的设计及优化：</a:t>
+            </a:r>
+          </a:p>
+          <a:p>
+            <a:r>
+              <a:rPr lang="zh-CN" altLang="zh-CN" sz="2400" dirty="0">
+                <a:latin typeface="+mn-ea"/>
+              </a:rPr>
+              <a:t>（</a:t>
+            </a:r>
+            <a:r>
+              <a:rPr lang="en-US" altLang="zh-CN" sz="2400" dirty="0">
+                <a:latin typeface="+mn-ea"/>
+              </a:rPr>
+              <a:t>1</a:t>
+            </a:r>
+            <a:r>
+              <a:rPr lang="zh-CN" altLang="zh-CN" sz="2400" dirty="0">
+                <a:latin typeface="+mn-ea"/>
+              </a:rPr>
+              <a:t>）对本次项目所需数据库内容进行详细的分析。</a:t>
+            </a:r>
+          </a:p>
+          <a:p>
+            <a:r>
+              <a:rPr lang="zh-CN" altLang="zh-CN" sz="2400" dirty="0">
+                <a:latin typeface="+mn-ea"/>
+              </a:rPr>
+              <a:t>（</a:t>
+            </a:r>
+            <a:r>
+              <a:rPr lang="en-US" altLang="zh-CN" sz="2400" dirty="0">
+                <a:latin typeface="+mn-ea"/>
+              </a:rPr>
+              <a:t>2</a:t>
+            </a:r>
+            <a:r>
+              <a:rPr lang="zh-CN" altLang="zh-CN" sz="2400" dirty="0">
+                <a:latin typeface="+mn-ea"/>
+              </a:rPr>
+              <a:t>）设计数据的逻辑存储结构，理清数据实体之间的逻辑关系，减少数据冗余。</a:t>
+            </a:r>
+          </a:p>
+          <a:p>
+            <a:r>
+              <a:rPr lang="zh-CN" altLang="zh-CN" sz="2400" dirty="0">
+                <a:latin typeface="+mn-ea"/>
+              </a:rPr>
+              <a:t>（</a:t>
+            </a:r>
+            <a:r>
+              <a:rPr lang="en-US" altLang="zh-CN" sz="2400" dirty="0">
+                <a:latin typeface="+mn-ea"/>
+              </a:rPr>
+              <a:t>3</a:t>
+            </a:r>
+            <a:r>
+              <a:rPr lang="zh-CN" altLang="zh-CN" sz="2400" dirty="0">
+                <a:latin typeface="+mn-ea"/>
+              </a:rPr>
+              <a:t>）根据所要使用的数据库特点进行表结构的设计</a:t>
+            </a:r>
+          </a:p>
+          <a:p>
+            <a:r>
+              <a:rPr lang="zh-CN" altLang="zh-CN" sz="2400" dirty="0">
+                <a:latin typeface="+mn-ea"/>
+              </a:rPr>
+              <a:t>（</a:t>
+            </a:r>
+            <a:r>
+              <a:rPr lang="en-US" altLang="zh-CN" sz="2400" dirty="0">
+                <a:latin typeface="+mn-ea"/>
+              </a:rPr>
+              <a:t>4</a:t>
+            </a:r>
+            <a:r>
+              <a:rPr lang="zh-CN" altLang="zh-CN" sz="2400" dirty="0">
+                <a:latin typeface="+mn-ea"/>
+              </a:rPr>
+              <a:t>）最后根据实际情况对数据库索引、存储结构等进行优化</a:t>
+            </a:r>
+          </a:p>
+          <a:p>
+            <a:r>
+              <a:rPr lang="en-US" altLang="zh-CN" sz="2400" dirty="0" smtClean="0">
+                <a:latin typeface="+mn-ea"/>
+              </a:rPr>
+              <a:t>4..</a:t>
+            </a:r>
+            <a:r>
+              <a:rPr lang="zh-CN" altLang="zh-CN" sz="2400" dirty="0">
+                <a:latin typeface="+mn-ea"/>
+              </a:rPr>
+              <a:t>用户体验和界面的友好性研究：本次项目使用</a:t>
+            </a:r>
+            <a:r>
+              <a:rPr lang="en-US" altLang="zh-CN" sz="2400" dirty="0">
+                <a:latin typeface="+mn-ea"/>
+              </a:rPr>
+              <a:t>servlet</a:t>
+            </a:r>
+            <a:r>
+              <a:rPr lang="zh-CN" altLang="zh-CN" sz="2400" dirty="0">
+                <a:latin typeface="+mn-ea"/>
+              </a:rPr>
+              <a:t>、</a:t>
+            </a:r>
+            <a:r>
+              <a:rPr lang="en-US" altLang="zh-CN" sz="2400" dirty="0" err="1">
+                <a:latin typeface="+mn-ea"/>
+              </a:rPr>
+              <a:t>jsp</a:t>
+            </a:r>
+            <a:r>
+              <a:rPr lang="zh-CN" altLang="zh-CN" sz="2400" dirty="0">
+                <a:latin typeface="+mn-ea"/>
+              </a:rPr>
+              <a:t>等技术和</a:t>
+            </a:r>
+            <a:r>
+              <a:rPr lang="en-US" altLang="zh-CN" sz="2400" dirty="0">
+                <a:latin typeface="+mn-ea"/>
+              </a:rPr>
+              <a:t>JavaScript</a:t>
+            </a:r>
+            <a:r>
+              <a:rPr lang="zh-CN" altLang="zh-CN" sz="2400" dirty="0">
+                <a:latin typeface="+mn-ea"/>
+              </a:rPr>
+              <a:t>插件，来提高用户体验和用户交互性</a:t>
+            </a:r>
+            <a:r>
+              <a:rPr lang="en-US" altLang="zh-CN" sz="2400" dirty="0">
+                <a:latin typeface="+mn-ea"/>
+              </a:rPr>
+              <a:t>,</a:t>
+            </a:r>
+            <a:r>
+              <a:rPr lang="zh-CN" altLang="zh-CN" sz="2400" dirty="0">
+                <a:latin typeface="+mn-ea"/>
+              </a:rPr>
+              <a:t>对用户界面以及用户操作方面进行优化，使得界面更为美观，操作更加人性化。</a:t>
+            </a:r>
+          </a:p>
+        </p:txBody>
+      </p:sp>
+      <p:sp>
+        <p:nvSpPr>
+          <p:cNvPr id="6" name=" 184"/>
+          <p:cNvSpPr/>
+          <p:nvPr/>
+        </p:nvSpPr>
+        <p:spPr>
+          <a:xfrm>
+            <a:off x="155575" y="83820"/>
+            <a:ext cx="894080" cy="859155"/>
+          </a:xfrm>
+          <a:prstGeom prst="ellipse">
+            <a:avLst/>
+          </a:prstGeom>
+          <a:solidFill>
+            <a:srgbClr val="071F65"/>
+          </a:solidFill>
+          <a:ln>
+            <a:noFill/>
+          </a:ln>
+        </p:spPr>
+        <p:style>
+          <a:lnRef idx="2">
+            <a:schemeClr val="accent1">
+              <a:shade val="50000"/>
+            </a:schemeClr>
+          </a:lnRef>
+          <a:fillRef idx="1">
+            <a:schemeClr val="accent1"/>
+          </a:fillRef>
+          <a:effectRef idx="0">
+            <a:schemeClr val="accent1"/>
+          </a:effectRef>
+          <a:fontRef idx="minor">
+            <a:schemeClr val="lt1"/>
+          </a:fontRef>
+        </p:style>
+        <p:txBody>
+          <a:bodyPr anchor="ctr">
+            <a:scene3d>
+              <a:camera prst="orthographicFront"/>
+              <a:lightRig rig="threePt" dir="t"/>
+            </a:scene3d>
+            <a:sp3d>
+              <a:contourClr>
+                <a:srgbClr val="FFFFFF"/>
+              </a:contourClr>
+            </a:sp3d>
+          </a:bodyPr>
+          <a:lstStyle>
+            <a:defPPr>
+              <a:defRPr lang="zh-CN"/>
+            </a:defPPr>
+            <a:lvl1pPr algn="l" rtl="0" eaLnBrk="0" fontAlgn="base" hangingPunct="0">
+              <a:spcBef>
+                <a:spcPct val="0"/>
+              </a:spcBef>
+              <a:spcAft>
+                <a:spcPct val="0"/>
+              </a:spcAft>
+              <a:defRPr kern="1200">
+                <a:solidFill>
+                  <a:schemeClr val="lt1"/>
+                </a:solidFill>
+                <a:latin typeface="+mn-lt"/>
+                <a:ea typeface="+mn-ea"/>
+                <a:cs typeface="+mn-cs"/>
+              </a:defRPr>
+            </a:lvl1pPr>
+            <a:lvl2pPr marL="457200" algn="l" rtl="0" eaLnBrk="0" fontAlgn="base" hangingPunct="0">
+              <a:spcBef>
+                <a:spcPct val="0"/>
+              </a:spcBef>
+              <a:spcAft>
+                <a:spcPct val="0"/>
+              </a:spcAft>
+              <a:defRPr kern="1200">
+                <a:solidFill>
+                  <a:schemeClr val="lt1"/>
+                </a:solidFill>
+                <a:latin typeface="+mn-lt"/>
+                <a:ea typeface="+mn-ea"/>
+                <a:cs typeface="+mn-cs"/>
+              </a:defRPr>
+            </a:lvl2pPr>
+            <a:lvl3pPr marL="914400" algn="l" rtl="0" eaLnBrk="0" fontAlgn="base" hangingPunct="0">
+              <a:spcBef>
+                <a:spcPct val="0"/>
+              </a:spcBef>
+              <a:spcAft>
+                <a:spcPct val="0"/>
+              </a:spcAft>
+              <a:defRPr kern="1200">
+                <a:solidFill>
+                  <a:schemeClr val="lt1"/>
+                </a:solidFill>
+                <a:latin typeface="+mn-lt"/>
+                <a:ea typeface="+mn-ea"/>
+                <a:cs typeface="+mn-cs"/>
+              </a:defRPr>
+            </a:lvl3pPr>
+            <a:lvl4pPr marL="1371600" algn="l" rtl="0" eaLnBrk="0" fontAlgn="base" hangingPunct="0">
+              <a:spcBef>
+                <a:spcPct val="0"/>
+              </a:spcBef>
+              <a:spcAft>
+                <a:spcPct val="0"/>
+              </a:spcAft>
+              <a:defRPr kern="1200">
+                <a:solidFill>
+                  <a:schemeClr val="lt1"/>
+                </a:solidFill>
+                <a:latin typeface="+mn-lt"/>
+                <a:ea typeface="+mn-ea"/>
+                <a:cs typeface="+mn-cs"/>
+              </a:defRPr>
+            </a:lvl4pPr>
+            <a:lvl5pPr marL="1828800" algn="l" rtl="0" eaLnBrk="0" fontAlgn="base" hangingPunct="0">
+              <a:spcBef>
+                <a:spcPct val="0"/>
+              </a:spcBef>
+              <a:spcAft>
+                <a:spcPct val="0"/>
+              </a:spcAft>
+              <a:defRPr kern="1200">
+                <a:solidFill>
+                  <a:schemeClr val="lt1"/>
+                </a:solidFill>
+                <a:latin typeface="+mn-lt"/>
+                <a:ea typeface="+mn-ea"/>
+                <a:cs typeface="+mn-cs"/>
+              </a:defRPr>
+            </a:lvl5pPr>
+            <a:lvl6pPr marL="2286000" algn="l" defTabSz="914400" rtl="0" eaLnBrk="1" latinLnBrk="0" hangingPunct="1">
+              <a:defRPr kern="1200">
+                <a:solidFill>
+                  <a:schemeClr val="lt1"/>
+                </a:solidFill>
+                <a:latin typeface="+mn-lt"/>
+                <a:ea typeface="+mn-ea"/>
+                <a:cs typeface="+mn-cs"/>
+              </a:defRPr>
+            </a:lvl6pPr>
+            <a:lvl7pPr marL="2743200" algn="l" defTabSz="914400" rtl="0" eaLnBrk="1" latinLnBrk="0" hangingPunct="1">
+              <a:defRPr kern="1200">
+                <a:solidFill>
+                  <a:schemeClr val="lt1"/>
+                </a:solidFill>
+                <a:latin typeface="+mn-lt"/>
+                <a:ea typeface="+mn-ea"/>
+                <a:cs typeface="+mn-cs"/>
+              </a:defRPr>
+            </a:lvl7pPr>
+            <a:lvl8pPr marL="3200400" algn="l" defTabSz="914400" rtl="0" eaLnBrk="1" latinLnBrk="0" hangingPunct="1">
+              <a:defRPr kern="1200">
+                <a:solidFill>
+                  <a:schemeClr val="lt1"/>
+                </a:solidFill>
+                <a:latin typeface="+mn-lt"/>
+                <a:ea typeface="+mn-ea"/>
+                <a:cs typeface="+mn-cs"/>
+              </a:defRPr>
+            </a:lvl8pPr>
+            <a:lvl9pPr marL="3657600" algn="l" defTabSz="914400" rtl="0" eaLnBrk="1" latinLnBrk="0" hangingPunct="1">
+              <a:defRPr kern="1200">
+                <a:solidFill>
+                  <a:schemeClr val="lt1"/>
+                </a:solidFill>
+                <a:latin typeface="+mn-lt"/>
+                <a:ea typeface="+mn-ea"/>
+                <a:cs typeface="+mn-cs"/>
+              </a:defRPr>
+            </a:lvl9pPr>
+          </a:lstStyle>
+          <a:p>
+            <a:pPr algn="ctr" eaLnBrk="1" fontAlgn="auto" hangingPunct="1">
+              <a:spcBef>
+                <a:spcPts val="0"/>
+              </a:spcBef>
+              <a:spcAft>
+                <a:spcPts val="0"/>
+              </a:spcAft>
+              <a:defRPr/>
+            </a:pPr>
+            <a:endParaRPr lang="zh-CN" altLang="en-US">
+              <a:solidFill>
+                <a:srgbClr val="FFFFFF"/>
+              </a:solidFill>
+            </a:endParaRPr>
+          </a:p>
+        </p:txBody>
+      </p:sp>
+    </p:spTree>
+    <p:extLst>
+      <p:ext uri="{BB962C8B-B14F-4D97-AF65-F5344CB8AC3E}">
+        <p14:creationId xmlns:p14="http://schemas.microsoft.com/office/powerpoint/2010/main" val="2841076091"/>
+      </p:ext>
+    </p:extLst>
+  </p:cSld>
+  <p:clrMapOvr>
+    <a:masterClrMapping/>
+  </p:clrMapOvr>
+  <p:transition>
+    <p:wipe/>
+  </p:transition>
 </p:sld>
 </file>
 
@@ -16091,7 +17309,7 @@
   <a:extraClrSchemeLst/>
   <a:extLst>
     <a:ext uri="{05A4C25C-085E-4340-85A3-A5531E510DB2}">
-      <thm15:themeFamily xmlns="" xmlns:thm15="http://schemas.microsoft.com/office/thememl/2012/main" name="Office Theme" id="{62F939B6-93AF-4DB8-9C6B-D6C7DFDC589F}" vid="{4A3C46E8-61CC-4603-A589-7422A47A8E4A}"/>
+      <thm15:themeFamily xmlns:thm15="http://schemas.microsoft.com/office/thememl/2012/main" xmlns="" name="Office Theme" id="{62F939B6-93AF-4DB8-9C6B-D6C7DFDC589F}" vid="{4A3C46E8-61CC-4603-A589-7422A47A8E4A}"/>
     </a:ext>
   </a:extLst>
 </a:theme>
@@ -16416,7 +17634,7 @@
   <a:extraClrSchemeLst/>
   <a:extLst>
     <a:ext uri="{05A4C25C-085E-4340-85A3-A5531E510DB2}">
-      <thm15:themeFamily xmlns="" xmlns:thm15="http://schemas.microsoft.com/office/thememl/2012/main" name="Office Theme" id="{62F939B6-93AF-4DB8-9C6B-D6C7DFDC589F}" vid="{4A3C46E8-61CC-4603-A589-7422A47A8E4A}"/>
+      <thm15:themeFamily xmlns:thm15="http://schemas.microsoft.com/office/thememl/2012/main" xmlns="" name="Office Theme" id="{62F939B6-93AF-4DB8-9C6B-D6C7DFDC589F}" vid="{4A3C46E8-61CC-4603-A589-7422A47A8E4A}"/>
     </a:ext>
   </a:extLst>
 </a:theme>
@@ -16741,7 +17959,7 @@
   <a:extraClrSchemeLst/>
   <a:extLst>
     <a:ext uri="{05A4C25C-085E-4340-85A3-A5531E510DB2}">
-      <thm15:themeFamily xmlns="" xmlns:thm15="http://schemas.microsoft.com/office/thememl/2012/main" name="Office Theme" id="{62F939B6-93AF-4DB8-9C6B-D6C7DFDC589F}" vid="{4A3C46E8-61CC-4603-A589-7422A47A8E4A}"/>
+      <thm15:themeFamily xmlns:thm15="http://schemas.microsoft.com/office/thememl/2012/main" xmlns="" name="Office Theme" id="{62F939B6-93AF-4DB8-9C6B-D6C7DFDC589F}" vid="{4A3C46E8-61CC-4603-A589-7422A47A8E4A}"/>
     </a:ext>
   </a:extLst>
 </a:theme>
